--- a/Document/요구사항명세서.pptx
+++ b/Document/요구사항명세서.pptx
@@ -6,10 +6,12 @@
   </p:sldMasterIdLst>
   <p:sldIdLst>
     <p:sldId id="256" r:id="rId2"/>
-    <p:sldId id="257" r:id="rId3"/>
-    <p:sldId id="258" r:id="rId4"/>
-    <p:sldId id="260" r:id="rId5"/>
-    <p:sldId id="261" r:id="rId6"/>
+    <p:sldId id="262" r:id="rId3"/>
+    <p:sldId id="263" r:id="rId4"/>
+    <p:sldId id="257" r:id="rId5"/>
+    <p:sldId id="258" r:id="rId6"/>
+    <p:sldId id="260" r:id="rId7"/>
+    <p:sldId id="261" r:id="rId8"/>
   </p:sldIdLst>
   <p:sldSz cx="9144000" cy="6858000" type="screen4x3"/>
   <p:notesSz cx="6858000" cy="9144000"/>
@@ -292,6 +294,7 @@
           <a:p>
             <a:fld id="{230F58E2-F6EC-4ADF-86CD-E9E8F78ED1D3}" type="datetimeFigureOut">
               <a:rPr lang="ko-KR" altLang="en-US" smtClean="0"/>
+              <a:pPr/>
               <a:t>2012-06-10</a:t>
             </a:fld>
             <a:endParaRPr lang="ko-KR" altLang="en-US"/>
@@ -334,6 +337,7 @@
           <a:p>
             <a:fld id="{015E3703-B5F8-4A40-92E4-46CD71468427}" type="slidenum">
               <a:rPr lang="ko-KR" altLang="en-US" smtClean="0"/>
+              <a:pPr/>
               <a:t>‹#›</a:t>
             </a:fld>
             <a:endParaRPr lang="ko-KR" altLang="en-US"/>
@@ -457,6 +461,7 @@
           <a:p>
             <a:fld id="{230F58E2-F6EC-4ADF-86CD-E9E8F78ED1D3}" type="datetimeFigureOut">
               <a:rPr lang="ko-KR" altLang="en-US" smtClean="0"/>
+              <a:pPr/>
               <a:t>2012-06-10</a:t>
             </a:fld>
             <a:endParaRPr lang="ko-KR" altLang="en-US"/>
@@ -499,6 +504,7 @@
           <a:p>
             <a:fld id="{015E3703-B5F8-4A40-92E4-46CD71468427}" type="slidenum">
               <a:rPr lang="ko-KR" altLang="en-US" smtClean="0"/>
+              <a:pPr/>
               <a:t>‹#›</a:t>
             </a:fld>
             <a:endParaRPr lang="ko-KR" altLang="en-US"/>
@@ -632,6 +638,7 @@
           <a:p>
             <a:fld id="{230F58E2-F6EC-4ADF-86CD-E9E8F78ED1D3}" type="datetimeFigureOut">
               <a:rPr lang="ko-KR" altLang="en-US" smtClean="0"/>
+              <a:pPr/>
               <a:t>2012-06-10</a:t>
             </a:fld>
             <a:endParaRPr lang="ko-KR" altLang="en-US"/>
@@ -674,6 +681,7 @@
           <a:p>
             <a:fld id="{015E3703-B5F8-4A40-92E4-46CD71468427}" type="slidenum">
               <a:rPr lang="ko-KR" altLang="en-US" smtClean="0"/>
+              <a:pPr/>
               <a:t>‹#›</a:t>
             </a:fld>
             <a:endParaRPr lang="ko-KR" altLang="en-US"/>
@@ -797,6 +805,7 @@
           <a:p>
             <a:fld id="{230F58E2-F6EC-4ADF-86CD-E9E8F78ED1D3}" type="datetimeFigureOut">
               <a:rPr lang="ko-KR" altLang="en-US" smtClean="0"/>
+              <a:pPr/>
               <a:t>2012-06-10</a:t>
             </a:fld>
             <a:endParaRPr lang="ko-KR" altLang="en-US"/>
@@ -839,6 +848,7 @@
           <a:p>
             <a:fld id="{015E3703-B5F8-4A40-92E4-46CD71468427}" type="slidenum">
               <a:rPr lang="ko-KR" altLang="en-US" smtClean="0"/>
+              <a:pPr/>
               <a:t>‹#›</a:t>
             </a:fld>
             <a:endParaRPr lang="ko-KR" altLang="en-US"/>
@@ -1038,6 +1048,7 @@
           <a:p>
             <a:fld id="{230F58E2-F6EC-4ADF-86CD-E9E8F78ED1D3}" type="datetimeFigureOut">
               <a:rPr lang="ko-KR" altLang="en-US" smtClean="0"/>
+              <a:pPr/>
               <a:t>2012-06-10</a:t>
             </a:fld>
             <a:endParaRPr lang="ko-KR" altLang="en-US"/>
@@ -1080,6 +1091,7 @@
           <a:p>
             <a:fld id="{015E3703-B5F8-4A40-92E4-46CD71468427}" type="slidenum">
               <a:rPr lang="ko-KR" altLang="en-US" smtClean="0"/>
+              <a:pPr/>
               <a:t>‹#›</a:t>
             </a:fld>
             <a:endParaRPr lang="ko-KR" altLang="en-US"/>
@@ -1321,6 +1333,7 @@
           <a:p>
             <a:fld id="{230F58E2-F6EC-4ADF-86CD-E9E8F78ED1D3}" type="datetimeFigureOut">
               <a:rPr lang="ko-KR" altLang="en-US" smtClean="0"/>
+              <a:pPr/>
               <a:t>2012-06-10</a:t>
             </a:fld>
             <a:endParaRPr lang="ko-KR" altLang="en-US"/>
@@ -1363,6 +1376,7 @@
           <a:p>
             <a:fld id="{015E3703-B5F8-4A40-92E4-46CD71468427}" type="slidenum">
               <a:rPr lang="ko-KR" altLang="en-US" smtClean="0"/>
+              <a:pPr/>
               <a:t>‹#›</a:t>
             </a:fld>
             <a:endParaRPr lang="ko-KR" altLang="en-US"/>
@@ -1738,6 +1752,7 @@
           <a:p>
             <a:fld id="{230F58E2-F6EC-4ADF-86CD-E9E8F78ED1D3}" type="datetimeFigureOut">
               <a:rPr lang="ko-KR" altLang="en-US" smtClean="0"/>
+              <a:pPr/>
               <a:t>2012-06-10</a:t>
             </a:fld>
             <a:endParaRPr lang="ko-KR" altLang="en-US"/>
@@ -1780,6 +1795,7 @@
           <a:p>
             <a:fld id="{015E3703-B5F8-4A40-92E4-46CD71468427}" type="slidenum">
               <a:rPr lang="ko-KR" altLang="en-US" smtClean="0"/>
+              <a:pPr/>
               <a:t>‹#›</a:t>
             </a:fld>
             <a:endParaRPr lang="ko-KR" altLang="en-US"/>
@@ -1851,6 +1867,7 @@
           <a:p>
             <a:fld id="{230F58E2-F6EC-4ADF-86CD-E9E8F78ED1D3}" type="datetimeFigureOut">
               <a:rPr lang="ko-KR" altLang="en-US" smtClean="0"/>
+              <a:pPr/>
               <a:t>2012-06-10</a:t>
             </a:fld>
             <a:endParaRPr lang="ko-KR" altLang="en-US"/>
@@ -1893,6 +1910,7 @@
           <a:p>
             <a:fld id="{015E3703-B5F8-4A40-92E4-46CD71468427}" type="slidenum">
               <a:rPr lang="ko-KR" altLang="en-US" smtClean="0"/>
+              <a:pPr/>
               <a:t>‹#›</a:t>
             </a:fld>
             <a:endParaRPr lang="ko-KR" altLang="en-US"/>
@@ -1941,6 +1959,7 @@
           <a:p>
             <a:fld id="{230F58E2-F6EC-4ADF-86CD-E9E8F78ED1D3}" type="datetimeFigureOut">
               <a:rPr lang="ko-KR" altLang="en-US" smtClean="0"/>
+              <a:pPr/>
               <a:t>2012-06-10</a:t>
             </a:fld>
             <a:endParaRPr lang="ko-KR" altLang="en-US"/>
@@ -1983,6 +2002,7 @@
           <a:p>
             <a:fld id="{015E3703-B5F8-4A40-92E4-46CD71468427}" type="slidenum">
               <a:rPr lang="ko-KR" altLang="en-US" smtClean="0"/>
+              <a:pPr/>
               <a:t>‹#›</a:t>
             </a:fld>
             <a:endParaRPr lang="ko-KR" altLang="en-US"/>
@@ -2213,6 +2233,7 @@
           <a:p>
             <a:fld id="{230F58E2-F6EC-4ADF-86CD-E9E8F78ED1D3}" type="datetimeFigureOut">
               <a:rPr lang="ko-KR" altLang="en-US" smtClean="0"/>
+              <a:pPr/>
               <a:t>2012-06-10</a:t>
             </a:fld>
             <a:endParaRPr lang="ko-KR" altLang="en-US"/>
@@ -2255,6 +2276,7 @@
           <a:p>
             <a:fld id="{015E3703-B5F8-4A40-92E4-46CD71468427}" type="slidenum">
               <a:rPr lang="ko-KR" altLang="en-US" smtClean="0"/>
+              <a:pPr/>
               <a:t>‹#›</a:t>
             </a:fld>
             <a:endParaRPr lang="ko-KR" altLang="en-US"/>
@@ -2461,6 +2483,7 @@
           <a:p>
             <a:fld id="{230F58E2-F6EC-4ADF-86CD-E9E8F78ED1D3}" type="datetimeFigureOut">
               <a:rPr lang="ko-KR" altLang="en-US" smtClean="0"/>
+              <a:pPr/>
               <a:t>2012-06-10</a:t>
             </a:fld>
             <a:endParaRPr lang="ko-KR" altLang="en-US"/>
@@ -2503,6 +2526,7 @@
           <a:p>
             <a:fld id="{015E3703-B5F8-4A40-92E4-46CD71468427}" type="slidenum">
               <a:rPr lang="ko-KR" altLang="en-US" smtClean="0"/>
+              <a:pPr/>
               <a:t>‹#›</a:t>
             </a:fld>
             <a:endParaRPr lang="ko-KR" altLang="en-US"/>
@@ -2669,6 +2693,7 @@
           <a:p>
             <a:fld id="{230F58E2-F6EC-4ADF-86CD-E9E8F78ED1D3}" type="datetimeFigureOut">
               <a:rPr lang="ko-KR" altLang="en-US" smtClean="0"/>
+              <a:pPr/>
               <a:t>2012-06-10</a:t>
             </a:fld>
             <a:endParaRPr lang="ko-KR" altLang="en-US"/>
@@ -2747,6 +2772,7 @@
           <a:p>
             <a:fld id="{015E3703-B5F8-4A40-92E4-46CD71468427}" type="slidenum">
               <a:rPr lang="ko-KR" altLang="en-US" smtClean="0"/>
+              <a:pPr/>
               <a:t>‹#›</a:t>
             </a:fld>
             <a:endParaRPr lang="ko-KR" altLang="en-US"/>
@@ -3054,7 +3080,22 @@
           <a:bodyPr/>
           <a:lstStyle/>
           <a:p>
-            <a:endParaRPr lang="ko-KR" altLang="en-US"/>
+            <a:r>
+              <a:rPr lang="en-US" altLang="ko-KR" dirty="0" err="1" smtClean="0"/>
+              <a:t>DreamWare</a:t>
+            </a:r>
+            <a:r>
+              <a:rPr lang="en-US" altLang="ko-KR" dirty="0" smtClean="0"/>
+              <a:t/>
+            </a:r>
+            <a:br>
+              <a:rPr lang="en-US" altLang="ko-KR" dirty="0" smtClean="0"/>
+            </a:br>
+            <a:r>
+              <a:rPr lang="en-US" altLang="ko-KR" dirty="0" smtClean="0"/>
+              <a:t>-Mafia game-</a:t>
+            </a:r>
+            <a:endParaRPr lang="ko-KR" altLang="en-US" dirty="0"/>
           </a:p>
         </p:txBody>
       </p:sp>
@@ -3070,10 +3111,53 @@
         </p:nvSpPr>
         <p:spPr/>
         <p:txBody>
-          <a:bodyPr/>
-          <a:lstStyle/>
-          <a:p>
-            <a:endParaRPr lang="ko-KR" altLang="en-US"/>
+          <a:bodyPr>
+            <a:normAutofit fontScale="85000" lnSpcReduction="20000"/>
+          </a:bodyPr>
+          <a:lstStyle/>
+          <a:p>
+            <a:r>
+              <a:rPr lang="en-US" altLang="ko-KR" dirty="0" smtClean="0"/>
+              <a:t>0791050 </a:t>
+            </a:r>
+            <a:r>
+              <a:rPr lang="ko-KR" altLang="en-US" dirty="0" err="1" smtClean="0"/>
+              <a:t>권지학</a:t>
+            </a:r>
+            <a:endParaRPr lang="en-US" altLang="ko-KR" dirty="0" smtClean="0"/>
+          </a:p>
+          <a:p>
+            <a:r>
+              <a:rPr lang="en-US" altLang="ko-KR" dirty="0" smtClean="0"/>
+              <a:t>0791053 </a:t>
+            </a:r>
+            <a:r>
+              <a:rPr lang="ko-KR" altLang="en-US" dirty="0" smtClean="0"/>
+              <a:t>김도완</a:t>
+            </a:r>
+            <a:endParaRPr lang="en-US" altLang="ko-KR" dirty="0" smtClean="0"/>
+          </a:p>
+          <a:p>
+            <a:r>
+              <a:rPr lang="en-US" altLang="ko-KR" dirty="0" smtClean="0"/>
+              <a:t>0791028 </a:t>
+            </a:r>
+            <a:r>
+              <a:rPr lang="ko-KR" altLang="en-US" dirty="0" smtClean="0"/>
+              <a:t>신재호</a:t>
+            </a:r>
+            <a:endParaRPr lang="en-US" altLang="ko-KR" dirty="0" smtClean="0"/>
+          </a:p>
+          <a:p>
+            <a:r>
+              <a:rPr lang="en-US" altLang="ko-KR" dirty="0" smtClean="0"/>
+              <a:t>0891067 </a:t>
+            </a:r>
+            <a:r>
+              <a:rPr lang="ko-KR" altLang="en-US" dirty="0" smtClean="0"/>
+              <a:t>송요섭</a:t>
+            </a:r>
+            <a:endParaRPr lang="ko-KR" altLang="en-US" dirty="0"/>
           </a:p>
         </p:txBody>
       </p:sp>
@@ -3086,6 +3170,1261 @@
 </file>
 
 <file path=ppt/slides/slide2.xml><?xml version="1.0" encoding="utf-8"?>
+<p:sld xmlns:a="http://schemas.openxmlformats.org/drawingml/2006/main" xmlns:r="http://schemas.openxmlformats.org/officeDocument/2006/relationships" xmlns:p="http://schemas.openxmlformats.org/presentationml/2006/main">
+  <p:cSld>
+    <p:spTree>
+      <p:nvGrpSpPr>
+        <p:cNvPr id="1" name=""/>
+        <p:cNvGrpSpPr/>
+        <p:nvPr/>
+      </p:nvGrpSpPr>
+      <p:grpSpPr>
+        <a:xfrm>
+          <a:off x="0" y="0"/>
+          <a:ext cx="0" cy="0"/>
+          <a:chOff x="0" y="0"/>
+          <a:chExt cx="0" cy="0"/>
+        </a:xfrm>
+      </p:grpSpPr>
+      <p:sp>
+        <p:nvSpPr>
+          <p:cNvPr id="2" name="제목 1"/>
+          <p:cNvSpPr>
+            <a:spLocks noGrp="1"/>
+          </p:cNvSpPr>
+          <p:nvPr>
+            <p:ph type="title"/>
+          </p:nvPr>
+        </p:nvSpPr>
+        <p:spPr/>
+        <p:txBody>
+          <a:bodyPr/>
+          <a:lstStyle/>
+          <a:p>
+            <a:r>
+              <a:rPr lang="ko-KR" altLang="en-US" dirty="0" smtClean="0"/>
+              <a:t>기능적 요구사항</a:t>
+            </a:r>
+            <a:endParaRPr lang="ko-KR" altLang="en-US" dirty="0"/>
+          </a:p>
+        </p:txBody>
+      </p:sp>
+      <p:graphicFrame>
+        <p:nvGraphicFramePr>
+          <p:cNvPr id="4" name="내용 개체 틀 3"/>
+          <p:cNvGraphicFramePr>
+            <a:graphicFrameLocks noGrp="1"/>
+          </p:cNvGraphicFramePr>
+          <p:nvPr>
+            <p:ph idx="1"/>
+          </p:nvPr>
+        </p:nvGraphicFramePr>
+        <p:xfrm>
+          <a:off x="457200" y="1600200"/>
+          <a:ext cx="8229600" cy="5049520"/>
+        </p:xfrm>
+        <a:graphic>
+          <a:graphicData uri="http://schemas.openxmlformats.org/drawingml/2006/table">
+            <a:tbl>
+              <a:tblPr firstRow="1" bandRow="1">
+                <a:tableStyleId>{5C22544A-7EE6-4342-B048-85BDC9FD1C3A}</a:tableStyleId>
+              </a:tblPr>
+              <a:tblGrid>
+                <a:gridCol w="1378496"/>
+                <a:gridCol w="1224136"/>
+                <a:gridCol w="5626968"/>
+              </a:tblGrid>
+              <a:tr h="370840">
+                <a:tc gridSpan="2">
+                  <a:txBody>
+                    <a:bodyPr/>
+                    <a:lstStyle/>
+                    <a:p>
+                      <a:pPr latinLnBrk="1"/>
+                      <a:r>
+                        <a:rPr lang="ko-KR" altLang="en-US" dirty="0" smtClean="0"/>
+                        <a:t>기능</a:t>
+                      </a:r>
+                      <a:endParaRPr lang="ko-KR" altLang="en-US" dirty="0"/>
+                    </a:p>
+                  </a:txBody>
+                  <a:tcPr/>
+                </a:tc>
+                <a:tc hMerge="1">
+                  <a:txBody>
+                    <a:bodyPr/>
+                    <a:lstStyle/>
+                    <a:p>
+                      <a:pPr latinLnBrk="1"/>
+                      <a:endParaRPr lang="ko-KR" altLang="en-US"/>
+                    </a:p>
+                  </a:txBody>
+                  <a:tcPr/>
+                </a:tc>
+                <a:tc>
+                  <a:txBody>
+                    <a:bodyPr/>
+                    <a:lstStyle/>
+                    <a:p>
+                      <a:pPr latinLnBrk="1"/>
+                      <a:r>
+                        <a:rPr lang="ko-KR" altLang="en-US" dirty="0" smtClean="0"/>
+                        <a:t>설명</a:t>
+                      </a:r>
+                      <a:endParaRPr lang="ko-KR" altLang="en-US" dirty="0"/>
+                    </a:p>
+                  </a:txBody>
+                  <a:tcPr/>
+                </a:tc>
+              </a:tr>
+              <a:tr h="370840">
+                <a:tc>
+                  <a:txBody>
+                    <a:bodyPr/>
+                    <a:lstStyle/>
+                    <a:p>
+                      <a:pPr latinLnBrk="1"/>
+                      <a:r>
+                        <a:rPr lang="ko-KR" altLang="en-US" dirty="0" smtClean="0"/>
+                        <a:t>정보입력</a:t>
+                      </a:r>
+                      <a:endParaRPr lang="ko-KR" altLang="en-US" dirty="0"/>
+                    </a:p>
+                  </a:txBody>
+                  <a:tcPr/>
+                </a:tc>
+                <a:tc>
+                  <a:txBody>
+                    <a:bodyPr/>
+                    <a:lstStyle/>
+                    <a:p>
+                      <a:pPr latinLnBrk="1"/>
+                      <a:r>
+                        <a:rPr lang="ko-KR" altLang="en-US" dirty="0" smtClean="0"/>
+                        <a:t>회원가입</a:t>
+                      </a:r>
+                      <a:endParaRPr lang="ko-KR" altLang="en-US" dirty="0"/>
+                    </a:p>
+                  </a:txBody>
+                  <a:tcPr/>
+                </a:tc>
+                <a:tc>
+                  <a:txBody>
+                    <a:bodyPr/>
+                    <a:lstStyle/>
+                    <a:p>
+                      <a:pPr latinLnBrk="1"/>
+                      <a:r>
+                        <a:rPr lang="ko-KR" altLang="en-US" dirty="0" err="1" smtClean="0"/>
+                        <a:t>채팅창에서</a:t>
+                      </a:r>
+                      <a:r>
+                        <a:rPr lang="ko-KR" altLang="en-US" dirty="0" smtClean="0"/>
+                        <a:t> 사용할 </a:t>
+                      </a:r>
+                      <a:r>
+                        <a:rPr lang="en-US" altLang="ko-KR" dirty="0" smtClean="0"/>
+                        <a:t>id</a:t>
+                      </a:r>
+                      <a:r>
+                        <a:rPr lang="ko-KR" altLang="en-US" dirty="0" smtClean="0"/>
+                        <a:t>를 입력하고 회원가입을 한다</a:t>
+                      </a:r>
+                      <a:r>
+                        <a:rPr lang="en-US" altLang="ko-KR" dirty="0" smtClean="0"/>
+                        <a:t>.</a:t>
+                      </a:r>
+                      <a:endParaRPr lang="ko-KR" altLang="en-US" dirty="0"/>
+                    </a:p>
+                  </a:txBody>
+                  <a:tcPr/>
+                </a:tc>
+              </a:tr>
+              <a:tr h="370840">
+                <a:tc>
+                  <a:txBody>
+                    <a:bodyPr/>
+                    <a:lstStyle/>
+                    <a:p>
+                      <a:pPr latinLnBrk="1"/>
+                      <a:endParaRPr lang="ko-KR" altLang="en-US" dirty="0"/>
+                    </a:p>
+                  </a:txBody>
+                  <a:tcPr/>
+                </a:tc>
+                <a:tc>
+                  <a:txBody>
+                    <a:bodyPr/>
+                    <a:lstStyle/>
+                    <a:p>
+                      <a:pPr latinLnBrk="1"/>
+                      <a:r>
+                        <a:rPr lang="en-US" altLang="ko-KR" dirty="0" smtClean="0"/>
+                        <a:t>Login</a:t>
+                      </a:r>
+                      <a:endParaRPr lang="ko-KR" altLang="en-US" dirty="0"/>
+                    </a:p>
+                  </a:txBody>
+                  <a:tcPr/>
+                </a:tc>
+                <a:tc>
+                  <a:txBody>
+                    <a:bodyPr/>
+                    <a:lstStyle/>
+                    <a:p>
+                      <a:pPr latinLnBrk="1"/>
+                      <a:r>
+                        <a:rPr lang="ko-KR" altLang="en-US" dirty="0" err="1" smtClean="0"/>
+                        <a:t>회원가입한</a:t>
+                      </a:r>
+                      <a:r>
+                        <a:rPr lang="ko-KR" altLang="en-US" dirty="0" smtClean="0"/>
+                        <a:t> </a:t>
+                      </a:r>
+                      <a:r>
+                        <a:rPr lang="en-US" altLang="ko-KR" dirty="0" smtClean="0"/>
+                        <a:t>id</a:t>
+                      </a:r>
+                      <a:r>
+                        <a:rPr lang="ko-KR" altLang="en-US" dirty="0" smtClean="0"/>
+                        <a:t>를 이용해서 </a:t>
+                      </a:r>
+                      <a:r>
+                        <a:rPr lang="ko-KR" altLang="en-US" dirty="0" err="1" smtClean="0"/>
+                        <a:t>접속을한다</a:t>
+                      </a:r>
+                      <a:r>
+                        <a:rPr lang="en-US" altLang="ko-KR" dirty="0" smtClean="0"/>
+                        <a:t>.</a:t>
+                      </a:r>
+                      <a:endParaRPr lang="ko-KR" altLang="en-US" dirty="0"/>
+                    </a:p>
+                  </a:txBody>
+                  <a:tcPr/>
+                </a:tc>
+              </a:tr>
+              <a:tr h="370840">
+                <a:tc>
+                  <a:txBody>
+                    <a:bodyPr/>
+                    <a:lstStyle/>
+                    <a:p>
+                      <a:pPr latinLnBrk="1"/>
+                      <a:endParaRPr lang="ko-KR" altLang="en-US" dirty="0"/>
+                    </a:p>
+                  </a:txBody>
+                  <a:tcPr/>
+                </a:tc>
+                <a:tc>
+                  <a:txBody>
+                    <a:bodyPr/>
+                    <a:lstStyle/>
+                    <a:p>
+                      <a:pPr latinLnBrk="1"/>
+                      <a:r>
+                        <a:rPr lang="ko-KR" altLang="en-US" dirty="0" err="1" smtClean="0"/>
+                        <a:t>방설정</a:t>
+                      </a:r>
+                      <a:endParaRPr lang="ko-KR" altLang="en-US" dirty="0"/>
+                    </a:p>
+                  </a:txBody>
+                  <a:tcPr/>
+                </a:tc>
+                <a:tc>
+                  <a:txBody>
+                    <a:bodyPr/>
+                    <a:lstStyle/>
+                    <a:p>
+                      <a:pPr latinLnBrk="1"/>
+                      <a:r>
+                        <a:rPr lang="ko-KR" altLang="en-US" dirty="0" smtClean="0"/>
+                        <a:t>사용자들이 접속할 </a:t>
+                      </a:r>
+                      <a:r>
+                        <a:rPr lang="ko-KR" altLang="en-US" dirty="0" err="1" smtClean="0"/>
+                        <a:t>채팅방을</a:t>
+                      </a:r>
+                      <a:r>
+                        <a:rPr lang="ko-KR" altLang="en-US" dirty="0" smtClean="0"/>
+                        <a:t> 만드는 </a:t>
+                      </a:r>
+                      <a:r>
+                        <a:rPr lang="ko-KR" altLang="en-US" dirty="0" err="1" smtClean="0"/>
+                        <a:t>메뉴창을</a:t>
+                      </a:r>
+                      <a:r>
+                        <a:rPr lang="ko-KR" altLang="en-US" dirty="0" smtClean="0"/>
+                        <a:t> 만들어</a:t>
+                      </a:r>
+                      <a:endParaRPr lang="en-US" altLang="ko-KR" dirty="0" smtClean="0"/>
+                    </a:p>
+                    <a:p>
+                      <a:pPr latinLnBrk="1"/>
+                      <a:r>
+                        <a:rPr lang="ko-KR" altLang="en-US" dirty="0" err="1" smtClean="0"/>
+                        <a:t>방설정을</a:t>
+                      </a:r>
+                      <a:r>
+                        <a:rPr lang="ko-KR" altLang="en-US" dirty="0" smtClean="0"/>
+                        <a:t> </a:t>
+                      </a:r>
+                      <a:r>
+                        <a:rPr lang="ko-KR" altLang="en-US" dirty="0" err="1" smtClean="0"/>
+                        <a:t>입력받도록</a:t>
+                      </a:r>
+                      <a:r>
+                        <a:rPr lang="ko-KR" altLang="en-US" dirty="0" smtClean="0"/>
+                        <a:t> 한다</a:t>
+                      </a:r>
+                      <a:r>
+                        <a:rPr lang="en-US" altLang="ko-KR" dirty="0" smtClean="0"/>
+                        <a:t>.</a:t>
+                      </a:r>
+                      <a:endParaRPr lang="ko-KR" altLang="en-US" dirty="0"/>
+                    </a:p>
+                  </a:txBody>
+                  <a:tcPr/>
+                </a:tc>
+              </a:tr>
+              <a:tr h="370840">
+                <a:tc>
+                  <a:txBody>
+                    <a:bodyPr/>
+                    <a:lstStyle/>
+                    <a:p>
+                      <a:pPr latinLnBrk="1"/>
+                      <a:r>
+                        <a:rPr lang="ko-KR" altLang="en-US" dirty="0" smtClean="0"/>
+                        <a:t>정보저장</a:t>
+                      </a:r>
+                      <a:endParaRPr lang="ko-KR" altLang="en-US" dirty="0"/>
+                    </a:p>
+                  </a:txBody>
+                  <a:tcPr/>
+                </a:tc>
+                <a:tc>
+                  <a:txBody>
+                    <a:bodyPr/>
+                    <a:lstStyle/>
+                    <a:p>
+                      <a:pPr latinLnBrk="1"/>
+                      <a:r>
+                        <a:rPr lang="ko-KR" altLang="en-US" dirty="0" smtClean="0"/>
+                        <a:t>접속</a:t>
+                      </a:r>
+                      <a:endParaRPr lang="ko-KR" altLang="en-US" dirty="0"/>
+                    </a:p>
+                  </a:txBody>
+                  <a:tcPr/>
+                </a:tc>
+                <a:tc>
+                  <a:txBody>
+                    <a:bodyPr/>
+                    <a:lstStyle/>
+                    <a:p>
+                      <a:pPr latinLnBrk="1"/>
+                      <a:r>
+                        <a:rPr lang="ko-KR" altLang="en-US" dirty="0" smtClean="0"/>
+                        <a:t>사용자들이 접속할 방</a:t>
+                      </a:r>
+                      <a:r>
+                        <a:rPr lang="en-US" altLang="ko-KR" dirty="0" smtClean="0"/>
+                        <a:t>(sever)</a:t>
+                      </a:r>
+                      <a:r>
+                        <a:rPr lang="ko-KR" altLang="en-US" dirty="0" smtClean="0"/>
+                        <a:t>를 </a:t>
+                      </a:r>
+                      <a:r>
+                        <a:rPr lang="ko-KR" altLang="en-US" dirty="0" err="1" smtClean="0"/>
+                        <a:t>입력받는다</a:t>
+                      </a:r>
+                      <a:r>
+                        <a:rPr lang="en-US" altLang="ko-KR" dirty="0" smtClean="0"/>
+                        <a:t>.</a:t>
+                      </a:r>
+                      <a:endParaRPr lang="ko-KR" altLang="en-US" dirty="0"/>
+                    </a:p>
+                  </a:txBody>
+                  <a:tcPr/>
+                </a:tc>
+              </a:tr>
+              <a:tr h="213360">
+                <a:tc>
+                  <a:txBody>
+                    <a:bodyPr/>
+                    <a:lstStyle/>
+                    <a:p>
+                      <a:pPr latinLnBrk="1"/>
+                      <a:endParaRPr lang="en-US" altLang="ko-KR" dirty="0" smtClean="0"/>
+                    </a:p>
+                    <a:p>
+                      <a:pPr latinLnBrk="1"/>
+                      <a:endParaRPr lang="en-US" altLang="ko-KR" dirty="0" smtClean="0"/>
+                    </a:p>
+                  </a:txBody>
+                  <a:tcPr/>
+                </a:tc>
+                <a:tc>
+                  <a:txBody>
+                    <a:bodyPr/>
+                    <a:lstStyle/>
+                    <a:p>
+                      <a:pPr latinLnBrk="1"/>
+                      <a:r>
+                        <a:rPr lang="ko-KR" altLang="en-US" dirty="0" smtClean="0"/>
+                        <a:t>채팅</a:t>
+                      </a:r>
+                      <a:endParaRPr lang="ko-KR" altLang="en-US" dirty="0"/>
+                    </a:p>
+                  </a:txBody>
+                  <a:tcPr/>
+                </a:tc>
+                <a:tc>
+                  <a:txBody>
+                    <a:bodyPr/>
+                    <a:lstStyle/>
+                    <a:p>
+                      <a:pPr latinLnBrk="1"/>
+                      <a:r>
+                        <a:rPr lang="ko-KR" altLang="en-US" dirty="0" smtClean="0"/>
+                        <a:t>사용자들이 입력하는 </a:t>
+                      </a:r>
+                      <a:r>
+                        <a:rPr lang="ko-KR" altLang="en-US" dirty="0" err="1" smtClean="0"/>
+                        <a:t>메세지는</a:t>
+                      </a:r>
+                      <a:r>
+                        <a:rPr lang="ko-KR" altLang="en-US" dirty="0" smtClean="0"/>
+                        <a:t> 방</a:t>
+                      </a:r>
+                      <a:r>
+                        <a:rPr lang="en-US" altLang="ko-KR" dirty="0" smtClean="0"/>
+                        <a:t>(sever)</a:t>
+                      </a:r>
+                      <a:r>
+                        <a:rPr lang="ko-KR" altLang="en-US" dirty="0" smtClean="0"/>
+                        <a:t>에 저장한다</a:t>
+                      </a:r>
+                      <a:endParaRPr lang="ko-KR" altLang="en-US" dirty="0"/>
+                    </a:p>
+                  </a:txBody>
+                  <a:tcPr/>
+                </a:tc>
+              </a:tr>
+              <a:tr h="426720">
+                <a:tc>
+                  <a:txBody>
+                    <a:bodyPr/>
+                    <a:lstStyle/>
+                    <a:p>
+                      <a:pPr latinLnBrk="1"/>
+                      <a:r>
+                        <a:rPr lang="ko-KR" altLang="en-US" dirty="0" smtClean="0"/>
+                        <a:t>정보전달</a:t>
+                      </a:r>
+                      <a:endParaRPr lang="en-US" altLang="ko-KR" dirty="0" smtClean="0"/>
+                    </a:p>
+                  </a:txBody>
+                  <a:tcPr/>
+                </a:tc>
+                <a:tc>
+                  <a:txBody>
+                    <a:bodyPr/>
+                    <a:lstStyle/>
+                    <a:p>
+                      <a:pPr latinLnBrk="1"/>
+                      <a:r>
+                        <a:rPr lang="en-US" altLang="ko-KR" dirty="0" smtClean="0"/>
+                        <a:t>SEND</a:t>
+                      </a:r>
+                      <a:endParaRPr lang="ko-KR" altLang="en-US" dirty="0"/>
+                    </a:p>
+                  </a:txBody>
+                  <a:tcPr/>
+                </a:tc>
+                <a:tc>
+                  <a:txBody>
+                    <a:bodyPr/>
+                    <a:lstStyle/>
+                    <a:p>
+                      <a:pPr latinLnBrk="1"/>
+                      <a:r>
+                        <a:rPr lang="en-US" altLang="ko-KR" dirty="0" smtClean="0"/>
+                        <a:t>Sever</a:t>
+                      </a:r>
+                      <a:r>
+                        <a:rPr lang="ko-KR" altLang="en-US" dirty="0" smtClean="0"/>
+                        <a:t>에 저장된 메시지를 각각의 사용자들에게 전달해 준다</a:t>
+                      </a:r>
+                      <a:r>
+                        <a:rPr lang="en-US" altLang="ko-KR" dirty="0" smtClean="0"/>
+                        <a:t>.</a:t>
+                      </a:r>
+                      <a:endParaRPr lang="ko-KR" altLang="en-US" dirty="0"/>
+                    </a:p>
+                  </a:txBody>
+                  <a:tcPr/>
+                </a:tc>
+              </a:tr>
+              <a:tr h="213360">
+                <a:tc>
+                  <a:txBody>
+                    <a:bodyPr/>
+                    <a:lstStyle/>
+                    <a:p>
+                      <a:pPr latinLnBrk="1"/>
+                      <a:endParaRPr lang="en-US" altLang="ko-KR" dirty="0" smtClean="0"/>
+                    </a:p>
+                  </a:txBody>
+                  <a:tcPr/>
+                </a:tc>
+                <a:tc>
+                  <a:txBody>
+                    <a:bodyPr/>
+                    <a:lstStyle/>
+                    <a:p>
+                      <a:pPr latinLnBrk="1"/>
+                      <a:r>
+                        <a:rPr lang="ko-KR" altLang="en-US" dirty="0" smtClean="0"/>
+                        <a:t>미션</a:t>
+                      </a:r>
+                      <a:endParaRPr lang="ko-KR" altLang="en-US" dirty="0"/>
+                    </a:p>
+                  </a:txBody>
+                  <a:tcPr/>
+                </a:tc>
+                <a:tc>
+                  <a:txBody>
+                    <a:bodyPr/>
+                    <a:lstStyle/>
+                    <a:p>
+                      <a:pPr latinLnBrk="1"/>
+                      <a:r>
+                        <a:rPr lang="ko-KR" altLang="en-US" baseline="0" dirty="0" smtClean="0"/>
+                        <a:t>매시간 마다 </a:t>
+                      </a:r>
+                      <a:r>
+                        <a:rPr lang="en-US" altLang="ko-KR" baseline="0" dirty="0" err="1" smtClean="0"/>
+                        <a:t>OnTime</a:t>
+                      </a:r>
+                      <a:r>
+                        <a:rPr lang="ko-KR" altLang="en-US" baseline="0" dirty="0" smtClean="0"/>
+                        <a:t>함수를 이용해서 미션 메시지를 </a:t>
+                      </a:r>
+                      <a:r>
+                        <a:rPr lang="en-US" altLang="ko-KR" baseline="0" dirty="0" smtClean="0"/>
+                        <a:t>User</a:t>
+                      </a:r>
+                      <a:r>
+                        <a:rPr lang="ko-KR" altLang="en-US" baseline="0" dirty="0" smtClean="0"/>
+                        <a:t>에게 전달해준다</a:t>
+                      </a:r>
+                      <a:r>
+                        <a:rPr lang="en-US" altLang="ko-KR" baseline="0" dirty="0" smtClean="0"/>
+                        <a:t>.</a:t>
+                      </a:r>
+                      <a:endParaRPr lang="en-US" altLang="ko-KR" dirty="0" smtClean="0"/>
+                    </a:p>
+                  </a:txBody>
+                  <a:tcPr/>
+                </a:tc>
+              </a:tr>
+              <a:tr h="426720">
+                <a:tc>
+                  <a:txBody>
+                    <a:bodyPr/>
+                    <a:lstStyle/>
+                    <a:p>
+                      <a:pPr latinLnBrk="1"/>
+                      <a:r>
+                        <a:rPr lang="ko-KR" altLang="en-US" dirty="0" smtClean="0"/>
+                        <a:t>정보출력</a:t>
+                      </a:r>
+                      <a:endParaRPr lang="en-US" altLang="ko-KR" dirty="0" smtClean="0"/>
+                    </a:p>
+                  </a:txBody>
+                  <a:tcPr/>
+                </a:tc>
+                <a:tc>
+                  <a:txBody>
+                    <a:bodyPr/>
+                    <a:lstStyle/>
+                    <a:p>
+                      <a:pPr latinLnBrk="1"/>
+                      <a:r>
+                        <a:rPr lang="ko-KR" altLang="en-US" dirty="0" smtClean="0"/>
+                        <a:t>승패</a:t>
+                      </a:r>
+                      <a:endParaRPr lang="ko-KR" altLang="en-US" dirty="0"/>
+                    </a:p>
+                  </a:txBody>
+                  <a:tcPr/>
+                </a:tc>
+                <a:tc>
+                  <a:txBody>
+                    <a:bodyPr/>
+                    <a:lstStyle/>
+                    <a:p>
+                      <a:pPr latinLnBrk="1"/>
+                      <a:r>
+                        <a:rPr lang="ko-KR" altLang="en-US" dirty="0" smtClean="0"/>
+                        <a:t>시민이나 </a:t>
+                      </a:r>
+                      <a:r>
+                        <a:rPr lang="ko-KR" altLang="en-US" dirty="0" err="1" smtClean="0"/>
+                        <a:t>마피아중</a:t>
+                      </a:r>
+                      <a:r>
+                        <a:rPr lang="ko-KR" altLang="en-US" dirty="0" smtClean="0"/>
+                        <a:t> 살아남은</a:t>
+                      </a:r>
+                      <a:r>
+                        <a:rPr lang="ko-KR" altLang="en-US" baseline="0" dirty="0" smtClean="0"/>
+                        <a:t> 팀이 승리하게 되고 </a:t>
+                      </a:r>
+                      <a:endParaRPr lang="en-US" altLang="ko-KR" baseline="0" dirty="0" smtClean="0"/>
+                    </a:p>
+                    <a:p>
+                      <a:pPr latinLnBrk="1"/>
+                      <a:r>
+                        <a:rPr lang="ko-KR" altLang="en-US" baseline="0" dirty="0" smtClean="0"/>
+                        <a:t>메시지를 출력한다</a:t>
+                      </a:r>
+                      <a:r>
+                        <a:rPr lang="en-US" altLang="ko-KR" baseline="0" dirty="0" smtClean="0"/>
+                        <a:t>.</a:t>
+                      </a:r>
+                      <a:endParaRPr lang="en-US" altLang="ko-KR" dirty="0" smtClean="0"/>
+                    </a:p>
+                  </a:txBody>
+                  <a:tcPr/>
+                </a:tc>
+              </a:tr>
+              <a:tr h="213360">
+                <a:tc>
+                  <a:txBody>
+                    <a:bodyPr/>
+                    <a:lstStyle/>
+                    <a:p>
+                      <a:pPr latinLnBrk="1"/>
+                      <a:endParaRPr lang="en-US" altLang="ko-KR" dirty="0" smtClean="0"/>
+                    </a:p>
+                  </a:txBody>
+                  <a:tcPr/>
+                </a:tc>
+                <a:tc>
+                  <a:txBody>
+                    <a:bodyPr/>
+                    <a:lstStyle/>
+                    <a:p>
+                      <a:pPr latinLnBrk="1"/>
+                      <a:r>
+                        <a:rPr lang="ko-KR" altLang="en-US" dirty="0" smtClean="0"/>
+                        <a:t>랭킹</a:t>
+                      </a:r>
+                      <a:endParaRPr lang="ko-KR" altLang="en-US" dirty="0"/>
+                    </a:p>
+                  </a:txBody>
+                  <a:tcPr/>
+                </a:tc>
+                <a:tc>
+                  <a:txBody>
+                    <a:bodyPr/>
+                    <a:lstStyle/>
+                    <a:p>
+                      <a:pPr latinLnBrk="1"/>
+                      <a:r>
+                        <a:rPr lang="ko-KR" altLang="en-US" dirty="0" smtClean="0"/>
+                        <a:t>게임당 승패여부에 따라 일정점수 </a:t>
+                      </a:r>
+                      <a:r>
+                        <a:rPr lang="ko-KR" altLang="en-US" dirty="0" err="1" smtClean="0"/>
+                        <a:t>부여받아</a:t>
+                      </a:r>
+                      <a:r>
+                        <a:rPr lang="ko-KR" altLang="en-US" dirty="0" smtClean="0"/>
+                        <a:t> 출력된다</a:t>
+                      </a:r>
+                      <a:r>
+                        <a:rPr lang="en-US" altLang="ko-KR" dirty="0" smtClean="0"/>
+                        <a:t>.</a:t>
+                      </a:r>
+                      <a:r>
+                        <a:rPr lang="ko-KR" altLang="en-US" dirty="0" smtClean="0"/>
+                        <a:t> </a:t>
+                      </a:r>
+                      <a:endParaRPr lang="en-US" altLang="ko-KR" dirty="0" smtClean="0"/>
+                    </a:p>
+                  </a:txBody>
+                  <a:tcPr/>
+                </a:tc>
+              </a:tr>
+            </a:tbl>
+          </a:graphicData>
+        </a:graphic>
+      </p:graphicFrame>
+    </p:spTree>
+  </p:cSld>
+  <p:clrMapOvr>
+    <a:masterClrMapping/>
+  </p:clrMapOvr>
+</p:sld>
+</file>
+
+<file path=ppt/slides/slide3.xml><?xml version="1.0" encoding="utf-8"?>
+<p:sld xmlns:a="http://schemas.openxmlformats.org/drawingml/2006/main" xmlns:r="http://schemas.openxmlformats.org/officeDocument/2006/relationships" xmlns:p="http://schemas.openxmlformats.org/presentationml/2006/main">
+  <p:cSld>
+    <p:spTree>
+      <p:nvGrpSpPr>
+        <p:cNvPr id="1" name=""/>
+        <p:cNvGrpSpPr/>
+        <p:nvPr/>
+      </p:nvGrpSpPr>
+      <p:grpSpPr>
+        <a:xfrm>
+          <a:off x="0" y="0"/>
+          <a:ext cx="0" cy="0"/>
+          <a:chOff x="0" y="0"/>
+          <a:chExt cx="0" cy="0"/>
+        </a:xfrm>
+      </p:grpSpPr>
+      <p:sp>
+        <p:nvSpPr>
+          <p:cNvPr id="2" name="제목 1"/>
+          <p:cNvSpPr>
+            <a:spLocks noGrp="1"/>
+          </p:cNvSpPr>
+          <p:nvPr>
+            <p:ph type="title"/>
+          </p:nvPr>
+        </p:nvSpPr>
+        <p:spPr/>
+        <p:txBody>
+          <a:bodyPr/>
+          <a:lstStyle/>
+          <a:p>
+            <a:r>
+              <a:rPr lang="ko-KR" altLang="en-US" dirty="0" smtClean="0"/>
+              <a:t>비기능적 요구사항</a:t>
+            </a:r>
+            <a:endParaRPr lang="ko-KR" altLang="en-US" dirty="0"/>
+          </a:p>
+        </p:txBody>
+      </p:sp>
+      <p:graphicFrame>
+        <p:nvGraphicFramePr>
+          <p:cNvPr id="4" name="내용 개체 틀 3"/>
+          <p:cNvGraphicFramePr>
+            <a:graphicFrameLocks noGrp="1"/>
+          </p:cNvGraphicFramePr>
+          <p:nvPr>
+            <p:ph idx="1"/>
+          </p:nvPr>
+        </p:nvGraphicFramePr>
+        <p:xfrm>
+          <a:off x="446856" y="1640160"/>
+          <a:ext cx="8229600" cy="5029200"/>
+        </p:xfrm>
+        <a:graphic>
+          <a:graphicData uri="http://schemas.openxmlformats.org/drawingml/2006/table">
+            <a:tbl>
+              <a:tblPr firstRow="1" bandRow="1">
+                <a:tableStyleId>{5C22544A-7EE6-4342-B048-85BDC9FD1C3A}</a:tableStyleId>
+              </a:tblPr>
+              <a:tblGrid>
+                <a:gridCol w="1378496"/>
+                <a:gridCol w="1224136"/>
+                <a:gridCol w="5626968"/>
+              </a:tblGrid>
+              <a:tr h="354943">
+                <a:tc gridSpan="2">
+                  <a:txBody>
+                    <a:bodyPr/>
+                    <a:lstStyle/>
+                    <a:p>
+                      <a:pPr latinLnBrk="1"/>
+                      <a:r>
+                        <a:rPr lang="ko-KR" altLang="en-US" dirty="0" smtClean="0"/>
+                        <a:t>기능</a:t>
+                      </a:r>
+                      <a:endParaRPr lang="ko-KR" altLang="en-US" dirty="0"/>
+                    </a:p>
+                  </a:txBody>
+                  <a:tcPr/>
+                </a:tc>
+                <a:tc hMerge="1">
+                  <a:txBody>
+                    <a:bodyPr/>
+                    <a:lstStyle/>
+                    <a:p>
+                      <a:pPr latinLnBrk="1"/>
+                      <a:endParaRPr lang="ko-KR" altLang="en-US"/>
+                    </a:p>
+                  </a:txBody>
+                  <a:tcPr/>
+                </a:tc>
+                <a:tc>
+                  <a:txBody>
+                    <a:bodyPr/>
+                    <a:lstStyle/>
+                    <a:p>
+                      <a:pPr latinLnBrk="1"/>
+                      <a:r>
+                        <a:rPr lang="ko-KR" altLang="en-US" dirty="0" smtClean="0"/>
+                        <a:t>설명</a:t>
+                      </a:r>
+                      <a:endParaRPr lang="ko-KR" altLang="en-US" dirty="0"/>
+                    </a:p>
+                  </a:txBody>
+                  <a:tcPr/>
+                </a:tc>
+              </a:tr>
+              <a:tr h="612641">
+                <a:tc>
+                  <a:txBody>
+                    <a:bodyPr/>
+                    <a:lstStyle/>
+                    <a:p>
+                      <a:pPr latinLnBrk="1"/>
+                      <a:r>
+                        <a:rPr lang="ko-KR" altLang="en-US" dirty="0" smtClean="0"/>
+                        <a:t>신뢰성</a:t>
+                      </a:r>
+                      <a:endParaRPr lang="ko-KR" altLang="en-US" dirty="0"/>
+                    </a:p>
+                  </a:txBody>
+                  <a:tcPr/>
+                </a:tc>
+                <a:tc>
+                  <a:txBody>
+                    <a:bodyPr/>
+                    <a:lstStyle/>
+                    <a:p>
+                      <a:r>
+                        <a:rPr lang="ko-KR" altLang="en-US" dirty="0" err="1" smtClean="0"/>
+                        <a:t>무결성</a:t>
+                      </a:r>
+                      <a:endParaRPr lang="ko-KR" altLang="en-US" dirty="0"/>
+                    </a:p>
+                  </a:txBody>
+                  <a:tcPr/>
+                </a:tc>
+                <a:tc>
+                  <a:txBody>
+                    <a:bodyPr/>
+                    <a:lstStyle/>
+                    <a:p>
+                      <a:r>
+                        <a:rPr lang="ko-KR" altLang="en-US" dirty="0" smtClean="0"/>
+                        <a:t>비정상적으로 종료되더라도 이미 입력되어있던 자료</a:t>
+                      </a:r>
+                      <a:r>
+                        <a:rPr lang="en-US" altLang="ko-KR" dirty="0" smtClean="0"/>
+                        <a:t>(</a:t>
+                      </a:r>
+                      <a:r>
+                        <a:rPr lang="ko-KR" altLang="en-US" dirty="0" smtClean="0"/>
+                        <a:t>점수</a:t>
+                      </a:r>
+                      <a:r>
+                        <a:rPr lang="en-US" altLang="ko-KR" dirty="0" smtClean="0"/>
+                        <a:t>)</a:t>
+                      </a:r>
+                      <a:r>
+                        <a:rPr lang="ko-KR" altLang="en-US" dirty="0" smtClean="0"/>
+                        <a:t>등이 영향을 받고 사라지면 안 된다</a:t>
+                      </a:r>
+                      <a:r>
+                        <a:rPr lang="en-US" altLang="ko-KR" dirty="0" smtClean="0"/>
+                        <a:t>.</a:t>
+                      </a:r>
+                      <a:endParaRPr lang="ko-KR" altLang="en-US" dirty="0"/>
+                    </a:p>
+                  </a:txBody>
+                  <a:tcPr/>
+                </a:tc>
+              </a:tr>
+              <a:tr h="1137763">
+                <a:tc>
+                  <a:txBody>
+                    <a:bodyPr/>
+                    <a:lstStyle/>
+                    <a:p>
+                      <a:pPr latinLnBrk="1"/>
+                      <a:endParaRPr lang="ko-KR" altLang="en-US" dirty="0"/>
+                    </a:p>
+                  </a:txBody>
+                  <a:tcPr/>
+                </a:tc>
+                <a:tc>
+                  <a:txBody>
+                    <a:bodyPr/>
+                    <a:lstStyle/>
+                    <a:p>
+                      <a:pPr latinLnBrk="1"/>
+                      <a:r>
+                        <a:rPr lang="ko-KR" altLang="en-US" dirty="0" smtClean="0"/>
+                        <a:t>지속성</a:t>
+                      </a:r>
+                      <a:endParaRPr lang="ko-KR" altLang="en-US" dirty="0"/>
+                    </a:p>
+                  </a:txBody>
+                  <a:tcPr/>
+                </a:tc>
+                <a:tc>
+                  <a:txBody>
+                    <a:bodyPr/>
+                    <a:lstStyle/>
+                    <a:p>
+                      <a:pPr latinLnBrk="1"/>
+                      <a:r>
+                        <a:rPr lang="ko-KR" altLang="en-US" dirty="0" smtClean="0"/>
+                        <a:t>게임이 시작되고 </a:t>
+                      </a:r>
+                      <a:r>
+                        <a:rPr lang="ko-KR" altLang="en-US" dirty="0" smtClean="0"/>
+                        <a:t>어플리케이션은 계속 유지</a:t>
+                      </a:r>
+                      <a:r>
+                        <a:rPr lang="en-US" altLang="ko-KR" dirty="0" smtClean="0"/>
+                        <a:t>(</a:t>
+                      </a:r>
+                      <a:r>
+                        <a:rPr lang="ko-KR" altLang="en-US" dirty="0" smtClean="0"/>
+                        <a:t>접속가능</a:t>
+                      </a:r>
+                      <a:r>
+                        <a:rPr lang="en-US" altLang="ko-KR" dirty="0" smtClean="0"/>
+                        <a:t>)</a:t>
+                      </a:r>
+                      <a:r>
+                        <a:rPr lang="ko-KR" altLang="en-US" dirty="0" smtClean="0"/>
+                        <a:t>되어야 한다</a:t>
+                      </a:r>
+                      <a:r>
+                        <a:rPr lang="en-US" altLang="ko-KR" dirty="0" smtClean="0"/>
+                        <a:t>.</a:t>
+                      </a:r>
+                    </a:p>
+                    <a:p>
+                      <a:pPr latinLnBrk="1"/>
+                      <a:r>
+                        <a:rPr lang="ko-KR" altLang="en-US" dirty="0" err="1" smtClean="0"/>
+                        <a:t>비정상적으로로</a:t>
+                      </a:r>
+                      <a:r>
+                        <a:rPr lang="ko-KR" altLang="en-US" dirty="0" smtClean="0"/>
+                        <a:t> 나가게 된 방은 게임은 그 방의 게임이 끝나지 않으면 다시 접속되게 하도록 한다</a:t>
+                      </a:r>
+                      <a:r>
+                        <a:rPr lang="en-US" altLang="ko-KR" dirty="0" smtClean="0"/>
+                        <a:t>.</a:t>
+                      </a:r>
+                      <a:endParaRPr lang="ko-KR" altLang="en-US" dirty="0"/>
+                    </a:p>
+                  </a:txBody>
+                  <a:tcPr/>
+                </a:tc>
+              </a:tr>
+              <a:tr h="354943">
+                <a:tc>
+                  <a:txBody>
+                    <a:bodyPr/>
+                    <a:lstStyle/>
+                    <a:p>
+                      <a:pPr latinLnBrk="1"/>
+                      <a:r>
+                        <a:rPr lang="ko-KR" altLang="en-US" dirty="0" smtClean="0"/>
+                        <a:t>품질</a:t>
+                      </a:r>
+                      <a:endParaRPr lang="ko-KR" altLang="en-US" dirty="0"/>
+                    </a:p>
+                  </a:txBody>
+                  <a:tcPr/>
+                </a:tc>
+                <a:tc>
+                  <a:txBody>
+                    <a:bodyPr/>
+                    <a:lstStyle/>
+                    <a:p>
+                      <a:pPr latinLnBrk="1"/>
+                      <a:r>
+                        <a:rPr lang="ko-KR" altLang="en-US" dirty="0" smtClean="0"/>
+                        <a:t>속도</a:t>
+                      </a:r>
+                      <a:endParaRPr lang="ko-KR" altLang="en-US" dirty="0"/>
+                    </a:p>
+                  </a:txBody>
+                  <a:tcPr/>
+                </a:tc>
+                <a:tc>
+                  <a:txBody>
+                    <a:bodyPr/>
+                    <a:lstStyle/>
+                    <a:p>
+                      <a:pPr latinLnBrk="1"/>
+                      <a:r>
+                        <a:rPr lang="ko-KR" altLang="en-US" dirty="0" smtClean="0"/>
+                        <a:t>채팅 메시지는 </a:t>
+                      </a:r>
+                      <a:r>
+                        <a:rPr lang="ko-KR" altLang="en-US" dirty="0" err="1" smtClean="0"/>
+                        <a:t>바로바로</a:t>
+                      </a:r>
+                      <a:r>
+                        <a:rPr lang="ko-KR" altLang="en-US" dirty="0" smtClean="0"/>
+                        <a:t> 전달되도록 한다</a:t>
+                      </a:r>
+                      <a:r>
+                        <a:rPr lang="en-US" altLang="ko-KR" dirty="0" smtClean="0"/>
+                        <a:t>.</a:t>
+                      </a:r>
+                      <a:endParaRPr lang="ko-KR" altLang="en-US" dirty="0"/>
+                    </a:p>
+                  </a:txBody>
+                  <a:tcPr/>
+                </a:tc>
+              </a:tr>
+              <a:tr h="875202">
+                <a:tc>
+                  <a:txBody>
+                    <a:bodyPr/>
+                    <a:lstStyle/>
+                    <a:p>
+                      <a:pPr latinLnBrk="1"/>
+                      <a:endParaRPr lang="ko-KR" altLang="en-US" dirty="0"/>
+                    </a:p>
+                  </a:txBody>
+                  <a:tcPr/>
+                </a:tc>
+                <a:tc>
+                  <a:txBody>
+                    <a:bodyPr/>
+                    <a:lstStyle/>
+                    <a:p>
+                      <a:pPr latinLnBrk="1"/>
+                      <a:r>
+                        <a:rPr lang="ko-KR" altLang="en-US" dirty="0" smtClean="0"/>
+                        <a:t>크기</a:t>
+                      </a:r>
+                      <a:endParaRPr lang="ko-KR" altLang="en-US" dirty="0"/>
+                    </a:p>
+                  </a:txBody>
+                  <a:tcPr/>
+                </a:tc>
+                <a:tc>
+                  <a:txBody>
+                    <a:bodyPr/>
+                    <a:lstStyle/>
+                    <a:p>
+                      <a:pPr latinLnBrk="1"/>
+                      <a:r>
+                        <a:rPr lang="ko-KR" altLang="ko-KR" sz="1800" kern="1200" dirty="0" err="1" smtClean="0">
+                          <a:solidFill>
+                            <a:schemeClr val="dk1"/>
+                          </a:solidFill>
+                          <a:latin typeface="+mn-lt"/>
+                          <a:ea typeface="+mn-ea"/>
+                          <a:cs typeface="+mn-cs"/>
+                        </a:rPr>
+                        <a:t>입력가능한</a:t>
+                      </a:r>
+                      <a:r>
+                        <a:rPr lang="ko-KR" altLang="ko-KR" sz="1800" kern="1200" dirty="0" smtClean="0">
+                          <a:solidFill>
+                            <a:schemeClr val="dk1"/>
+                          </a:solidFill>
+                          <a:latin typeface="+mn-lt"/>
+                          <a:ea typeface="+mn-ea"/>
+                          <a:cs typeface="+mn-cs"/>
+                        </a:rPr>
+                        <a:t> 데이터의 크기는 메모리 또는 보조기억장치가 허용하는 한</a:t>
+                      </a:r>
+                      <a:r>
+                        <a:rPr lang="en-US" altLang="ko-KR" sz="1800" kern="1200" dirty="0" smtClean="0">
+                          <a:solidFill>
+                            <a:schemeClr val="dk1"/>
+                          </a:solidFill>
+                          <a:latin typeface="+mn-lt"/>
+                          <a:ea typeface="+mn-ea"/>
+                          <a:cs typeface="+mn-cs"/>
+                        </a:rPr>
+                        <a:t> </a:t>
+                      </a:r>
+                      <a:r>
+                        <a:rPr lang="ko-KR" altLang="ko-KR" sz="1800" kern="1200" dirty="0" smtClean="0">
+                          <a:solidFill>
+                            <a:schemeClr val="dk1"/>
+                          </a:solidFill>
+                          <a:latin typeface="+mn-lt"/>
+                          <a:ea typeface="+mn-ea"/>
+                          <a:cs typeface="+mn-cs"/>
+                        </a:rPr>
+                        <a:t>무한대로 </a:t>
+                      </a:r>
+                      <a:r>
+                        <a:rPr lang="ko-KR" altLang="en-US" sz="1800" kern="1200" dirty="0" smtClean="0">
+                          <a:solidFill>
+                            <a:schemeClr val="dk1"/>
+                          </a:solidFill>
+                          <a:latin typeface="+mn-lt"/>
+                          <a:ea typeface="+mn-ea"/>
+                          <a:cs typeface="+mn-cs"/>
+                        </a:rPr>
+                        <a:t>채팅과 점수입력이 가능</a:t>
+                      </a:r>
+                      <a:r>
+                        <a:rPr lang="ko-KR" altLang="ko-KR" sz="1800" kern="1200" dirty="0" smtClean="0">
+                          <a:solidFill>
+                            <a:schemeClr val="dk1"/>
+                          </a:solidFill>
+                          <a:latin typeface="+mn-lt"/>
+                          <a:ea typeface="+mn-ea"/>
+                          <a:cs typeface="+mn-cs"/>
+                        </a:rPr>
+                        <a:t>해야 한다</a:t>
+                      </a:r>
+                      <a:r>
+                        <a:rPr lang="en-US" altLang="ko-KR" sz="1800" kern="1200" dirty="0" smtClean="0">
+                          <a:solidFill>
+                            <a:schemeClr val="dk1"/>
+                          </a:solidFill>
+                          <a:latin typeface="+mn-lt"/>
+                          <a:ea typeface="+mn-ea"/>
+                          <a:cs typeface="+mn-cs"/>
+                        </a:rPr>
+                        <a:t>.</a:t>
+                      </a:r>
+                      <a:endParaRPr lang="ko-KR" altLang="en-US" dirty="0"/>
+                    </a:p>
+                  </a:txBody>
+                  <a:tcPr/>
+                </a:tc>
+              </a:tr>
+              <a:tr h="612641">
+                <a:tc>
+                  <a:txBody>
+                    <a:bodyPr/>
+                    <a:lstStyle/>
+                    <a:p>
+                      <a:pPr latinLnBrk="1"/>
+                      <a:r>
+                        <a:rPr lang="ko-KR" altLang="en-US" dirty="0" smtClean="0"/>
+                        <a:t>경제성</a:t>
+                      </a:r>
+                      <a:endParaRPr lang="en-US" altLang="ko-KR" dirty="0" smtClean="0"/>
+                    </a:p>
+                  </a:txBody>
+                  <a:tcPr/>
+                </a:tc>
+                <a:tc>
+                  <a:txBody>
+                    <a:bodyPr/>
+                    <a:lstStyle/>
+                    <a:p>
+                      <a:pPr latinLnBrk="1"/>
+                      <a:r>
+                        <a:rPr lang="ko-KR" altLang="en-US" dirty="0" smtClean="0"/>
+                        <a:t>용량</a:t>
+                      </a:r>
+                      <a:endParaRPr lang="ko-KR" altLang="en-US" dirty="0"/>
+                    </a:p>
+                  </a:txBody>
+                  <a:tcPr/>
+                </a:tc>
+                <a:tc>
+                  <a:txBody>
+                    <a:bodyPr/>
+                    <a:lstStyle/>
+                    <a:p>
+                      <a:pPr latinLnBrk="1"/>
+                      <a:r>
+                        <a:rPr lang="ko-KR" altLang="en-US" dirty="0" smtClean="0"/>
+                        <a:t>최소한의 메모리를 활용하여 프로그램이 작동하도록 제작한다</a:t>
+                      </a:r>
+                      <a:r>
+                        <a:rPr lang="en-US" altLang="ko-KR" dirty="0" smtClean="0"/>
+                        <a:t>.</a:t>
+                      </a:r>
+                      <a:endParaRPr lang="ko-KR" altLang="en-US" dirty="0"/>
+                    </a:p>
+                  </a:txBody>
+                  <a:tcPr/>
+                </a:tc>
+              </a:tr>
+              <a:tr h="875202">
+                <a:tc>
+                  <a:txBody>
+                    <a:bodyPr/>
+                    <a:lstStyle/>
+                    <a:p>
+                      <a:pPr latinLnBrk="1"/>
+                      <a:endParaRPr lang="en-US" altLang="ko-KR" dirty="0" smtClean="0"/>
+                    </a:p>
+                    <a:p>
+                      <a:pPr latinLnBrk="1"/>
+                      <a:endParaRPr lang="en-US" altLang="ko-KR" dirty="0" smtClean="0"/>
+                    </a:p>
+                  </a:txBody>
+                  <a:tcPr/>
+                </a:tc>
+                <a:tc>
+                  <a:txBody>
+                    <a:bodyPr/>
+                    <a:lstStyle/>
+                    <a:p>
+                      <a:pPr latinLnBrk="1"/>
+                      <a:r>
+                        <a:rPr lang="ko-KR" altLang="en-US" dirty="0" smtClean="0"/>
+                        <a:t>가격</a:t>
+                      </a:r>
+                      <a:endParaRPr lang="en-US" altLang="ko-KR" dirty="0" smtClean="0"/>
+                    </a:p>
+                    <a:p>
+                      <a:pPr latinLnBrk="1"/>
+                      <a:endParaRPr lang="en-US" altLang="ko-KR" dirty="0" smtClean="0"/>
+                    </a:p>
+                    <a:p>
+                      <a:pPr latinLnBrk="1"/>
+                      <a:endParaRPr lang="en-US" altLang="ko-KR" dirty="0" smtClean="0"/>
+                    </a:p>
+                  </a:txBody>
+                  <a:tcPr/>
+                </a:tc>
+                <a:tc>
+                  <a:txBody>
+                    <a:bodyPr/>
+                    <a:lstStyle/>
+                    <a:p>
+                      <a:pPr latinLnBrk="1"/>
+                      <a:r>
+                        <a:rPr lang="ko-KR" altLang="en-US" dirty="0" smtClean="0"/>
+                        <a:t>게임을 즐기기 위한 사람들을 무료로 받을 수 있도록 한다</a:t>
+                      </a:r>
+                      <a:endParaRPr lang="en-US" altLang="ko-KR" dirty="0" smtClean="0"/>
+                    </a:p>
+                    <a:p>
+                      <a:pPr latinLnBrk="1"/>
+                      <a:endParaRPr lang="en-US" altLang="ko-KR" dirty="0" smtClean="0"/>
+                    </a:p>
+                  </a:txBody>
+                  <a:tcPr/>
+                </a:tc>
+              </a:tr>
+            </a:tbl>
+          </a:graphicData>
+        </a:graphic>
+      </p:graphicFrame>
+    </p:spTree>
+  </p:cSld>
+  <p:clrMapOvr>
+    <a:masterClrMapping/>
+  </p:clrMapOvr>
+</p:sld>
+</file>
+
+<file path=ppt/slides/slide4.xml><?xml version="1.0" encoding="utf-8"?>
 <p:sld xmlns:a="http://schemas.openxmlformats.org/drawingml/2006/main" xmlns:r="http://schemas.openxmlformats.org/officeDocument/2006/relationships" xmlns:p="http://schemas.openxmlformats.org/presentationml/2006/main">
   <p:cSld>
     <p:spTree>
@@ -3671,7 +5010,7 @@
 </p:sld>
 </file>
 
-<file path=ppt/slides/slide3.xml><?xml version="1.0" encoding="utf-8"?>
+<file path=ppt/slides/slide5.xml><?xml version="1.0" encoding="utf-8"?>
 <p:sld xmlns:a="http://schemas.openxmlformats.org/drawingml/2006/main" xmlns:r="http://schemas.openxmlformats.org/officeDocument/2006/relationships" xmlns:p="http://schemas.openxmlformats.org/presentationml/2006/main">
   <p:cSld>
     <p:spTree>
@@ -3800,7 +5139,6 @@
               <a:rPr lang="en-US" altLang="ko-KR" sz="1400" dirty="0" smtClean="0"/>
               <a:t>.</a:t>
             </a:r>
-            <a:endParaRPr lang="en-US" altLang="ko-KR" sz="1400" dirty="0" smtClean="0"/>
           </a:p>
           <a:p>
             <a:r>
@@ -4065,7 +5403,7 @@
 </p:sld>
 </file>
 
-<file path=ppt/slides/slide4.xml><?xml version="1.0" encoding="utf-8"?>
+<file path=ppt/slides/slide6.xml><?xml version="1.0" encoding="utf-8"?>
 <p:sld xmlns:a="http://schemas.openxmlformats.org/drawingml/2006/main" xmlns:r="http://schemas.openxmlformats.org/officeDocument/2006/relationships" xmlns:p="http://schemas.openxmlformats.org/presentationml/2006/main">
   <p:cSld>
     <p:spTree>
@@ -5601,7 +6939,7 @@
 </p:sld>
 </file>
 
-<file path=ppt/slides/slide5.xml><?xml version="1.0" encoding="utf-8"?>
+<file path=ppt/slides/slide7.xml><?xml version="1.0" encoding="utf-8"?>
 <p:sld xmlns:a="http://schemas.openxmlformats.org/drawingml/2006/main" xmlns:r="http://schemas.openxmlformats.org/officeDocument/2006/relationships" xmlns:p="http://schemas.openxmlformats.org/presentationml/2006/main">
   <p:cSld>
     <p:spTree>
@@ -5730,11 +7068,7 @@
             </a:r>
             <a:r>
               <a:rPr lang="ko-KR" altLang="en-US" sz="1400" dirty="0" smtClean="0"/>
-              <a:t>사용자는 </a:t>
-            </a:r>
-            <a:r>
-              <a:rPr lang="ko-KR" altLang="en-US" sz="1400" dirty="0" smtClean="0"/>
-              <a:t>게임을 진행한다</a:t>
+              <a:t>사용자는 게임을 진행한다</a:t>
             </a:r>
             <a:r>
               <a:rPr lang="en-US" altLang="ko-KR" sz="1400" dirty="0" smtClean="0"/>

--- a/Document/요구사항명세서.pptx
+++ b/Document/요구사항명세서.pptx
@@ -4080,11 +4080,7 @@
                       <a:pPr latinLnBrk="1"/>
                       <a:r>
                         <a:rPr lang="ko-KR" altLang="en-US" dirty="0" smtClean="0"/>
-                        <a:t>게임이 시작되고 </a:t>
-                      </a:r>
-                      <a:r>
-                        <a:rPr lang="ko-KR" altLang="en-US" dirty="0" smtClean="0"/>
-                        <a:t>어플리케이션은 계속 유지</a:t>
+                        <a:t>게임이 시작되고 어플리케이션은 계속 유지</a:t>
                       </a:r>
                       <a:r>
                         <a:rPr lang="en-US" altLang="ko-KR" dirty="0" smtClean="0"/>
@@ -4451,7 +4447,12 @@
             <p:ph type="title"/>
           </p:nvPr>
         </p:nvSpPr>
-        <p:spPr/>
+        <p:spPr>
+          <a:xfrm>
+            <a:off x="467544" y="260648"/>
+            <a:ext cx="8229600" cy="1143000"/>
+          </a:xfrm>
+        </p:spPr>
         <p:txBody>
           <a:bodyPr/>
           <a:lstStyle/>
@@ -4468,540 +4469,555 @@
           </a:p>
         </p:txBody>
       </p:sp>
-      <p:pic>
-        <p:nvPicPr>
-          <p:cNvPr id="1026" name="Picture 2"/>
-          <p:cNvPicPr>
-            <a:picLocks noChangeAspect="1" noChangeArrowheads="1"/>
-          </p:cNvPicPr>
+      <p:grpSp>
+        <p:nvGrpSpPr>
+          <p:cNvPr id="16" name="그룹 15"/>
+          <p:cNvGrpSpPr/>
           <p:nvPr/>
-        </p:nvPicPr>
-        <p:blipFill>
-          <a:blip r:embed="rId2" cstate="print"/>
-          <a:srcRect/>
-          <a:stretch>
-            <a:fillRect/>
-          </a:stretch>
-        </p:blipFill>
-        <p:spPr bwMode="auto">
+        </p:nvGrpSpPr>
+        <p:grpSpPr>
           <a:xfrm>
-            <a:off x="395536" y="3573016"/>
-            <a:ext cx="428625" cy="866775"/>
+            <a:off x="395536" y="1556792"/>
+            <a:ext cx="7128792" cy="5040560"/>
+            <a:chOff x="395536" y="1556792"/>
+            <a:chExt cx="7128792" cy="5040560"/>
           </a:xfrm>
-          <a:prstGeom prst="rect">
-            <a:avLst/>
-          </a:prstGeom>
-          <a:noFill/>
-          <a:ln w="9525">
+        </p:grpSpPr>
+        <p:pic>
+          <p:nvPicPr>
+            <p:cNvPr id="1026" name="Picture 2"/>
+            <p:cNvPicPr>
+              <a:picLocks noChangeAspect="1" noChangeArrowheads="1"/>
+            </p:cNvPicPr>
+            <p:nvPr/>
+          </p:nvPicPr>
+          <p:blipFill>
+            <a:blip r:embed="rId2" cstate="print"/>
+            <a:srcRect/>
+            <a:stretch>
+              <a:fillRect/>
+            </a:stretch>
+          </p:blipFill>
+          <p:spPr bwMode="auto">
+            <a:xfrm>
+              <a:off x="395536" y="3573016"/>
+              <a:ext cx="428625" cy="866775"/>
+            </a:xfrm>
+            <a:prstGeom prst="rect">
+              <a:avLst/>
+            </a:prstGeom>
             <a:noFill/>
-            <a:miter lim="800000"/>
-            <a:headEnd/>
-            <a:tailEnd/>
-          </a:ln>
-        </p:spPr>
-      </p:pic>
-      <p:sp>
-        <p:nvSpPr>
-          <p:cNvPr id="5" name="직사각형 4"/>
-          <p:cNvSpPr/>
-          <p:nvPr/>
-        </p:nvSpPr>
-        <p:spPr>
-          <a:xfrm>
-            <a:off x="1691680" y="1556792"/>
-            <a:ext cx="5832648" cy="5040560"/>
-          </a:xfrm>
-          <a:prstGeom prst="rect">
-            <a:avLst/>
-          </a:prstGeom>
-          <a:solidFill>
-            <a:schemeClr val="accent3">
-              <a:lumMod val="60000"/>
-              <a:lumOff val="40000"/>
-              <a:alpha val="50000"/>
-            </a:schemeClr>
-          </a:solidFill>
-        </p:spPr>
-        <p:style>
-          <a:lnRef idx="2">
-            <a:schemeClr val="accent1">
-              <a:shade val="50000"/>
-            </a:schemeClr>
-          </a:lnRef>
-          <a:fillRef idx="1">
-            <a:schemeClr val="accent1"/>
-          </a:fillRef>
-          <a:effectRef idx="0">
-            <a:schemeClr val="accent1"/>
-          </a:effectRef>
-          <a:fontRef idx="minor">
-            <a:schemeClr val="lt1"/>
-          </a:fontRef>
-        </p:style>
-        <p:txBody>
-          <a:bodyPr rtlCol="0" anchor="ctr"/>
-          <a:lstStyle/>
-          <a:p>
-            <a:pPr algn="ctr"/>
-            <a:endParaRPr lang="ko-KR" altLang="en-US" dirty="0"/>
-          </a:p>
-        </p:txBody>
-      </p:sp>
-      <p:sp>
-        <p:nvSpPr>
-          <p:cNvPr id="6" name="타원 5"/>
-          <p:cNvSpPr/>
-          <p:nvPr/>
-        </p:nvSpPr>
-        <p:spPr>
-          <a:xfrm>
-            <a:off x="2195736" y="2636912"/>
-            <a:ext cx="1512168" cy="720080"/>
-          </a:xfrm>
-          <a:prstGeom prst="ellipse">
-            <a:avLst/>
-          </a:prstGeom>
-          <a:solidFill>
-            <a:schemeClr val="accent1">
-              <a:alpha val="50000"/>
-            </a:schemeClr>
-          </a:solidFill>
-        </p:spPr>
-        <p:style>
-          <a:lnRef idx="2">
-            <a:schemeClr val="accent1">
-              <a:shade val="50000"/>
-            </a:schemeClr>
-          </a:lnRef>
-          <a:fillRef idx="1">
-            <a:schemeClr val="accent1"/>
-          </a:fillRef>
-          <a:effectRef idx="0">
-            <a:schemeClr val="accent1"/>
-          </a:effectRef>
-          <a:fontRef idx="minor">
-            <a:schemeClr val="lt1"/>
-          </a:fontRef>
-        </p:style>
-        <p:txBody>
-          <a:bodyPr rtlCol="0" anchor="ctr"/>
-          <a:lstStyle/>
-          <a:p>
-            <a:pPr algn="ctr"/>
-            <a:r>
-              <a:rPr lang="ko-KR" altLang="en-US" sz="1200" dirty="0" smtClean="0"/>
-              <a:t>회원가입을 한다</a:t>
-            </a:r>
-            <a:r>
-              <a:rPr lang="en-US" altLang="ko-KR" sz="1200" dirty="0" smtClean="0"/>
-              <a:t>.</a:t>
-            </a:r>
-            <a:endParaRPr lang="ko-KR" altLang="en-US" sz="1200" dirty="0"/>
-          </a:p>
-        </p:txBody>
-      </p:sp>
-      <p:sp>
-        <p:nvSpPr>
-          <p:cNvPr id="7" name="타원 6"/>
-          <p:cNvSpPr/>
-          <p:nvPr/>
-        </p:nvSpPr>
-        <p:spPr>
-          <a:xfrm>
-            <a:off x="2195736" y="4653136"/>
-            <a:ext cx="1512168" cy="720080"/>
-          </a:xfrm>
-          <a:prstGeom prst="ellipse">
-            <a:avLst/>
-          </a:prstGeom>
-          <a:solidFill>
-            <a:schemeClr val="accent1">
-              <a:alpha val="50000"/>
-            </a:schemeClr>
-          </a:solidFill>
-        </p:spPr>
-        <p:style>
-          <a:lnRef idx="2">
-            <a:schemeClr val="accent1">
-              <a:shade val="50000"/>
-            </a:schemeClr>
-          </a:lnRef>
-          <a:fillRef idx="1">
-            <a:schemeClr val="accent1"/>
-          </a:fillRef>
-          <a:effectRef idx="0">
-            <a:schemeClr val="accent1"/>
-          </a:effectRef>
-          <a:fontRef idx="minor">
-            <a:schemeClr val="lt1"/>
-          </a:fontRef>
-        </p:style>
-        <p:txBody>
-          <a:bodyPr rtlCol="0" anchor="ctr"/>
-          <a:lstStyle/>
-          <a:p>
-            <a:pPr algn="ctr"/>
-            <a:r>
-              <a:rPr lang="ko-KR" altLang="en-US" sz="1200" dirty="0" err="1" smtClean="0"/>
-              <a:t>로그인한다</a:t>
-            </a:r>
-            <a:r>
-              <a:rPr lang="en-US" altLang="ko-KR" sz="1200" dirty="0" smtClean="0"/>
-              <a:t>.</a:t>
-            </a:r>
-            <a:endParaRPr lang="ko-KR" altLang="en-US" sz="1200" dirty="0"/>
-          </a:p>
-        </p:txBody>
-      </p:sp>
-      <p:sp>
-        <p:nvSpPr>
-          <p:cNvPr id="8" name="TextBox 7"/>
-          <p:cNvSpPr txBox="1"/>
-          <p:nvPr/>
-        </p:nvSpPr>
-        <p:spPr>
-          <a:xfrm>
-            <a:off x="3804300" y="1599183"/>
-            <a:ext cx="1415772" cy="461665"/>
-          </a:xfrm>
-          <a:prstGeom prst="rect">
-            <a:avLst/>
-          </a:prstGeom>
-          <a:noFill/>
-        </p:spPr>
-        <p:txBody>
-          <a:bodyPr wrap="none" rtlCol="0">
-            <a:spAutoFit/>
-          </a:bodyPr>
-          <a:lstStyle/>
-          <a:p>
-            <a:r>
-              <a:rPr lang="ko-KR" altLang="en-US" sz="2400" b="1" smtClean="0">
+            <a:ln w="9525">
+              <a:noFill/>
+              <a:miter lim="800000"/>
+              <a:headEnd/>
+              <a:tailEnd/>
+            </a:ln>
+          </p:spPr>
+        </p:pic>
+        <p:sp>
+          <p:nvSpPr>
+            <p:cNvPr id="5" name="직사각형 4"/>
+            <p:cNvSpPr/>
+            <p:nvPr/>
+          </p:nvSpPr>
+          <p:spPr>
+            <a:xfrm>
+              <a:off x="1691680" y="1556792"/>
+              <a:ext cx="5832648" cy="5040560"/>
+            </a:xfrm>
+            <a:prstGeom prst="rect">
+              <a:avLst/>
+            </a:prstGeom>
+            <a:solidFill>
+              <a:schemeClr val="accent3">
+                <a:lumMod val="60000"/>
+                <a:lumOff val="40000"/>
+                <a:alpha val="50000"/>
+              </a:schemeClr>
+            </a:solidFill>
+          </p:spPr>
+          <p:style>
+            <a:lnRef idx="2">
+              <a:schemeClr val="accent1">
+                <a:shade val="50000"/>
+              </a:schemeClr>
+            </a:lnRef>
+            <a:fillRef idx="1">
+              <a:schemeClr val="accent1"/>
+            </a:fillRef>
+            <a:effectRef idx="0">
+              <a:schemeClr val="accent1"/>
+            </a:effectRef>
+            <a:fontRef idx="minor">
+              <a:schemeClr val="lt1"/>
+            </a:fontRef>
+          </p:style>
+          <p:txBody>
+            <a:bodyPr rtlCol="0" anchor="ctr"/>
+            <a:lstStyle/>
+            <a:p>
+              <a:pPr algn="ctr"/>
+              <a:endParaRPr lang="ko-KR" altLang="en-US" dirty="0"/>
+            </a:p>
+          </p:txBody>
+        </p:sp>
+        <p:sp>
+          <p:nvSpPr>
+            <p:cNvPr id="6" name="타원 5"/>
+            <p:cNvSpPr/>
+            <p:nvPr/>
+          </p:nvSpPr>
+          <p:spPr>
+            <a:xfrm>
+              <a:off x="2195736" y="2636912"/>
+              <a:ext cx="1512168" cy="720080"/>
+            </a:xfrm>
+            <a:prstGeom prst="ellipse">
+              <a:avLst/>
+            </a:prstGeom>
+            <a:solidFill>
+              <a:schemeClr val="accent1">
+                <a:alpha val="50000"/>
+              </a:schemeClr>
+            </a:solidFill>
+          </p:spPr>
+          <p:style>
+            <a:lnRef idx="2">
+              <a:schemeClr val="accent1">
+                <a:shade val="50000"/>
+              </a:schemeClr>
+            </a:lnRef>
+            <a:fillRef idx="1">
+              <a:schemeClr val="accent1"/>
+            </a:fillRef>
+            <a:effectRef idx="0">
+              <a:schemeClr val="accent1"/>
+            </a:effectRef>
+            <a:fontRef idx="minor">
+              <a:schemeClr val="lt1"/>
+            </a:fontRef>
+          </p:style>
+          <p:txBody>
+            <a:bodyPr rtlCol="0" anchor="ctr"/>
+            <a:lstStyle/>
+            <a:p>
+              <a:pPr algn="ctr"/>
+              <a:r>
+                <a:rPr lang="ko-KR" altLang="en-US" sz="1200" dirty="0" smtClean="0"/>
+                <a:t>회원가입을 한다</a:t>
+              </a:r>
+              <a:r>
+                <a:rPr lang="en-US" altLang="ko-KR" sz="1200" dirty="0" smtClean="0"/>
+                <a:t>.</a:t>
+              </a:r>
+              <a:endParaRPr lang="ko-KR" altLang="en-US" sz="1200" dirty="0"/>
+            </a:p>
+          </p:txBody>
+        </p:sp>
+        <p:sp>
+          <p:nvSpPr>
+            <p:cNvPr id="7" name="타원 6"/>
+            <p:cNvSpPr/>
+            <p:nvPr/>
+          </p:nvSpPr>
+          <p:spPr>
+            <a:xfrm>
+              <a:off x="2195736" y="4653136"/>
+              <a:ext cx="1512168" cy="720080"/>
+            </a:xfrm>
+            <a:prstGeom prst="ellipse">
+              <a:avLst/>
+            </a:prstGeom>
+            <a:solidFill>
+              <a:schemeClr val="accent1">
+                <a:alpha val="50000"/>
+              </a:schemeClr>
+            </a:solidFill>
+          </p:spPr>
+          <p:style>
+            <a:lnRef idx="2">
+              <a:schemeClr val="accent1">
+                <a:shade val="50000"/>
+              </a:schemeClr>
+            </a:lnRef>
+            <a:fillRef idx="1">
+              <a:schemeClr val="accent1"/>
+            </a:fillRef>
+            <a:effectRef idx="0">
+              <a:schemeClr val="accent1"/>
+            </a:effectRef>
+            <a:fontRef idx="minor">
+              <a:schemeClr val="lt1"/>
+            </a:fontRef>
+          </p:style>
+          <p:txBody>
+            <a:bodyPr rtlCol="0" anchor="ctr"/>
+            <a:lstStyle/>
+            <a:p>
+              <a:pPr algn="ctr"/>
+              <a:r>
+                <a:rPr lang="ko-KR" altLang="en-US" sz="1200" dirty="0" err="1" smtClean="0"/>
+                <a:t>로그인한다</a:t>
+              </a:r>
+              <a:r>
+                <a:rPr lang="en-US" altLang="ko-KR" sz="1200" dirty="0" smtClean="0"/>
+                <a:t>.</a:t>
+              </a:r>
+              <a:endParaRPr lang="ko-KR" altLang="en-US" sz="1200" dirty="0"/>
+            </a:p>
+          </p:txBody>
+        </p:sp>
+        <p:sp>
+          <p:nvSpPr>
+            <p:cNvPr id="8" name="TextBox 7"/>
+            <p:cNvSpPr txBox="1"/>
+            <p:nvPr/>
+          </p:nvSpPr>
+          <p:spPr>
+            <a:xfrm>
+              <a:off x="3804300" y="1599183"/>
+              <a:ext cx="1415772" cy="461665"/>
+            </a:xfrm>
+            <a:prstGeom prst="rect">
+              <a:avLst/>
+            </a:prstGeom>
+            <a:noFill/>
+          </p:spPr>
+          <p:txBody>
+            <a:bodyPr wrap="none" rtlCol="0">
+              <a:spAutoFit/>
+            </a:bodyPr>
+            <a:lstStyle/>
+            <a:p>
+              <a:r>
+                <a:rPr lang="ko-KR" altLang="en-US" sz="2400" b="1" smtClean="0">
+                  <a:solidFill>
+                    <a:srgbClr val="0070C0"/>
+                  </a:solidFill>
+                </a:rPr>
+                <a:t>초기화면</a:t>
+              </a:r>
+              <a:endParaRPr lang="ko-KR" altLang="en-US" sz="2400" b="1">
                 <a:solidFill>
                   <a:srgbClr val="0070C0"/>
                 </a:solidFill>
-              </a:rPr>
-              <a:t>초기화면</a:t>
-            </a:r>
-            <a:endParaRPr lang="ko-KR" altLang="en-US" sz="2400" b="1">
+              </a:endParaRPr>
+            </a:p>
+          </p:txBody>
+        </p:sp>
+        <p:sp>
+          <p:nvSpPr>
+            <p:cNvPr id="9" name="타원 8"/>
+            <p:cNvSpPr/>
+            <p:nvPr/>
+          </p:nvSpPr>
+          <p:spPr>
+            <a:xfrm>
+              <a:off x="5364088" y="2636912"/>
+              <a:ext cx="1512168" cy="720080"/>
+            </a:xfrm>
+            <a:prstGeom prst="ellipse">
+              <a:avLst/>
+            </a:prstGeom>
+            <a:solidFill>
+              <a:schemeClr val="accent1">
+                <a:alpha val="50000"/>
+              </a:schemeClr>
+            </a:solidFill>
+          </p:spPr>
+          <p:style>
+            <a:lnRef idx="2">
+              <a:schemeClr val="accent1">
+                <a:shade val="50000"/>
+              </a:schemeClr>
+            </a:lnRef>
+            <a:fillRef idx="1">
+              <a:schemeClr val="accent1"/>
+            </a:fillRef>
+            <a:effectRef idx="0">
+              <a:schemeClr val="accent1"/>
+            </a:effectRef>
+            <a:fontRef idx="minor">
+              <a:schemeClr val="lt1"/>
+            </a:fontRef>
+          </p:style>
+          <p:txBody>
+            <a:bodyPr rtlCol="0" anchor="ctr"/>
+            <a:lstStyle/>
+            <a:p>
+              <a:pPr algn="ctr"/>
+              <a:r>
+                <a:rPr lang="ko-KR" altLang="en-US" sz="1200" dirty="0" smtClean="0"/>
+                <a:t>개인정보를 입력하고 아이디를 등록</a:t>
+              </a:r>
+              <a:endParaRPr lang="ko-KR" altLang="en-US" sz="1200" dirty="0"/>
+            </a:p>
+          </p:txBody>
+        </p:sp>
+        <p:sp>
+          <p:nvSpPr>
+            <p:cNvPr id="10" name="타원 9"/>
+            <p:cNvSpPr/>
+            <p:nvPr/>
+          </p:nvSpPr>
+          <p:spPr>
+            <a:xfrm>
+              <a:off x="5364088" y="4653136"/>
+              <a:ext cx="1512168" cy="720080"/>
+            </a:xfrm>
+            <a:prstGeom prst="ellipse">
+              <a:avLst/>
+            </a:prstGeom>
+            <a:solidFill>
+              <a:schemeClr val="accent1">
+                <a:alpha val="50000"/>
+              </a:schemeClr>
+            </a:solidFill>
+          </p:spPr>
+          <p:style>
+            <a:lnRef idx="2">
+              <a:schemeClr val="accent1">
+                <a:shade val="50000"/>
+              </a:schemeClr>
+            </a:lnRef>
+            <a:fillRef idx="1">
+              <a:schemeClr val="accent1"/>
+            </a:fillRef>
+            <a:effectRef idx="0">
+              <a:schemeClr val="accent1"/>
+            </a:effectRef>
+            <a:fontRef idx="minor">
+              <a:schemeClr val="lt1"/>
+            </a:fontRef>
+          </p:style>
+          <p:txBody>
+            <a:bodyPr rtlCol="0" anchor="ctr"/>
+            <a:lstStyle/>
+            <a:p>
+              <a:pPr algn="ctr"/>
+              <a:r>
+                <a:rPr lang="ko-KR" altLang="en-US" sz="1000" dirty="0" smtClean="0"/>
+                <a:t>아이디와 비밀번호를 입력하고 로그인</a:t>
+              </a:r>
+              <a:endParaRPr lang="ko-KR" altLang="en-US" sz="1000" dirty="0"/>
+            </a:p>
+          </p:txBody>
+        </p:sp>
+        <p:cxnSp>
+          <p:nvCxnSpPr>
+            <p:cNvPr id="12" name="직선 화살표 연결선 11"/>
+            <p:cNvCxnSpPr>
+              <a:stCxn id="6" idx="6"/>
+              <a:endCxn id="9" idx="2"/>
+            </p:cNvCxnSpPr>
+            <p:nvPr/>
+          </p:nvCxnSpPr>
+          <p:spPr>
+            <a:xfrm>
+              <a:off x="3707904" y="2996952"/>
+              <a:ext cx="1656184" cy="0"/>
+            </a:xfrm>
+            <a:prstGeom prst="straightConnector1">
+              <a:avLst/>
+            </a:prstGeom>
+            <a:ln>
               <a:solidFill>
-                <a:srgbClr val="0070C0"/>
+                <a:schemeClr val="tx1"/>
               </a:solidFill>
-            </a:endParaRPr>
-          </a:p>
-        </p:txBody>
-      </p:sp>
-      <p:sp>
-        <p:nvSpPr>
-          <p:cNvPr id="9" name="타원 8"/>
-          <p:cNvSpPr/>
-          <p:nvPr/>
-        </p:nvSpPr>
-        <p:spPr>
-          <a:xfrm>
-            <a:off x="5364088" y="2636912"/>
-            <a:ext cx="1512168" cy="720080"/>
-          </a:xfrm>
-          <a:prstGeom prst="ellipse">
-            <a:avLst/>
-          </a:prstGeom>
-          <a:solidFill>
-            <a:schemeClr val="accent1">
-              <a:alpha val="50000"/>
-            </a:schemeClr>
-          </a:solidFill>
-        </p:spPr>
-        <p:style>
-          <a:lnRef idx="2">
-            <a:schemeClr val="accent1">
-              <a:shade val="50000"/>
-            </a:schemeClr>
-          </a:lnRef>
-          <a:fillRef idx="1">
-            <a:schemeClr val="accent1"/>
-          </a:fillRef>
-          <a:effectRef idx="0">
-            <a:schemeClr val="accent1"/>
-          </a:effectRef>
-          <a:fontRef idx="minor">
-            <a:schemeClr val="lt1"/>
-          </a:fontRef>
-        </p:style>
-        <p:txBody>
-          <a:bodyPr rtlCol="0" anchor="ctr"/>
-          <a:lstStyle/>
-          <a:p>
-            <a:pPr algn="ctr"/>
-            <a:r>
-              <a:rPr lang="ko-KR" altLang="en-US" sz="1200" dirty="0" smtClean="0"/>
-              <a:t>개인정보를 입력하고 아이디를 등록</a:t>
-            </a:r>
-            <a:endParaRPr lang="ko-KR" altLang="en-US" sz="1200" dirty="0"/>
-          </a:p>
-        </p:txBody>
-      </p:sp>
-      <p:sp>
-        <p:nvSpPr>
-          <p:cNvPr id="10" name="타원 9"/>
-          <p:cNvSpPr/>
-          <p:nvPr/>
-        </p:nvSpPr>
-        <p:spPr>
-          <a:xfrm>
-            <a:off x="5364088" y="4653136"/>
-            <a:ext cx="1512168" cy="720080"/>
-          </a:xfrm>
-          <a:prstGeom prst="ellipse">
-            <a:avLst/>
-          </a:prstGeom>
-          <a:solidFill>
-            <a:schemeClr val="accent1">
-              <a:alpha val="50000"/>
-            </a:schemeClr>
-          </a:solidFill>
-        </p:spPr>
-        <p:style>
-          <a:lnRef idx="2">
-            <a:schemeClr val="accent1">
-              <a:shade val="50000"/>
-            </a:schemeClr>
-          </a:lnRef>
-          <a:fillRef idx="1">
-            <a:schemeClr val="accent1"/>
-          </a:fillRef>
-          <a:effectRef idx="0">
-            <a:schemeClr val="accent1"/>
-          </a:effectRef>
-          <a:fontRef idx="minor">
-            <a:schemeClr val="lt1"/>
-          </a:fontRef>
-        </p:style>
-        <p:txBody>
-          <a:bodyPr rtlCol="0" anchor="ctr"/>
-          <a:lstStyle/>
-          <a:p>
-            <a:pPr algn="ctr"/>
-            <a:r>
-              <a:rPr lang="ko-KR" altLang="en-US" sz="1000" dirty="0" smtClean="0"/>
-              <a:t>아이디와 비밀번호를 입력하고 로그인</a:t>
-            </a:r>
-            <a:endParaRPr lang="ko-KR" altLang="en-US" sz="1000" dirty="0"/>
-          </a:p>
-        </p:txBody>
-      </p:sp>
-      <p:cxnSp>
-        <p:nvCxnSpPr>
-          <p:cNvPr id="12" name="직선 화살표 연결선 11"/>
-          <p:cNvCxnSpPr>
-            <a:stCxn id="6" idx="6"/>
-            <a:endCxn id="9" idx="2"/>
-          </p:cNvCxnSpPr>
-          <p:nvPr/>
-        </p:nvCxnSpPr>
-        <p:spPr>
-          <a:xfrm>
-            <a:off x="3707904" y="2996952"/>
-            <a:ext cx="1656184" cy="0"/>
-          </a:xfrm>
-          <a:prstGeom prst="straightConnector1">
-            <a:avLst/>
-          </a:prstGeom>
-          <a:ln>
-            <a:solidFill>
+              <a:prstDash val="sysDash"/>
+              <a:tailEnd type="arrow"/>
+            </a:ln>
+          </p:spPr>
+          <p:style>
+            <a:lnRef idx="1">
+              <a:schemeClr val="accent1"/>
+            </a:lnRef>
+            <a:fillRef idx="0">
+              <a:schemeClr val="accent1"/>
+            </a:fillRef>
+            <a:effectRef idx="0">
+              <a:schemeClr val="accent1"/>
+            </a:effectRef>
+            <a:fontRef idx="minor">
               <a:schemeClr val="tx1"/>
-            </a:solidFill>
-            <a:prstDash val="sysDash"/>
-            <a:tailEnd type="arrow"/>
-          </a:ln>
-        </p:spPr>
-        <p:style>
-          <a:lnRef idx="1">
-            <a:schemeClr val="accent1"/>
-          </a:lnRef>
-          <a:fillRef idx="0">
-            <a:schemeClr val="accent1"/>
-          </a:fillRef>
-          <a:effectRef idx="0">
-            <a:schemeClr val="accent1"/>
-          </a:effectRef>
-          <a:fontRef idx="minor">
-            <a:schemeClr val="tx1"/>
-          </a:fontRef>
-        </p:style>
-      </p:cxnSp>
-      <p:sp>
-        <p:nvSpPr>
-          <p:cNvPr id="18" name="TextBox 17"/>
-          <p:cNvSpPr txBox="1"/>
-          <p:nvPr/>
-        </p:nvSpPr>
-        <p:spPr>
-          <a:xfrm>
-            <a:off x="3958442" y="2719953"/>
-            <a:ext cx="1117614" cy="276999"/>
-          </a:xfrm>
-          <a:prstGeom prst="rect">
-            <a:avLst/>
-          </a:prstGeom>
-          <a:noFill/>
-        </p:spPr>
-        <p:txBody>
-          <a:bodyPr wrap="none" rtlCol="0">
-            <a:spAutoFit/>
-          </a:bodyPr>
-          <a:lstStyle/>
-          <a:p>
-            <a:r>
-              <a:rPr lang="en-US" altLang="ko-KR" sz="1200" dirty="0" smtClean="0"/>
-              <a:t>&lt;&lt;include&gt;&gt;</a:t>
-            </a:r>
-            <a:endParaRPr lang="ko-KR" altLang="en-US" sz="1200" dirty="0"/>
-          </a:p>
-        </p:txBody>
-      </p:sp>
-      <p:sp>
-        <p:nvSpPr>
-          <p:cNvPr id="19" name="TextBox 18"/>
-          <p:cNvSpPr txBox="1"/>
-          <p:nvPr/>
-        </p:nvSpPr>
-        <p:spPr>
-          <a:xfrm>
-            <a:off x="3958442" y="4736177"/>
-            <a:ext cx="1117614" cy="276999"/>
-          </a:xfrm>
-          <a:prstGeom prst="rect">
-            <a:avLst/>
-          </a:prstGeom>
-          <a:noFill/>
-        </p:spPr>
-        <p:txBody>
-          <a:bodyPr wrap="none" rtlCol="0">
-            <a:spAutoFit/>
-          </a:bodyPr>
-          <a:lstStyle/>
-          <a:p>
-            <a:r>
-              <a:rPr lang="en-US" altLang="ko-KR" sz="1200" dirty="0" smtClean="0"/>
-              <a:t>&lt;&lt;include&gt;&gt;</a:t>
-            </a:r>
-            <a:endParaRPr lang="ko-KR" altLang="en-US" sz="1200" dirty="0"/>
-          </a:p>
-        </p:txBody>
-      </p:sp>
-      <p:cxnSp>
-        <p:nvCxnSpPr>
-          <p:cNvPr id="20" name="직선 화살표 연결선 19"/>
-          <p:cNvCxnSpPr/>
-          <p:nvPr/>
-        </p:nvCxnSpPr>
-        <p:spPr>
-          <a:xfrm>
-            <a:off x="3707904" y="5013176"/>
-            <a:ext cx="1656184" cy="0"/>
-          </a:xfrm>
-          <a:prstGeom prst="straightConnector1">
-            <a:avLst/>
-          </a:prstGeom>
-          <a:ln>
-            <a:solidFill>
+            </a:fontRef>
+          </p:style>
+        </p:cxnSp>
+        <p:sp>
+          <p:nvSpPr>
+            <p:cNvPr id="18" name="TextBox 17"/>
+            <p:cNvSpPr txBox="1"/>
+            <p:nvPr/>
+          </p:nvSpPr>
+          <p:spPr>
+            <a:xfrm>
+              <a:off x="3958442" y="2719953"/>
+              <a:ext cx="1117614" cy="276999"/>
+            </a:xfrm>
+            <a:prstGeom prst="rect">
+              <a:avLst/>
+            </a:prstGeom>
+            <a:noFill/>
+          </p:spPr>
+          <p:txBody>
+            <a:bodyPr wrap="none" rtlCol="0">
+              <a:spAutoFit/>
+            </a:bodyPr>
+            <a:lstStyle/>
+            <a:p>
+              <a:r>
+                <a:rPr lang="en-US" altLang="ko-KR" sz="1200" dirty="0" smtClean="0"/>
+                <a:t>&lt;&lt;include&gt;&gt;</a:t>
+              </a:r>
+              <a:endParaRPr lang="ko-KR" altLang="en-US" sz="1200" dirty="0"/>
+            </a:p>
+          </p:txBody>
+        </p:sp>
+        <p:sp>
+          <p:nvSpPr>
+            <p:cNvPr id="19" name="TextBox 18"/>
+            <p:cNvSpPr txBox="1"/>
+            <p:nvPr/>
+          </p:nvSpPr>
+          <p:spPr>
+            <a:xfrm>
+              <a:off x="3958442" y="4736177"/>
+              <a:ext cx="1117614" cy="276999"/>
+            </a:xfrm>
+            <a:prstGeom prst="rect">
+              <a:avLst/>
+            </a:prstGeom>
+            <a:noFill/>
+          </p:spPr>
+          <p:txBody>
+            <a:bodyPr wrap="none" rtlCol="0">
+              <a:spAutoFit/>
+            </a:bodyPr>
+            <a:lstStyle/>
+            <a:p>
+              <a:r>
+                <a:rPr lang="en-US" altLang="ko-KR" sz="1200" dirty="0" smtClean="0"/>
+                <a:t>&lt;&lt;include&gt;&gt;</a:t>
+              </a:r>
+              <a:endParaRPr lang="ko-KR" altLang="en-US" sz="1200" dirty="0"/>
+            </a:p>
+          </p:txBody>
+        </p:sp>
+        <p:cxnSp>
+          <p:nvCxnSpPr>
+            <p:cNvPr id="20" name="직선 화살표 연결선 19"/>
+            <p:cNvCxnSpPr/>
+            <p:nvPr/>
+          </p:nvCxnSpPr>
+          <p:spPr>
+            <a:xfrm>
+              <a:off x="3707904" y="5013176"/>
+              <a:ext cx="1656184" cy="0"/>
+            </a:xfrm>
+            <a:prstGeom prst="straightConnector1">
+              <a:avLst/>
+            </a:prstGeom>
+            <a:ln>
+              <a:solidFill>
+                <a:schemeClr val="tx1"/>
+              </a:solidFill>
+              <a:prstDash val="sysDash"/>
+              <a:tailEnd type="arrow"/>
+            </a:ln>
+          </p:spPr>
+          <p:style>
+            <a:lnRef idx="1">
+              <a:schemeClr val="accent1"/>
+            </a:lnRef>
+            <a:fillRef idx="0">
+              <a:schemeClr val="accent1"/>
+            </a:fillRef>
+            <a:effectRef idx="0">
+              <a:schemeClr val="accent1"/>
+            </a:effectRef>
+            <a:fontRef idx="minor">
               <a:schemeClr val="tx1"/>
-            </a:solidFill>
-            <a:prstDash val="sysDash"/>
-            <a:tailEnd type="arrow"/>
-          </a:ln>
-        </p:spPr>
-        <p:style>
-          <a:lnRef idx="1">
-            <a:schemeClr val="accent1"/>
-          </a:lnRef>
-          <a:fillRef idx="0">
-            <a:schemeClr val="accent1"/>
-          </a:fillRef>
-          <a:effectRef idx="0">
-            <a:schemeClr val="accent1"/>
-          </a:effectRef>
-          <a:fontRef idx="minor">
-            <a:schemeClr val="tx1"/>
-          </a:fontRef>
-        </p:style>
-      </p:cxnSp>
-      <p:cxnSp>
-        <p:nvCxnSpPr>
-          <p:cNvPr id="24" name="직선 연결선 23"/>
-          <p:cNvCxnSpPr>
-            <a:stCxn id="1026" idx="3"/>
-            <a:endCxn id="6" idx="2"/>
-          </p:cNvCxnSpPr>
-          <p:nvPr/>
-        </p:nvCxnSpPr>
-        <p:spPr>
-          <a:xfrm flipV="1">
-            <a:off x="824161" y="2996952"/>
-            <a:ext cx="1371575" cy="1009452"/>
-          </a:xfrm>
-          <a:prstGeom prst="line">
-            <a:avLst/>
-          </a:prstGeom>
-          <a:ln>
-            <a:solidFill>
+            </a:fontRef>
+          </p:style>
+        </p:cxnSp>
+        <p:cxnSp>
+          <p:nvCxnSpPr>
+            <p:cNvPr id="24" name="직선 연결선 23"/>
+            <p:cNvCxnSpPr>
+              <a:stCxn id="1026" idx="3"/>
+              <a:endCxn id="6" idx="2"/>
+            </p:cNvCxnSpPr>
+            <p:nvPr/>
+          </p:nvCxnSpPr>
+          <p:spPr>
+            <a:xfrm flipV="1">
+              <a:off x="824161" y="2996952"/>
+              <a:ext cx="1371575" cy="1009452"/>
+            </a:xfrm>
+            <a:prstGeom prst="line">
+              <a:avLst/>
+            </a:prstGeom>
+            <a:ln>
+              <a:solidFill>
+                <a:schemeClr val="tx1"/>
+              </a:solidFill>
+            </a:ln>
+          </p:spPr>
+          <p:style>
+            <a:lnRef idx="1">
+              <a:schemeClr val="accent1"/>
+            </a:lnRef>
+            <a:fillRef idx="0">
+              <a:schemeClr val="accent1"/>
+            </a:fillRef>
+            <a:effectRef idx="0">
+              <a:schemeClr val="accent1"/>
+            </a:effectRef>
+            <a:fontRef idx="minor">
               <a:schemeClr val="tx1"/>
-            </a:solidFill>
-          </a:ln>
-        </p:spPr>
-        <p:style>
-          <a:lnRef idx="1">
-            <a:schemeClr val="accent1"/>
-          </a:lnRef>
-          <a:fillRef idx="0">
-            <a:schemeClr val="accent1"/>
-          </a:fillRef>
-          <a:effectRef idx="0">
-            <a:schemeClr val="accent1"/>
-          </a:effectRef>
-          <a:fontRef idx="minor">
-            <a:schemeClr val="tx1"/>
-          </a:fontRef>
-        </p:style>
-      </p:cxnSp>
-      <p:cxnSp>
-        <p:nvCxnSpPr>
-          <p:cNvPr id="26" name="직선 연결선 25"/>
-          <p:cNvCxnSpPr>
-            <a:stCxn id="1026" idx="3"/>
-            <a:endCxn id="7" idx="2"/>
-          </p:cNvCxnSpPr>
-          <p:nvPr/>
-        </p:nvCxnSpPr>
-        <p:spPr>
-          <a:xfrm>
-            <a:off x="824161" y="4006404"/>
-            <a:ext cx="1371575" cy="1006772"/>
-          </a:xfrm>
-          <a:prstGeom prst="line">
-            <a:avLst/>
-          </a:prstGeom>
-          <a:ln>
-            <a:solidFill>
+            </a:fontRef>
+          </p:style>
+        </p:cxnSp>
+        <p:cxnSp>
+          <p:nvCxnSpPr>
+            <p:cNvPr id="26" name="직선 연결선 25"/>
+            <p:cNvCxnSpPr>
+              <a:stCxn id="1026" idx="3"/>
+              <a:endCxn id="7" idx="2"/>
+            </p:cNvCxnSpPr>
+            <p:nvPr/>
+          </p:nvCxnSpPr>
+          <p:spPr>
+            <a:xfrm>
+              <a:off x="824161" y="4006404"/>
+              <a:ext cx="1371575" cy="1006772"/>
+            </a:xfrm>
+            <a:prstGeom prst="line">
+              <a:avLst/>
+            </a:prstGeom>
+            <a:ln>
+              <a:solidFill>
+                <a:schemeClr val="tx1"/>
+              </a:solidFill>
+            </a:ln>
+          </p:spPr>
+          <p:style>
+            <a:lnRef idx="1">
+              <a:schemeClr val="accent1"/>
+            </a:lnRef>
+            <a:fillRef idx="0">
+              <a:schemeClr val="accent1"/>
+            </a:fillRef>
+            <a:effectRef idx="0">
+              <a:schemeClr val="accent1"/>
+            </a:effectRef>
+            <a:fontRef idx="minor">
               <a:schemeClr val="tx1"/>
-            </a:solidFill>
-          </a:ln>
-        </p:spPr>
-        <p:style>
-          <a:lnRef idx="1">
-            <a:schemeClr val="accent1"/>
-          </a:lnRef>
-          <a:fillRef idx="0">
-            <a:schemeClr val="accent1"/>
-          </a:fillRef>
-          <a:effectRef idx="0">
-            <a:schemeClr val="accent1"/>
-          </a:effectRef>
-          <a:fontRef idx="minor">
-            <a:schemeClr val="tx1"/>
-          </a:fontRef>
-        </p:style>
-      </p:cxnSp>
+            </a:fontRef>
+          </p:style>
+        </p:cxnSp>
+      </p:grpSp>
     </p:spTree>
   </p:cSld>
   <p:clrMapOvr>
@@ -5452,1485 +5468,1500 @@
           </a:p>
         </p:txBody>
       </p:sp>
-      <p:pic>
-        <p:nvPicPr>
-          <p:cNvPr id="1026" name="Picture 2"/>
-          <p:cNvPicPr>
-            <a:picLocks noChangeAspect="1" noChangeArrowheads="1"/>
-          </p:cNvPicPr>
+      <p:grpSp>
+        <p:nvGrpSpPr>
+          <p:cNvPr id="38" name="그룹 37"/>
+          <p:cNvGrpSpPr/>
           <p:nvPr/>
-        </p:nvPicPr>
-        <p:blipFill>
-          <a:blip r:embed="rId2" cstate="print"/>
-          <a:srcRect/>
-          <a:stretch>
-            <a:fillRect/>
-          </a:stretch>
-        </p:blipFill>
-        <p:spPr bwMode="auto">
+        </p:nvGrpSpPr>
+        <p:grpSpPr>
           <a:xfrm>
-            <a:off x="110927" y="3429000"/>
-            <a:ext cx="428625" cy="866775"/>
+            <a:off x="110927" y="764704"/>
+            <a:ext cx="8349505" cy="6093296"/>
+            <a:chOff x="110927" y="764704"/>
+            <a:chExt cx="8349505" cy="6093296"/>
           </a:xfrm>
-          <a:prstGeom prst="rect">
-            <a:avLst/>
-          </a:prstGeom>
-          <a:noFill/>
-          <a:ln w="9525">
+        </p:grpSpPr>
+        <p:sp>
+          <p:nvSpPr>
+            <p:cNvPr id="5" name="직사각형 4"/>
+            <p:cNvSpPr/>
+            <p:nvPr/>
+          </p:nvSpPr>
+          <p:spPr>
+            <a:xfrm>
+              <a:off x="1187624" y="764704"/>
+              <a:ext cx="7272808" cy="6093296"/>
+            </a:xfrm>
+            <a:prstGeom prst="rect">
+              <a:avLst/>
+            </a:prstGeom>
+            <a:solidFill>
+              <a:schemeClr val="accent3">
+                <a:lumMod val="60000"/>
+                <a:lumOff val="40000"/>
+                <a:alpha val="50000"/>
+              </a:schemeClr>
+            </a:solidFill>
+          </p:spPr>
+          <p:style>
+            <a:lnRef idx="2">
+              <a:schemeClr val="accent1">
+                <a:shade val="50000"/>
+              </a:schemeClr>
+            </a:lnRef>
+            <a:fillRef idx="1">
+              <a:schemeClr val="accent1"/>
+            </a:fillRef>
+            <a:effectRef idx="0">
+              <a:schemeClr val="accent1"/>
+            </a:effectRef>
+            <a:fontRef idx="minor">
+              <a:schemeClr val="lt1"/>
+            </a:fontRef>
+          </p:style>
+          <p:txBody>
+            <a:bodyPr rtlCol="0" anchor="ctr"/>
+            <a:lstStyle/>
+            <a:p>
+              <a:pPr algn="ctr"/>
+              <a:endParaRPr lang="ko-KR" altLang="en-US" dirty="0"/>
+            </a:p>
+          </p:txBody>
+        </p:sp>
+        <p:sp>
+          <p:nvSpPr>
+            <p:cNvPr id="74" name="타원 73"/>
+            <p:cNvSpPr/>
+            <p:nvPr/>
+          </p:nvSpPr>
+          <p:spPr>
+            <a:xfrm>
+              <a:off x="2123728" y="6093296"/>
+              <a:ext cx="1512168" cy="720080"/>
+            </a:xfrm>
+            <a:prstGeom prst="ellipse">
+              <a:avLst/>
+            </a:prstGeom>
+            <a:solidFill>
+              <a:schemeClr val="accent1">
+                <a:alpha val="50000"/>
+              </a:schemeClr>
+            </a:solidFill>
+          </p:spPr>
+          <p:style>
+            <a:lnRef idx="2">
+              <a:schemeClr val="accent1">
+                <a:shade val="50000"/>
+              </a:schemeClr>
+            </a:lnRef>
+            <a:fillRef idx="1">
+              <a:schemeClr val="accent1"/>
+            </a:fillRef>
+            <a:effectRef idx="0">
+              <a:schemeClr val="accent1"/>
+            </a:effectRef>
+            <a:fontRef idx="minor">
+              <a:schemeClr val="lt1"/>
+            </a:fontRef>
+          </p:style>
+          <p:txBody>
+            <a:bodyPr rtlCol="0" anchor="ctr"/>
+            <a:lstStyle/>
+            <a:p>
+              <a:pPr algn="ctr"/>
+              <a:r>
+                <a:rPr lang="ko-KR" altLang="en-US" sz="1200" dirty="0" smtClean="0"/>
+                <a:t>게임이 끝나면 종료된다</a:t>
+              </a:r>
+              <a:r>
+                <a:rPr lang="en-US" altLang="ko-KR" sz="1200" dirty="0" smtClean="0"/>
+                <a:t>.</a:t>
+              </a:r>
+              <a:endParaRPr lang="ko-KR" altLang="en-US" sz="1200" dirty="0"/>
+            </a:p>
+          </p:txBody>
+        </p:sp>
+        <p:sp>
+          <p:nvSpPr>
+            <p:cNvPr id="76" name="타원 75"/>
+            <p:cNvSpPr/>
+            <p:nvPr/>
+          </p:nvSpPr>
+          <p:spPr>
+            <a:xfrm>
+              <a:off x="5796136" y="6093296"/>
+              <a:ext cx="1872208" cy="720080"/>
+            </a:xfrm>
+            <a:prstGeom prst="ellipse">
+              <a:avLst/>
+            </a:prstGeom>
+            <a:solidFill>
+              <a:schemeClr val="accent1">
+                <a:alpha val="50000"/>
+              </a:schemeClr>
+            </a:solidFill>
+          </p:spPr>
+          <p:style>
+            <a:lnRef idx="2">
+              <a:schemeClr val="accent1">
+                <a:shade val="50000"/>
+              </a:schemeClr>
+            </a:lnRef>
+            <a:fillRef idx="1">
+              <a:schemeClr val="accent1"/>
+            </a:fillRef>
+            <a:effectRef idx="0">
+              <a:schemeClr val="accent1"/>
+            </a:effectRef>
+            <a:fontRef idx="minor">
+              <a:schemeClr val="lt1"/>
+            </a:fontRef>
+          </p:style>
+          <p:txBody>
+            <a:bodyPr rtlCol="0" anchor="ctr"/>
+            <a:lstStyle/>
+            <a:p>
+              <a:pPr algn="ctr"/>
+              <a:r>
+                <a:rPr lang="ko-KR" altLang="en-US" sz="1200" smtClean="0"/>
+                <a:t>마피아가 시민을 모두 죽임</a:t>
+              </a:r>
+              <a:endParaRPr lang="ko-KR" altLang="en-US" sz="1200" dirty="0"/>
+            </a:p>
+          </p:txBody>
+        </p:sp>
+        <p:sp>
+          <p:nvSpPr>
+            <p:cNvPr id="77" name="이등변 삼각형 76"/>
+            <p:cNvSpPr/>
+            <p:nvPr/>
+          </p:nvSpPr>
+          <p:spPr>
+            <a:xfrm rot="16200000">
+              <a:off x="3563888" y="6309320"/>
+              <a:ext cx="360040" cy="216024"/>
+            </a:xfrm>
+            <a:prstGeom prst="triangle">
+              <a:avLst/>
+            </a:prstGeom>
+            <a:solidFill>
+              <a:schemeClr val="tx1"/>
+            </a:solidFill>
+            <a:ln>
+              <a:noFill/>
+            </a:ln>
+          </p:spPr>
+          <p:style>
+            <a:lnRef idx="2">
+              <a:schemeClr val="accent1">
+                <a:shade val="50000"/>
+              </a:schemeClr>
+            </a:lnRef>
+            <a:fillRef idx="1">
+              <a:schemeClr val="accent1"/>
+            </a:fillRef>
+            <a:effectRef idx="0">
+              <a:schemeClr val="accent1"/>
+            </a:effectRef>
+            <a:fontRef idx="minor">
+              <a:schemeClr val="lt1"/>
+            </a:fontRef>
+          </p:style>
+          <p:txBody>
+            <a:bodyPr rtlCol="0" anchor="ctr"/>
+            <a:lstStyle/>
+            <a:p>
+              <a:pPr algn="ctr"/>
+              <a:endParaRPr lang="ko-KR" altLang="en-US"/>
+            </a:p>
+          </p:txBody>
+        </p:sp>
+        <p:cxnSp>
+          <p:nvCxnSpPr>
+            <p:cNvPr id="78" name="직선 연결선 77"/>
+            <p:cNvCxnSpPr>
+              <a:stCxn id="76" idx="2"/>
+              <a:endCxn id="77" idx="3"/>
+            </p:cNvCxnSpPr>
+            <p:nvPr/>
+          </p:nvCxnSpPr>
+          <p:spPr>
+            <a:xfrm flipH="1" flipV="1">
+              <a:off x="3851920" y="6417332"/>
+              <a:ext cx="1944216" cy="36004"/>
+            </a:xfrm>
+            <a:prstGeom prst="line">
+              <a:avLst/>
+            </a:prstGeom>
+            <a:ln>
+              <a:solidFill>
+                <a:schemeClr val="tx1"/>
+              </a:solidFill>
+            </a:ln>
+          </p:spPr>
+          <p:style>
+            <a:lnRef idx="1">
+              <a:schemeClr val="accent1"/>
+            </a:lnRef>
+            <a:fillRef idx="0">
+              <a:schemeClr val="accent1"/>
+            </a:fillRef>
+            <a:effectRef idx="0">
+              <a:schemeClr val="accent1"/>
+            </a:effectRef>
+            <a:fontRef idx="minor">
+              <a:schemeClr val="tx1"/>
+            </a:fontRef>
+          </p:style>
+        </p:cxnSp>
+        <p:cxnSp>
+          <p:nvCxnSpPr>
+            <p:cNvPr id="86" name="직선 연결선 85"/>
+            <p:cNvCxnSpPr/>
+            <p:nvPr/>
+          </p:nvCxnSpPr>
+          <p:spPr>
+            <a:xfrm flipV="1">
+              <a:off x="5004048" y="5661248"/>
+              <a:ext cx="0" cy="792088"/>
+            </a:xfrm>
+            <a:prstGeom prst="line">
+              <a:avLst/>
+            </a:prstGeom>
+            <a:ln>
+              <a:solidFill>
+                <a:schemeClr val="tx1"/>
+              </a:solidFill>
+            </a:ln>
+          </p:spPr>
+          <p:style>
+            <a:lnRef idx="1">
+              <a:schemeClr val="accent1"/>
+            </a:lnRef>
+            <a:fillRef idx="0">
+              <a:schemeClr val="accent1"/>
+            </a:fillRef>
+            <a:effectRef idx="0">
+              <a:schemeClr val="accent1"/>
+            </a:effectRef>
+            <a:fontRef idx="minor">
+              <a:schemeClr val="tx1"/>
+            </a:fontRef>
+          </p:style>
+        </p:cxnSp>
+        <p:pic>
+          <p:nvPicPr>
+            <p:cNvPr id="1026" name="Picture 2"/>
+            <p:cNvPicPr>
+              <a:picLocks noChangeAspect="1" noChangeArrowheads="1"/>
+            </p:cNvPicPr>
+            <p:nvPr/>
+          </p:nvPicPr>
+          <p:blipFill>
+            <a:blip r:embed="rId2" cstate="print"/>
+            <a:srcRect/>
+            <a:stretch>
+              <a:fillRect/>
+            </a:stretch>
+          </p:blipFill>
+          <p:spPr bwMode="auto">
+            <a:xfrm>
+              <a:off x="110927" y="3429000"/>
+              <a:ext cx="428625" cy="866775"/>
+            </a:xfrm>
+            <a:prstGeom prst="rect">
+              <a:avLst/>
+            </a:prstGeom>
             <a:noFill/>
-            <a:miter lim="800000"/>
-            <a:headEnd/>
-            <a:tailEnd/>
-          </a:ln>
-        </p:spPr>
-      </p:pic>
-      <p:sp>
-        <p:nvSpPr>
-          <p:cNvPr id="5" name="직사각형 4"/>
-          <p:cNvSpPr/>
-          <p:nvPr/>
-        </p:nvSpPr>
-        <p:spPr>
-          <a:xfrm>
-            <a:off x="1187624" y="764704"/>
-            <a:ext cx="7272808" cy="6093296"/>
-          </a:xfrm>
-          <a:prstGeom prst="rect">
-            <a:avLst/>
-          </a:prstGeom>
-          <a:solidFill>
-            <a:schemeClr val="accent3">
-              <a:lumMod val="60000"/>
-              <a:lumOff val="40000"/>
-              <a:alpha val="50000"/>
-            </a:schemeClr>
-          </a:solidFill>
-        </p:spPr>
-        <p:style>
-          <a:lnRef idx="2">
-            <a:schemeClr val="accent1">
-              <a:shade val="50000"/>
-            </a:schemeClr>
-          </a:lnRef>
-          <a:fillRef idx="1">
-            <a:schemeClr val="accent1"/>
-          </a:fillRef>
-          <a:effectRef idx="0">
-            <a:schemeClr val="accent1"/>
-          </a:effectRef>
-          <a:fontRef idx="minor">
-            <a:schemeClr val="lt1"/>
-          </a:fontRef>
-        </p:style>
-        <p:txBody>
-          <a:bodyPr rtlCol="0" anchor="ctr"/>
-          <a:lstStyle/>
-          <a:p>
-            <a:pPr algn="ctr"/>
-            <a:endParaRPr lang="ko-KR" altLang="en-US" dirty="0"/>
-          </a:p>
-        </p:txBody>
-      </p:sp>
-      <p:sp>
-        <p:nvSpPr>
-          <p:cNvPr id="6" name="타원 5"/>
-          <p:cNvSpPr/>
-          <p:nvPr/>
-        </p:nvSpPr>
-        <p:spPr>
-          <a:xfrm>
-            <a:off x="2195736" y="1268760"/>
-            <a:ext cx="1656184" cy="576064"/>
-          </a:xfrm>
-          <a:prstGeom prst="ellipse">
-            <a:avLst/>
-          </a:prstGeom>
-          <a:solidFill>
-            <a:schemeClr val="accent1">
-              <a:alpha val="50000"/>
-            </a:schemeClr>
-          </a:solidFill>
-        </p:spPr>
-        <p:style>
-          <a:lnRef idx="2">
-            <a:schemeClr val="accent1">
-              <a:shade val="50000"/>
-            </a:schemeClr>
-          </a:lnRef>
-          <a:fillRef idx="1">
-            <a:schemeClr val="accent1"/>
-          </a:fillRef>
-          <a:effectRef idx="0">
-            <a:schemeClr val="accent1"/>
-          </a:effectRef>
-          <a:fontRef idx="minor">
-            <a:schemeClr val="lt1"/>
-          </a:fontRef>
-        </p:style>
-        <p:txBody>
-          <a:bodyPr rtlCol="0" anchor="ctr"/>
-          <a:lstStyle/>
-          <a:p>
-            <a:pPr algn="ctr"/>
-            <a:r>
-              <a:rPr lang="ko-KR" altLang="en-US" sz="1200" dirty="0" smtClean="0"/>
-              <a:t>임무를 받는다</a:t>
-            </a:r>
-            <a:endParaRPr lang="ko-KR" altLang="en-US" sz="1200" dirty="0"/>
-          </a:p>
-        </p:txBody>
-      </p:sp>
-      <p:sp>
-        <p:nvSpPr>
-          <p:cNvPr id="7" name="타원 6"/>
-          <p:cNvSpPr/>
-          <p:nvPr/>
-        </p:nvSpPr>
-        <p:spPr>
-          <a:xfrm>
-            <a:off x="2123728" y="4437112"/>
-            <a:ext cx="1512168" cy="720080"/>
-          </a:xfrm>
-          <a:prstGeom prst="ellipse">
-            <a:avLst/>
-          </a:prstGeom>
-          <a:solidFill>
-            <a:schemeClr val="accent1">
-              <a:alpha val="50000"/>
-            </a:schemeClr>
-          </a:solidFill>
-        </p:spPr>
-        <p:style>
-          <a:lnRef idx="2">
-            <a:schemeClr val="accent1">
-              <a:shade val="50000"/>
-            </a:schemeClr>
-          </a:lnRef>
-          <a:fillRef idx="1">
-            <a:schemeClr val="accent1"/>
-          </a:fillRef>
-          <a:effectRef idx="0">
-            <a:schemeClr val="accent1"/>
-          </a:effectRef>
-          <a:fontRef idx="minor">
-            <a:schemeClr val="lt1"/>
-          </a:fontRef>
-        </p:style>
-        <p:txBody>
-          <a:bodyPr rtlCol="0" anchor="ctr"/>
-          <a:lstStyle/>
-          <a:p>
-            <a:pPr algn="ctr"/>
-            <a:r>
-              <a:rPr lang="ko-KR" altLang="en-US" sz="1200" dirty="0" smtClean="0"/>
-              <a:t>밤이 되면</a:t>
-            </a:r>
-            <a:endParaRPr lang="en-US" altLang="ko-KR" sz="1200" dirty="0" smtClean="0"/>
-          </a:p>
-          <a:p>
-            <a:pPr algn="ctr"/>
-            <a:r>
-              <a:rPr lang="ko-KR" altLang="en-US" sz="1200" dirty="0" smtClean="0"/>
-              <a:t> 활동을 한다</a:t>
-            </a:r>
-            <a:r>
-              <a:rPr lang="en-US" altLang="ko-KR" sz="1200" dirty="0" smtClean="0"/>
-              <a:t>.</a:t>
-            </a:r>
-            <a:endParaRPr lang="ko-KR" altLang="en-US" sz="1200" dirty="0"/>
-          </a:p>
-        </p:txBody>
-      </p:sp>
-      <p:sp>
-        <p:nvSpPr>
-          <p:cNvPr id="8" name="TextBox 7"/>
-          <p:cNvSpPr txBox="1"/>
-          <p:nvPr/>
-        </p:nvSpPr>
-        <p:spPr>
-          <a:xfrm>
-            <a:off x="4092332" y="807095"/>
-            <a:ext cx="1415772" cy="461665"/>
-          </a:xfrm>
-          <a:prstGeom prst="rect">
-            <a:avLst/>
-          </a:prstGeom>
-          <a:noFill/>
-        </p:spPr>
-        <p:txBody>
-          <a:bodyPr wrap="none" rtlCol="0">
-            <a:spAutoFit/>
-          </a:bodyPr>
-          <a:lstStyle/>
-          <a:p>
-            <a:r>
-              <a:rPr lang="ko-KR" altLang="en-US" sz="2400" b="1" dirty="0" smtClean="0">
+            <a:ln w="9525">
+              <a:noFill/>
+              <a:miter lim="800000"/>
+              <a:headEnd/>
+              <a:tailEnd/>
+            </a:ln>
+          </p:spPr>
+        </p:pic>
+        <p:sp>
+          <p:nvSpPr>
+            <p:cNvPr id="6" name="타원 5"/>
+            <p:cNvSpPr/>
+            <p:nvPr/>
+          </p:nvSpPr>
+          <p:spPr>
+            <a:xfrm>
+              <a:off x="2195736" y="1268760"/>
+              <a:ext cx="1656184" cy="576064"/>
+            </a:xfrm>
+            <a:prstGeom prst="ellipse">
+              <a:avLst/>
+            </a:prstGeom>
+            <a:solidFill>
+              <a:schemeClr val="accent1">
+                <a:alpha val="50000"/>
+              </a:schemeClr>
+            </a:solidFill>
+          </p:spPr>
+          <p:style>
+            <a:lnRef idx="2">
+              <a:schemeClr val="accent1">
+                <a:shade val="50000"/>
+              </a:schemeClr>
+            </a:lnRef>
+            <a:fillRef idx="1">
+              <a:schemeClr val="accent1"/>
+            </a:fillRef>
+            <a:effectRef idx="0">
+              <a:schemeClr val="accent1"/>
+            </a:effectRef>
+            <a:fontRef idx="minor">
+              <a:schemeClr val="lt1"/>
+            </a:fontRef>
+          </p:style>
+          <p:txBody>
+            <a:bodyPr rtlCol="0" anchor="ctr"/>
+            <a:lstStyle/>
+            <a:p>
+              <a:pPr algn="ctr"/>
+              <a:r>
+                <a:rPr lang="ko-KR" altLang="en-US" sz="1200" dirty="0" smtClean="0"/>
+                <a:t>임무를 받는다</a:t>
+              </a:r>
+              <a:endParaRPr lang="ko-KR" altLang="en-US" sz="1200" dirty="0"/>
+            </a:p>
+          </p:txBody>
+        </p:sp>
+        <p:sp>
+          <p:nvSpPr>
+            <p:cNvPr id="7" name="타원 6"/>
+            <p:cNvSpPr/>
+            <p:nvPr/>
+          </p:nvSpPr>
+          <p:spPr>
+            <a:xfrm>
+              <a:off x="2123728" y="4437112"/>
+              <a:ext cx="1512168" cy="720080"/>
+            </a:xfrm>
+            <a:prstGeom prst="ellipse">
+              <a:avLst/>
+            </a:prstGeom>
+            <a:solidFill>
+              <a:schemeClr val="accent1">
+                <a:alpha val="50000"/>
+              </a:schemeClr>
+            </a:solidFill>
+          </p:spPr>
+          <p:style>
+            <a:lnRef idx="2">
+              <a:schemeClr val="accent1">
+                <a:shade val="50000"/>
+              </a:schemeClr>
+            </a:lnRef>
+            <a:fillRef idx="1">
+              <a:schemeClr val="accent1"/>
+            </a:fillRef>
+            <a:effectRef idx="0">
+              <a:schemeClr val="accent1"/>
+            </a:effectRef>
+            <a:fontRef idx="minor">
+              <a:schemeClr val="lt1"/>
+            </a:fontRef>
+          </p:style>
+          <p:txBody>
+            <a:bodyPr rtlCol="0" anchor="ctr"/>
+            <a:lstStyle/>
+            <a:p>
+              <a:pPr algn="ctr"/>
+              <a:r>
+                <a:rPr lang="ko-KR" altLang="en-US" sz="1200" dirty="0" smtClean="0"/>
+                <a:t>밤이 되면</a:t>
+              </a:r>
+              <a:endParaRPr lang="en-US" altLang="ko-KR" sz="1200" dirty="0" smtClean="0"/>
+            </a:p>
+            <a:p>
+              <a:pPr algn="ctr"/>
+              <a:r>
+                <a:rPr lang="ko-KR" altLang="en-US" sz="1200" dirty="0" smtClean="0"/>
+                <a:t> 활동을 한다</a:t>
+              </a:r>
+              <a:r>
+                <a:rPr lang="en-US" altLang="ko-KR" sz="1200" dirty="0" smtClean="0"/>
+                <a:t>.</a:t>
+              </a:r>
+              <a:endParaRPr lang="ko-KR" altLang="en-US" sz="1200" dirty="0"/>
+            </a:p>
+          </p:txBody>
+        </p:sp>
+        <p:sp>
+          <p:nvSpPr>
+            <p:cNvPr id="8" name="TextBox 7"/>
+            <p:cNvSpPr txBox="1"/>
+            <p:nvPr/>
+          </p:nvSpPr>
+          <p:spPr>
+            <a:xfrm>
+              <a:off x="4092332" y="807095"/>
+              <a:ext cx="1415772" cy="461665"/>
+            </a:xfrm>
+            <a:prstGeom prst="rect">
+              <a:avLst/>
+            </a:prstGeom>
+            <a:noFill/>
+          </p:spPr>
+          <p:txBody>
+            <a:bodyPr wrap="none" rtlCol="0">
+              <a:spAutoFit/>
+            </a:bodyPr>
+            <a:lstStyle/>
+            <a:p>
+              <a:r>
+                <a:rPr lang="ko-KR" altLang="en-US" sz="2400" b="1" dirty="0" smtClean="0">
+                  <a:solidFill>
+                    <a:srgbClr val="0070C0"/>
+                  </a:solidFill>
+                </a:rPr>
+                <a:t>게</a:t>
+              </a:r>
+              <a:r>
+                <a:rPr lang="ko-KR" altLang="en-US" sz="2400" b="1" dirty="0">
+                  <a:solidFill>
+                    <a:srgbClr val="0070C0"/>
+                  </a:solidFill>
+                </a:rPr>
+                <a:t>임</a:t>
+              </a:r>
+              <a:r>
+                <a:rPr lang="ko-KR" altLang="en-US" sz="2400" b="1" dirty="0" smtClean="0">
+                  <a:solidFill>
+                    <a:srgbClr val="0070C0"/>
+                  </a:solidFill>
+                </a:rPr>
+                <a:t>화면</a:t>
+              </a:r>
+              <a:endParaRPr lang="ko-KR" altLang="en-US" sz="2400" b="1" dirty="0">
                 <a:solidFill>
                   <a:srgbClr val="0070C0"/>
                 </a:solidFill>
-              </a:rPr>
-              <a:t>게</a:t>
-            </a:r>
-            <a:r>
-              <a:rPr lang="ko-KR" altLang="en-US" sz="2400" b="1" dirty="0">
-                <a:solidFill>
-                  <a:srgbClr val="0070C0"/>
-                </a:solidFill>
-              </a:rPr>
-              <a:t>임</a:t>
-            </a:r>
-            <a:r>
-              <a:rPr lang="ko-KR" altLang="en-US" sz="2400" b="1" dirty="0" smtClean="0">
-                <a:solidFill>
-                  <a:srgbClr val="0070C0"/>
-                </a:solidFill>
-              </a:rPr>
-              <a:t>화면</a:t>
-            </a:r>
-            <a:endParaRPr lang="ko-KR" altLang="en-US" sz="2400" b="1" dirty="0">
+              </a:endParaRPr>
+            </a:p>
+          </p:txBody>
+        </p:sp>
+        <p:sp>
+          <p:nvSpPr>
+            <p:cNvPr id="9" name="타원 8"/>
+            <p:cNvSpPr/>
+            <p:nvPr/>
+          </p:nvSpPr>
+          <p:spPr>
+            <a:xfrm>
+              <a:off x="5580112" y="1268760"/>
+              <a:ext cx="1872208" cy="576064"/>
+            </a:xfrm>
+            <a:prstGeom prst="ellipse">
+              <a:avLst/>
+            </a:prstGeom>
+            <a:solidFill>
+              <a:schemeClr val="accent1">
+                <a:alpha val="50000"/>
+              </a:schemeClr>
+            </a:solidFill>
+          </p:spPr>
+          <p:style>
+            <a:lnRef idx="2">
+              <a:schemeClr val="accent1">
+                <a:shade val="50000"/>
+              </a:schemeClr>
+            </a:lnRef>
+            <a:fillRef idx="1">
+              <a:schemeClr val="accent1"/>
+            </a:fillRef>
+            <a:effectRef idx="0">
+              <a:schemeClr val="accent1"/>
+            </a:effectRef>
+            <a:fontRef idx="minor">
+              <a:schemeClr val="lt1"/>
+            </a:fontRef>
+          </p:style>
+          <p:txBody>
+            <a:bodyPr rtlCol="0" anchor="ctr"/>
+            <a:lstStyle/>
+            <a:p>
+              <a:pPr algn="ctr"/>
+              <a:r>
+                <a:rPr lang="ko-KR" altLang="en-US" sz="1050" dirty="0" smtClean="0"/>
+                <a:t>게임이 시작되면 자동으로 임무부여</a:t>
+              </a:r>
+              <a:endParaRPr lang="ko-KR" altLang="en-US" sz="1050" dirty="0"/>
+            </a:p>
+          </p:txBody>
+        </p:sp>
+        <p:sp>
+          <p:nvSpPr>
+            <p:cNvPr id="10" name="타원 9"/>
+            <p:cNvSpPr/>
+            <p:nvPr/>
+          </p:nvSpPr>
+          <p:spPr>
+            <a:xfrm>
+              <a:off x="2123728" y="2924944"/>
+              <a:ext cx="1512168" cy="720080"/>
+            </a:xfrm>
+            <a:prstGeom prst="ellipse">
+              <a:avLst/>
+            </a:prstGeom>
+            <a:solidFill>
+              <a:schemeClr val="accent1">
+                <a:alpha val="50000"/>
+              </a:schemeClr>
+            </a:solidFill>
+          </p:spPr>
+          <p:style>
+            <a:lnRef idx="2">
+              <a:schemeClr val="accent1">
+                <a:shade val="50000"/>
+              </a:schemeClr>
+            </a:lnRef>
+            <a:fillRef idx="1">
+              <a:schemeClr val="accent1"/>
+            </a:fillRef>
+            <a:effectRef idx="0">
+              <a:schemeClr val="accent1"/>
+            </a:effectRef>
+            <a:fontRef idx="minor">
+              <a:schemeClr val="lt1"/>
+            </a:fontRef>
+          </p:style>
+          <p:txBody>
+            <a:bodyPr rtlCol="0" anchor="ctr"/>
+            <a:lstStyle/>
+            <a:p>
+              <a:pPr algn="ctr"/>
+              <a:r>
+                <a:rPr lang="ko-KR" altLang="en-US" sz="1000" dirty="0" smtClean="0"/>
+                <a:t>투표를 한다</a:t>
+              </a:r>
+              <a:r>
+                <a:rPr lang="en-US" altLang="ko-KR" sz="1000" dirty="0" smtClean="0"/>
+                <a:t>.</a:t>
+              </a:r>
+              <a:endParaRPr lang="ko-KR" altLang="en-US" sz="1000" dirty="0"/>
+            </a:p>
+          </p:txBody>
+        </p:sp>
+        <p:cxnSp>
+          <p:nvCxnSpPr>
+            <p:cNvPr id="12" name="직선 화살표 연결선 11"/>
+            <p:cNvCxnSpPr>
+              <a:stCxn id="6" idx="6"/>
+              <a:endCxn id="9" idx="2"/>
+            </p:cNvCxnSpPr>
+            <p:nvPr/>
+          </p:nvCxnSpPr>
+          <p:spPr>
+            <a:xfrm>
+              <a:off x="3851920" y="1556792"/>
+              <a:ext cx="1728192" cy="0"/>
+            </a:xfrm>
+            <a:prstGeom prst="straightConnector1">
+              <a:avLst/>
+            </a:prstGeom>
+            <a:ln>
               <a:solidFill>
-                <a:srgbClr val="0070C0"/>
+                <a:schemeClr val="tx1"/>
               </a:solidFill>
-            </a:endParaRPr>
-          </a:p>
-        </p:txBody>
-      </p:sp>
-      <p:sp>
-        <p:nvSpPr>
-          <p:cNvPr id="9" name="타원 8"/>
-          <p:cNvSpPr/>
-          <p:nvPr/>
-        </p:nvSpPr>
-        <p:spPr>
-          <a:xfrm>
-            <a:off x="5580112" y="1268760"/>
-            <a:ext cx="1872208" cy="576064"/>
-          </a:xfrm>
-          <a:prstGeom prst="ellipse">
-            <a:avLst/>
-          </a:prstGeom>
-          <a:solidFill>
-            <a:schemeClr val="accent1">
-              <a:alpha val="50000"/>
-            </a:schemeClr>
-          </a:solidFill>
-        </p:spPr>
-        <p:style>
-          <a:lnRef idx="2">
-            <a:schemeClr val="accent1">
-              <a:shade val="50000"/>
-            </a:schemeClr>
-          </a:lnRef>
-          <a:fillRef idx="1">
-            <a:schemeClr val="accent1"/>
-          </a:fillRef>
-          <a:effectRef idx="0">
-            <a:schemeClr val="accent1"/>
-          </a:effectRef>
-          <a:fontRef idx="minor">
-            <a:schemeClr val="lt1"/>
-          </a:fontRef>
-        </p:style>
-        <p:txBody>
-          <a:bodyPr rtlCol="0" anchor="ctr"/>
-          <a:lstStyle/>
-          <a:p>
-            <a:pPr algn="ctr"/>
-            <a:r>
-              <a:rPr lang="ko-KR" altLang="en-US" sz="1050" dirty="0" smtClean="0"/>
-              <a:t>게임이 시작되면 자동으로 임무부여</a:t>
-            </a:r>
-            <a:endParaRPr lang="ko-KR" altLang="en-US" sz="1050" dirty="0"/>
-          </a:p>
-        </p:txBody>
-      </p:sp>
-      <p:sp>
-        <p:nvSpPr>
-          <p:cNvPr id="10" name="타원 9"/>
-          <p:cNvSpPr/>
-          <p:nvPr/>
-        </p:nvSpPr>
-        <p:spPr>
-          <a:xfrm>
-            <a:off x="2123728" y="2924944"/>
-            <a:ext cx="1512168" cy="720080"/>
-          </a:xfrm>
-          <a:prstGeom prst="ellipse">
-            <a:avLst/>
-          </a:prstGeom>
-          <a:solidFill>
-            <a:schemeClr val="accent1">
-              <a:alpha val="50000"/>
-            </a:schemeClr>
-          </a:solidFill>
-        </p:spPr>
-        <p:style>
-          <a:lnRef idx="2">
-            <a:schemeClr val="accent1">
-              <a:shade val="50000"/>
-            </a:schemeClr>
-          </a:lnRef>
-          <a:fillRef idx="1">
-            <a:schemeClr val="accent1"/>
-          </a:fillRef>
-          <a:effectRef idx="0">
-            <a:schemeClr val="accent1"/>
-          </a:effectRef>
-          <a:fontRef idx="minor">
-            <a:schemeClr val="lt1"/>
-          </a:fontRef>
-        </p:style>
-        <p:txBody>
-          <a:bodyPr rtlCol="0" anchor="ctr"/>
-          <a:lstStyle/>
-          <a:p>
-            <a:pPr algn="ctr"/>
-            <a:r>
-              <a:rPr lang="ko-KR" altLang="en-US" sz="1000" dirty="0" smtClean="0"/>
-              <a:t>투표를 한다</a:t>
-            </a:r>
-            <a:r>
-              <a:rPr lang="en-US" altLang="ko-KR" sz="1000" dirty="0" smtClean="0"/>
-              <a:t>.</a:t>
-            </a:r>
-            <a:endParaRPr lang="ko-KR" altLang="en-US" sz="1000" dirty="0"/>
-          </a:p>
-        </p:txBody>
-      </p:sp>
-      <p:cxnSp>
-        <p:nvCxnSpPr>
-          <p:cNvPr id="12" name="직선 화살표 연결선 11"/>
-          <p:cNvCxnSpPr>
-            <a:stCxn id="6" idx="6"/>
-            <a:endCxn id="9" idx="2"/>
-          </p:cNvCxnSpPr>
-          <p:nvPr/>
-        </p:nvCxnSpPr>
-        <p:spPr>
-          <a:xfrm>
-            <a:off x="3851920" y="1556792"/>
-            <a:ext cx="1728192" cy="0"/>
-          </a:xfrm>
-          <a:prstGeom prst="straightConnector1">
-            <a:avLst/>
-          </a:prstGeom>
-          <a:ln>
+              <a:prstDash val="sysDash"/>
+              <a:tailEnd type="arrow"/>
+            </a:ln>
+          </p:spPr>
+          <p:style>
+            <a:lnRef idx="1">
+              <a:schemeClr val="accent1"/>
+            </a:lnRef>
+            <a:fillRef idx="0">
+              <a:schemeClr val="accent1"/>
+            </a:fillRef>
+            <a:effectRef idx="0">
+              <a:schemeClr val="accent1"/>
+            </a:effectRef>
+            <a:fontRef idx="minor">
+              <a:schemeClr val="tx1"/>
+            </a:fontRef>
+          </p:style>
+        </p:cxnSp>
+        <p:sp>
+          <p:nvSpPr>
+            <p:cNvPr id="18" name="TextBox 17"/>
+            <p:cNvSpPr txBox="1"/>
+            <p:nvPr/>
+          </p:nvSpPr>
+          <p:spPr>
+            <a:xfrm>
+              <a:off x="4174466" y="1351801"/>
+              <a:ext cx="1117614" cy="276999"/>
+            </a:xfrm>
+            <a:prstGeom prst="rect">
+              <a:avLst/>
+            </a:prstGeom>
+            <a:noFill/>
+          </p:spPr>
+          <p:txBody>
+            <a:bodyPr wrap="none" rtlCol="0">
+              <a:spAutoFit/>
+            </a:bodyPr>
+            <a:lstStyle/>
+            <a:p>
+              <a:r>
+                <a:rPr lang="en-US" altLang="ko-KR" sz="1200" dirty="0" smtClean="0"/>
+                <a:t>&lt;&lt;include&gt;&gt;</a:t>
+              </a:r>
+              <a:endParaRPr lang="ko-KR" altLang="en-US" sz="1200" dirty="0"/>
+            </a:p>
+          </p:txBody>
+        </p:sp>
+        <p:sp>
+          <p:nvSpPr>
+            <p:cNvPr id="19" name="TextBox 18"/>
+            <p:cNvSpPr txBox="1"/>
+            <p:nvPr/>
+          </p:nvSpPr>
+          <p:spPr>
+            <a:xfrm>
+              <a:off x="4211960" y="3068960"/>
+              <a:ext cx="1117614" cy="276999"/>
+            </a:xfrm>
+            <a:prstGeom prst="rect">
+              <a:avLst/>
+            </a:prstGeom>
+            <a:noFill/>
+          </p:spPr>
+          <p:txBody>
+            <a:bodyPr wrap="none" rtlCol="0">
+              <a:spAutoFit/>
+            </a:bodyPr>
+            <a:lstStyle/>
+            <a:p>
+              <a:r>
+                <a:rPr lang="en-US" altLang="ko-KR" sz="1200" dirty="0" smtClean="0"/>
+                <a:t>&lt;&lt;include&gt;&gt;</a:t>
+              </a:r>
+              <a:endParaRPr lang="ko-KR" altLang="en-US" sz="1200" dirty="0"/>
+            </a:p>
+          </p:txBody>
+        </p:sp>
+        <p:cxnSp>
+          <p:nvCxnSpPr>
+            <p:cNvPr id="24" name="직선 연결선 23"/>
+            <p:cNvCxnSpPr>
+              <a:stCxn id="1026" idx="3"/>
+              <a:endCxn id="6" idx="2"/>
+            </p:cNvCxnSpPr>
+            <p:nvPr/>
+          </p:nvCxnSpPr>
+          <p:spPr>
+            <a:xfrm flipV="1">
+              <a:off x="539552" y="1556792"/>
+              <a:ext cx="1656184" cy="2305596"/>
+            </a:xfrm>
+            <a:prstGeom prst="line">
+              <a:avLst/>
+            </a:prstGeom>
+            <a:ln>
+              <a:solidFill>
+                <a:schemeClr val="tx1"/>
+              </a:solidFill>
+            </a:ln>
+          </p:spPr>
+          <p:style>
+            <a:lnRef idx="1">
+              <a:schemeClr val="accent1"/>
+            </a:lnRef>
+            <a:fillRef idx="0">
+              <a:schemeClr val="accent1"/>
+            </a:fillRef>
+            <a:effectRef idx="0">
+              <a:schemeClr val="accent1"/>
+            </a:effectRef>
+            <a:fontRef idx="minor">
+              <a:schemeClr val="tx1"/>
+            </a:fontRef>
+          </p:style>
+        </p:cxnSp>
+        <p:cxnSp>
+          <p:nvCxnSpPr>
+            <p:cNvPr id="26" name="직선 연결선 25"/>
+            <p:cNvCxnSpPr>
+              <a:stCxn id="1026" idx="3"/>
+              <a:endCxn id="7" idx="2"/>
+            </p:cNvCxnSpPr>
+            <p:nvPr/>
+          </p:nvCxnSpPr>
+          <p:spPr>
+            <a:xfrm>
+              <a:off x="539552" y="3862388"/>
+              <a:ext cx="1584176" cy="934764"/>
+            </a:xfrm>
+            <a:prstGeom prst="line">
+              <a:avLst/>
+            </a:prstGeom>
+            <a:ln>
+              <a:solidFill>
+                <a:schemeClr val="tx1"/>
+              </a:solidFill>
+            </a:ln>
+          </p:spPr>
+          <p:style>
+            <a:lnRef idx="1">
+              <a:schemeClr val="accent1"/>
+            </a:lnRef>
+            <a:fillRef idx="0">
+              <a:schemeClr val="accent1"/>
+            </a:fillRef>
+            <a:effectRef idx="0">
+              <a:schemeClr val="accent1"/>
+            </a:effectRef>
+            <a:fontRef idx="minor">
+              <a:schemeClr val="tx1"/>
+            </a:fontRef>
+          </p:style>
+        </p:cxnSp>
+        <p:sp>
+          <p:nvSpPr>
+            <p:cNvPr id="30" name="타원 29"/>
+            <p:cNvSpPr/>
+            <p:nvPr/>
+          </p:nvSpPr>
+          <p:spPr>
+            <a:xfrm>
+              <a:off x="2123728" y="2060848"/>
+              <a:ext cx="1512168" cy="720080"/>
+            </a:xfrm>
+            <a:prstGeom prst="ellipse">
+              <a:avLst/>
+            </a:prstGeom>
+            <a:solidFill>
+              <a:schemeClr val="accent1">
+                <a:alpha val="50000"/>
+              </a:schemeClr>
+            </a:solidFill>
+          </p:spPr>
+          <p:style>
+            <a:lnRef idx="2">
+              <a:schemeClr val="accent1">
+                <a:shade val="50000"/>
+              </a:schemeClr>
+            </a:lnRef>
+            <a:fillRef idx="1">
+              <a:schemeClr val="accent1"/>
+            </a:fillRef>
+            <a:effectRef idx="0">
+              <a:schemeClr val="accent1"/>
+            </a:effectRef>
+            <a:fontRef idx="minor">
+              <a:schemeClr val="lt1"/>
+            </a:fontRef>
+          </p:style>
+          <p:txBody>
+            <a:bodyPr rtlCol="0" anchor="ctr"/>
+            <a:lstStyle/>
+            <a:p>
+              <a:pPr algn="ctr"/>
+              <a:r>
+                <a:rPr lang="ko-KR" altLang="en-US" sz="1200" dirty="0" smtClean="0"/>
+                <a:t>채팅을 한다</a:t>
+              </a:r>
+              <a:r>
+                <a:rPr lang="en-US" altLang="ko-KR" sz="1200" dirty="0" smtClean="0"/>
+                <a:t>.</a:t>
+              </a:r>
+              <a:endParaRPr lang="ko-KR" altLang="en-US" sz="1200" dirty="0"/>
+            </a:p>
+          </p:txBody>
+        </p:sp>
+        <p:sp>
+          <p:nvSpPr>
+            <p:cNvPr id="41" name="타원 40"/>
+            <p:cNvSpPr/>
+            <p:nvPr/>
+          </p:nvSpPr>
+          <p:spPr>
+            <a:xfrm>
+              <a:off x="5796136" y="2924944"/>
+              <a:ext cx="1512168" cy="720080"/>
+            </a:xfrm>
+            <a:prstGeom prst="ellipse">
+              <a:avLst/>
+            </a:prstGeom>
+            <a:solidFill>
+              <a:schemeClr val="accent1">
+                <a:alpha val="50000"/>
+              </a:schemeClr>
+            </a:solidFill>
+          </p:spPr>
+          <p:style>
+            <a:lnRef idx="2">
+              <a:schemeClr val="accent1">
+                <a:shade val="50000"/>
+              </a:schemeClr>
+            </a:lnRef>
+            <a:fillRef idx="1">
+              <a:schemeClr val="accent1"/>
+            </a:fillRef>
+            <a:effectRef idx="0">
+              <a:schemeClr val="accent1"/>
+            </a:effectRef>
+            <a:fontRef idx="minor">
+              <a:schemeClr val="lt1"/>
+            </a:fontRef>
+          </p:style>
+          <p:txBody>
+            <a:bodyPr rtlCol="0" anchor="ctr"/>
+            <a:lstStyle/>
+            <a:p>
+              <a:pPr algn="ctr"/>
+              <a:r>
+                <a:rPr lang="ko-KR" altLang="en-US" sz="1000" dirty="0" smtClean="0"/>
+                <a:t>일정시간이 되면 </a:t>
+              </a:r>
+              <a:r>
+                <a:rPr lang="ko-KR" altLang="en-US" sz="1000" dirty="0" err="1" smtClean="0"/>
+                <a:t>모든사용자는</a:t>
+              </a:r>
+              <a:r>
+                <a:rPr lang="ko-KR" altLang="en-US" sz="1000" dirty="0" smtClean="0"/>
+                <a:t> 투표권을</a:t>
+              </a:r>
+              <a:endParaRPr lang="en-US" altLang="ko-KR" sz="1000" dirty="0" smtClean="0"/>
+            </a:p>
+            <a:p>
+              <a:pPr algn="ctr"/>
+              <a:r>
+                <a:rPr lang="ko-KR" altLang="en-US" sz="1000" dirty="0" smtClean="0"/>
+                <a:t> </a:t>
+              </a:r>
+              <a:r>
+                <a:rPr lang="ko-KR" altLang="en-US" sz="1000" dirty="0" err="1" smtClean="0"/>
+                <a:t>부여받음</a:t>
+              </a:r>
+              <a:r>
+                <a:rPr lang="en-US" altLang="ko-KR" sz="1000" dirty="0" smtClean="0"/>
+                <a:t>.</a:t>
+              </a:r>
+              <a:endParaRPr lang="ko-KR" altLang="en-US" sz="1000" dirty="0"/>
+            </a:p>
+          </p:txBody>
+        </p:sp>
+        <p:cxnSp>
+          <p:nvCxnSpPr>
+            <p:cNvPr id="42" name="직선 화살표 연결선 41"/>
+            <p:cNvCxnSpPr>
+              <a:stCxn id="10" idx="6"/>
+              <a:endCxn id="41" idx="2"/>
+            </p:cNvCxnSpPr>
+            <p:nvPr/>
+          </p:nvCxnSpPr>
+          <p:spPr>
+            <a:xfrm>
+              <a:off x="3635896" y="3284984"/>
+              <a:ext cx="2160240" cy="0"/>
+            </a:xfrm>
+            <a:prstGeom prst="straightConnector1">
+              <a:avLst/>
+            </a:prstGeom>
+            <a:ln>
+              <a:solidFill>
+                <a:schemeClr val="tx1"/>
+              </a:solidFill>
+              <a:prstDash val="sysDash"/>
+              <a:tailEnd type="arrow"/>
+            </a:ln>
+          </p:spPr>
+          <p:style>
+            <a:lnRef idx="1">
+              <a:schemeClr val="accent1"/>
+            </a:lnRef>
+            <a:fillRef idx="0">
+              <a:schemeClr val="accent1"/>
+            </a:fillRef>
+            <a:effectRef idx="0">
+              <a:schemeClr val="accent1"/>
+            </a:effectRef>
+            <a:fontRef idx="minor">
+              <a:schemeClr val="tx1"/>
+            </a:fontRef>
+          </p:style>
+        </p:cxnSp>
+        <p:sp>
+          <p:nvSpPr>
+            <p:cNvPr id="45" name="타원 44"/>
+            <p:cNvSpPr/>
+            <p:nvPr/>
+          </p:nvSpPr>
+          <p:spPr>
+            <a:xfrm>
+              <a:off x="5796136" y="3717032"/>
+              <a:ext cx="1512168" cy="720080"/>
+            </a:xfrm>
+            <a:prstGeom prst="ellipse">
+              <a:avLst/>
+            </a:prstGeom>
+            <a:solidFill>
+              <a:schemeClr val="accent1">
+                <a:alpha val="50000"/>
+              </a:schemeClr>
+            </a:solidFill>
+          </p:spPr>
+          <p:style>
+            <a:lnRef idx="2">
+              <a:schemeClr val="accent1">
+                <a:shade val="50000"/>
+              </a:schemeClr>
+            </a:lnRef>
+            <a:fillRef idx="1">
+              <a:schemeClr val="accent1"/>
+            </a:fillRef>
+            <a:effectRef idx="0">
+              <a:schemeClr val="accent1"/>
+            </a:effectRef>
+            <a:fontRef idx="minor">
+              <a:schemeClr val="lt1"/>
+            </a:fontRef>
+          </p:style>
+          <p:txBody>
+            <a:bodyPr rtlCol="0" anchor="ctr"/>
+            <a:lstStyle/>
+            <a:p>
+              <a:pPr algn="ctr"/>
+              <a:r>
+                <a:rPr lang="ko-KR" altLang="en-US" sz="1200" dirty="0" smtClean="0"/>
+                <a:t>마피아는 </a:t>
+              </a:r>
+              <a:r>
+                <a:rPr lang="ko-KR" altLang="en-US" sz="1200" dirty="0" err="1" smtClean="0"/>
+                <a:t>한사람을</a:t>
+              </a:r>
+              <a:r>
+                <a:rPr lang="ko-KR" altLang="en-US" sz="1200" dirty="0" smtClean="0"/>
+                <a:t> 죽임</a:t>
+              </a:r>
+              <a:r>
+                <a:rPr lang="en-US" altLang="ko-KR" sz="1200" dirty="0" smtClean="0"/>
+                <a:t>.</a:t>
+              </a:r>
+              <a:endParaRPr lang="ko-KR" altLang="en-US" sz="1200" dirty="0"/>
+            </a:p>
+          </p:txBody>
+        </p:sp>
+        <p:sp>
+          <p:nvSpPr>
+            <p:cNvPr id="46" name="타원 45"/>
+            <p:cNvSpPr/>
+            <p:nvPr/>
+          </p:nvSpPr>
+          <p:spPr>
+            <a:xfrm>
+              <a:off x="5724128" y="4509120"/>
+              <a:ext cx="1656184" cy="720080"/>
+            </a:xfrm>
+            <a:prstGeom prst="ellipse">
+              <a:avLst/>
+            </a:prstGeom>
+            <a:solidFill>
+              <a:schemeClr val="accent1">
+                <a:alpha val="50000"/>
+              </a:schemeClr>
+            </a:solidFill>
+          </p:spPr>
+          <p:style>
+            <a:lnRef idx="2">
+              <a:schemeClr val="accent1">
+                <a:shade val="50000"/>
+              </a:schemeClr>
+            </a:lnRef>
+            <a:fillRef idx="1">
+              <a:schemeClr val="accent1"/>
+            </a:fillRef>
+            <a:effectRef idx="0">
+              <a:schemeClr val="accent1"/>
+            </a:effectRef>
+            <a:fontRef idx="minor">
+              <a:schemeClr val="lt1"/>
+            </a:fontRef>
+          </p:style>
+          <p:txBody>
+            <a:bodyPr rtlCol="0" anchor="ctr"/>
+            <a:lstStyle/>
+            <a:p>
+              <a:pPr algn="ctr"/>
+              <a:r>
+                <a:rPr lang="ko-KR" altLang="en-US" sz="1050" dirty="0" smtClean="0"/>
+                <a:t>경찰과 보디가드는 각자의 능력을 사용</a:t>
+              </a:r>
+              <a:endParaRPr lang="ko-KR" altLang="en-US" sz="1050" dirty="0"/>
+            </a:p>
+          </p:txBody>
+        </p:sp>
+        <p:sp>
+          <p:nvSpPr>
+            <p:cNvPr id="48" name="이등변 삼각형 47"/>
+            <p:cNvSpPr/>
+            <p:nvPr/>
+          </p:nvSpPr>
+          <p:spPr>
+            <a:xfrm rot="16200000">
+              <a:off x="3563888" y="4725145"/>
+              <a:ext cx="360040" cy="216024"/>
+            </a:xfrm>
+            <a:prstGeom prst="triangle">
+              <a:avLst/>
+            </a:prstGeom>
             <a:solidFill>
               <a:schemeClr val="tx1"/>
             </a:solidFill>
-            <a:prstDash val="sysDash"/>
-            <a:tailEnd type="arrow"/>
-          </a:ln>
-        </p:spPr>
-        <p:style>
-          <a:lnRef idx="1">
-            <a:schemeClr val="accent1"/>
-          </a:lnRef>
-          <a:fillRef idx="0">
-            <a:schemeClr val="accent1"/>
-          </a:fillRef>
-          <a:effectRef idx="0">
-            <a:schemeClr val="accent1"/>
-          </a:effectRef>
-          <a:fontRef idx="minor">
-            <a:schemeClr val="tx1"/>
-          </a:fontRef>
-        </p:style>
-      </p:cxnSp>
-      <p:sp>
-        <p:nvSpPr>
-          <p:cNvPr id="18" name="TextBox 17"/>
-          <p:cNvSpPr txBox="1"/>
-          <p:nvPr/>
-        </p:nvSpPr>
-        <p:spPr>
-          <a:xfrm>
-            <a:off x="4174466" y="1351801"/>
-            <a:ext cx="1117614" cy="276999"/>
-          </a:xfrm>
-          <a:prstGeom prst="rect">
-            <a:avLst/>
-          </a:prstGeom>
-          <a:noFill/>
-        </p:spPr>
-        <p:txBody>
-          <a:bodyPr wrap="none" rtlCol="0">
-            <a:spAutoFit/>
-          </a:bodyPr>
-          <a:lstStyle/>
-          <a:p>
-            <a:r>
-              <a:rPr lang="en-US" altLang="ko-KR" sz="1200" dirty="0" smtClean="0"/>
-              <a:t>&lt;&lt;include&gt;&gt;</a:t>
-            </a:r>
-            <a:endParaRPr lang="ko-KR" altLang="en-US" sz="1200" dirty="0"/>
-          </a:p>
-        </p:txBody>
-      </p:sp>
-      <p:sp>
-        <p:nvSpPr>
-          <p:cNvPr id="19" name="TextBox 18"/>
-          <p:cNvSpPr txBox="1"/>
-          <p:nvPr/>
-        </p:nvSpPr>
-        <p:spPr>
-          <a:xfrm>
-            <a:off x="4211960" y="3068960"/>
-            <a:ext cx="1117614" cy="276999"/>
-          </a:xfrm>
-          <a:prstGeom prst="rect">
-            <a:avLst/>
-          </a:prstGeom>
-          <a:noFill/>
-        </p:spPr>
-        <p:txBody>
-          <a:bodyPr wrap="none" rtlCol="0">
-            <a:spAutoFit/>
-          </a:bodyPr>
-          <a:lstStyle/>
-          <a:p>
-            <a:r>
-              <a:rPr lang="en-US" altLang="ko-KR" sz="1200" dirty="0" smtClean="0"/>
-              <a:t>&lt;&lt;include&gt;&gt;</a:t>
-            </a:r>
-            <a:endParaRPr lang="ko-KR" altLang="en-US" sz="1200" dirty="0"/>
-          </a:p>
-        </p:txBody>
-      </p:sp>
-      <p:cxnSp>
-        <p:nvCxnSpPr>
-          <p:cNvPr id="24" name="직선 연결선 23"/>
-          <p:cNvCxnSpPr>
-            <a:stCxn id="1026" idx="3"/>
-            <a:endCxn id="6" idx="2"/>
-          </p:cNvCxnSpPr>
-          <p:nvPr/>
-        </p:nvCxnSpPr>
-        <p:spPr>
-          <a:xfrm flipV="1">
-            <a:off x="539552" y="1556792"/>
-            <a:ext cx="1656184" cy="2305596"/>
-          </a:xfrm>
-          <a:prstGeom prst="line">
-            <a:avLst/>
-          </a:prstGeom>
-          <a:ln>
+            <a:ln>
+              <a:noFill/>
+            </a:ln>
+          </p:spPr>
+          <p:style>
+            <a:lnRef idx="2">
+              <a:schemeClr val="accent1">
+                <a:shade val="50000"/>
+              </a:schemeClr>
+            </a:lnRef>
+            <a:fillRef idx="1">
+              <a:schemeClr val="accent1"/>
+            </a:fillRef>
+            <a:effectRef idx="0">
+              <a:schemeClr val="accent1"/>
+            </a:effectRef>
+            <a:fontRef idx="minor">
+              <a:schemeClr val="lt1"/>
+            </a:fontRef>
+          </p:style>
+          <p:txBody>
+            <a:bodyPr rtlCol="0" anchor="ctr"/>
+            <a:lstStyle/>
+            <a:p>
+              <a:pPr algn="ctr"/>
+              <a:endParaRPr lang="ko-KR" altLang="en-US"/>
+            </a:p>
+          </p:txBody>
+        </p:sp>
+        <p:cxnSp>
+          <p:nvCxnSpPr>
+            <p:cNvPr id="51" name="직선 연결선 50"/>
+            <p:cNvCxnSpPr>
+              <a:stCxn id="46" idx="2"/>
+              <a:endCxn id="48" idx="3"/>
+            </p:cNvCxnSpPr>
+            <p:nvPr/>
+          </p:nvCxnSpPr>
+          <p:spPr>
+            <a:xfrm flipH="1" flipV="1">
+              <a:off x="3851920" y="4833157"/>
+              <a:ext cx="1872208" cy="36003"/>
+            </a:xfrm>
+            <a:prstGeom prst="line">
+              <a:avLst/>
+            </a:prstGeom>
+            <a:ln>
+              <a:solidFill>
+                <a:schemeClr val="tx1"/>
+              </a:solidFill>
+            </a:ln>
+          </p:spPr>
+          <p:style>
+            <a:lnRef idx="1">
+              <a:schemeClr val="accent1"/>
+            </a:lnRef>
+            <a:fillRef idx="0">
+              <a:schemeClr val="accent1"/>
+            </a:fillRef>
+            <a:effectRef idx="0">
+              <a:schemeClr val="accent1"/>
+            </a:effectRef>
+            <a:fontRef idx="minor">
+              <a:schemeClr val="tx1"/>
+            </a:fontRef>
+          </p:style>
+        </p:cxnSp>
+        <p:cxnSp>
+          <p:nvCxnSpPr>
+            <p:cNvPr id="54" name="직선 연결선 53"/>
+            <p:cNvCxnSpPr>
+              <a:stCxn id="45" idx="2"/>
+            </p:cNvCxnSpPr>
+            <p:nvPr/>
+          </p:nvCxnSpPr>
+          <p:spPr>
+            <a:xfrm flipH="1">
+              <a:off x="5004048" y="4077072"/>
+              <a:ext cx="792088" cy="0"/>
+            </a:xfrm>
+            <a:prstGeom prst="line">
+              <a:avLst/>
+            </a:prstGeom>
+            <a:ln>
+              <a:solidFill>
+                <a:schemeClr val="tx1"/>
+              </a:solidFill>
+            </a:ln>
+          </p:spPr>
+          <p:style>
+            <a:lnRef idx="1">
+              <a:schemeClr val="accent1"/>
+            </a:lnRef>
+            <a:fillRef idx="0">
+              <a:schemeClr val="accent1"/>
+            </a:fillRef>
+            <a:effectRef idx="0">
+              <a:schemeClr val="accent1"/>
+            </a:effectRef>
+            <a:fontRef idx="minor">
+              <a:schemeClr val="tx1"/>
+            </a:fontRef>
+          </p:style>
+        </p:cxnSp>
+        <p:cxnSp>
+          <p:nvCxnSpPr>
+            <p:cNvPr id="59" name="직선 연결선 58"/>
+            <p:cNvCxnSpPr/>
+            <p:nvPr/>
+          </p:nvCxnSpPr>
+          <p:spPr>
+            <a:xfrm flipV="1">
+              <a:off x="5004048" y="4077072"/>
+              <a:ext cx="0" cy="792088"/>
+            </a:xfrm>
+            <a:prstGeom prst="line">
+              <a:avLst/>
+            </a:prstGeom>
+            <a:ln>
+              <a:solidFill>
+                <a:schemeClr val="tx1"/>
+              </a:solidFill>
+            </a:ln>
+          </p:spPr>
+          <p:style>
+            <a:lnRef idx="1">
+              <a:schemeClr val="accent1"/>
+            </a:lnRef>
+            <a:fillRef idx="0">
+              <a:schemeClr val="accent1"/>
+            </a:fillRef>
+            <a:effectRef idx="0">
+              <a:schemeClr val="accent1"/>
+            </a:effectRef>
+            <a:fontRef idx="minor">
+              <a:schemeClr val="tx1"/>
+            </a:fontRef>
+          </p:style>
+        </p:cxnSp>
+        <p:cxnSp>
+          <p:nvCxnSpPr>
+            <p:cNvPr id="64" name="직선 연결선 63"/>
+            <p:cNvCxnSpPr>
+              <a:stCxn id="1026" idx="3"/>
+              <a:endCxn id="30" idx="2"/>
+            </p:cNvCxnSpPr>
+            <p:nvPr/>
+          </p:nvCxnSpPr>
+          <p:spPr>
+            <a:xfrm flipV="1">
+              <a:off x="539552" y="2420888"/>
+              <a:ext cx="1584176" cy="1441500"/>
+            </a:xfrm>
+            <a:prstGeom prst="line">
+              <a:avLst/>
+            </a:prstGeom>
+            <a:ln>
+              <a:solidFill>
+                <a:schemeClr val="tx1"/>
+              </a:solidFill>
+            </a:ln>
+          </p:spPr>
+          <p:style>
+            <a:lnRef idx="1">
+              <a:schemeClr val="accent1"/>
+            </a:lnRef>
+            <a:fillRef idx="0">
+              <a:schemeClr val="accent1"/>
+            </a:fillRef>
+            <a:effectRef idx="0">
+              <a:schemeClr val="accent1"/>
+            </a:effectRef>
+            <a:fontRef idx="minor">
+              <a:schemeClr val="tx1"/>
+            </a:fontRef>
+          </p:style>
+        </p:cxnSp>
+        <p:cxnSp>
+          <p:nvCxnSpPr>
+            <p:cNvPr id="67" name="직선 연결선 66"/>
+            <p:cNvCxnSpPr>
+              <a:stCxn id="1026" idx="3"/>
+              <a:endCxn id="10" idx="2"/>
+            </p:cNvCxnSpPr>
+            <p:nvPr/>
+          </p:nvCxnSpPr>
+          <p:spPr>
+            <a:xfrm flipV="1">
+              <a:off x="539552" y="3284984"/>
+              <a:ext cx="1584176" cy="577404"/>
+            </a:xfrm>
+            <a:prstGeom prst="line">
+              <a:avLst/>
+            </a:prstGeom>
+            <a:ln>
+              <a:solidFill>
+                <a:schemeClr val="tx1"/>
+              </a:solidFill>
+            </a:ln>
+          </p:spPr>
+          <p:style>
+            <a:lnRef idx="1">
+              <a:schemeClr val="accent1"/>
+            </a:lnRef>
+            <a:fillRef idx="0">
+              <a:schemeClr val="accent1"/>
+            </a:fillRef>
+            <a:effectRef idx="0">
+              <a:schemeClr val="accent1"/>
+            </a:effectRef>
+            <a:fontRef idx="minor">
+              <a:schemeClr val="tx1"/>
+            </a:fontRef>
+          </p:style>
+        </p:cxnSp>
+        <p:sp>
+          <p:nvSpPr>
+            <p:cNvPr id="75" name="타원 74"/>
+            <p:cNvSpPr/>
+            <p:nvPr/>
+          </p:nvSpPr>
+          <p:spPr>
+            <a:xfrm>
+              <a:off x="5796136" y="5301208"/>
+              <a:ext cx="1512168" cy="720080"/>
+            </a:xfrm>
+            <a:prstGeom prst="ellipse">
+              <a:avLst/>
+            </a:prstGeom>
             <a:solidFill>
+              <a:schemeClr val="accent1">
+                <a:alpha val="50000"/>
+              </a:schemeClr>
+            </a:solidFill>
+          </p:spPr>
+          <p:style>
+            <a:lnRef idx="2">
+              <a:schemeClr val="accent1">
+                <a:shade val="50000"/>
+              </a:schemeClr>
+            </a:lnRef>
+            <a:fillRef idx="1">
+              <a:schemeClr val="accent1"/>
+            </a:fillRef>
+            <a:effectRef idx="0">
+              <a:schemeClr val="accent1"/>
+            </a:effectRef>
+            <a:fontRef idx="minor">
+              <a:schemeClr val="lt1"/>
+            </a:fontRef>
+          </p:style>
+          <p:txBody>
+            <a:bodyPr rtlCol="0" anchor="ctr"/>
+            <a:lstStyle/>
+            <a:p>
+              <a:pPr algn="ctr"/>
+              <a:r>
+                <a:rPr lang="ko-KR" altLang="en-US" sz="1200" dirty="0" smtClean="0"/>
+                <a:t>마피아를</a:t>
+              </a:r>
+              <a:endParaRPr lang="en-US" altLang="ko-KR" sz="1200" dirty="0" smtClean="0"/>
+            </a:p>
+            <a:p>
+              <a:pPr algn="ctr"/>
+              <a:r>
+                <a:rPr lang="ko-KR" altLang="en-US" sz="1200" dirty="0" smtClean="0"/>
+                <a:t> 모두 잡음</a:t>
+              </a:r>
+              <a:endParaRPr lang="ko-KR" altLang="en-US" sz="1200" dirty="0"/>
+            </a:p>
+          </p:txBody>
+        </p:sp>
+        <p:cxnSp>
+          <p:nvCxnSpPr>
+            <p:cNvPr id="85" name="직선 연결선 84"/>
+            <p:cNvCxnSpPr>
+              <a:stCxn id="75" idx="2"/>
+            </p:cNvCxnSpPr>
+            <p:nvPr/>
+          </p:nvCxnSpPr>
+          <p:spPr>
+            <a:xfrm flipH="1">
+              <a:off x="5004048" y="5661248"/>
+              <a:ext cx="792088" cy="0"/>
+            </a:xfrm>
+            <a:prstGeom prst="line">
+              <a:avLst/>
+            </a:prstGeom>
+            <a:ln>
+              <a:solidFill>
+                <a:schemeClr val="tx1"/>
+              </a:solidFill>
+            </a:ln>
+          </p:spPr>
+          <p:style>
+            <a:lnRef idx="1">
+              <a:schemeClr val="accent1"/>
+            </a:lnRef>
+            <a:fillRef idx="0">
+              <a:schemeClr val="accent1"/>
+            </a:fillRef>
+            <a:effectRef idx="0">
+              <a:schemeClr val="accent1"/>
+            </a:effectRef>
+            <a:fontRef idx="minor">
               <a:schemeClr val="tx1"/>
+            </a:fontRef>
+          </p:style>
+        </p:cxnSp>
+        <p:sp>
+          <p:nvSpPr>
+            <p:cNvPr id="89" name="타원 88"/>
+            <p:cNvSpPr/>
+            <p:nvPr/>
+          </p:nvSpPr>
+          <p:spPr>
+            <a:xfrm>
+              <a:off x="5796136" y="2060848"/>
+              <a:ext cx="1512168" cy="720080"/>
+            </a:xfrm>
+            <a:prstGeom prst="ellipse">
+              <a:avLst/>
+            </a:prstGeom>
+            <a:solidFill>
+              <a:schemeClr val="accent1">
+                <a:alpha val="50000"/>
+              </a:schemeClr>
             </a:solidFill>
-          </a:ln>
-        </p:spPr>
-        <p:style>
-          <a:lnRef idx="1">
-            <a:schemeClr val="accent1"/>
-          </a:lnRef>
-          <a:fillRef idx="0">
-            <a:schemeClr val="accent1"/>
-          </a:fillRef>
-          <a:effectRef idx="0">
-            <a:schemeClr val="accent1"/>
-          </a:effectRef>
-          <a:fontRef idx="minor">
-            <a:schemeClr val="tx1"/>
-          </a:fontRef>
-        </p:style>
-      </p:cxnSp>
-      <p:cxnSp>
-        <p:nvCxnSpPr>
-          <p:cNvPr id="26" name="직선 연결선 25"/>
-          <p:cNvCxnSpPr>
-            <a:stCxn id="1026" idx="3"/>
-            <a:endCxn id="7" idx="2"/>
-          </p:cNvCxnSpPr>
-          <p:nvPr/>
-        </p:nvCxnSpPr>
-        <p:spPr>
-          <a:xfrm>
-            <a:off x="539552" y="3862388"/>
-            <a:ext cx="1584176" cy="934764"/>
-          </a:xfrm>
-          <a:prstGeom prst="line">
-            <a:avLst/>
-          </a:prstGeom>
-          <a:ln>
-            <a:solidFill>
+          </p:spPr>
+          <p:style>
+            <a:lnRef idx="2">
+              <a:schemeClr val="accent1">
+                <a:shade val="50000"/>
+              </a:schemeClr>
+            </a:lnRef>
+            <a:fillRef idx="1">
+              <a:schemeClr val="accent1"/>
+            </a:fillRef>
+            <a:effectRef idx="0">
+              <a:schemeClr val="accent1"/>
+            </a:effectRef>
+            <a:fontRef idx="minor">
+              <a:schemeClr val="lt1"/>
+            </a:fontRef>
+          </p:style>
+          <p:txBody>
+            <a:bodyPr rtlCol="0" anchor="ctr"/>
+            <a:lstStyle/>
+            <a:p>
+              <a:pPr algn="ctr"/>
+              <a:r>
+                <a:rPr lang="ko-KR" altLang="en-US" sz="1200" dirty="0" err="1" smtClean="0"/>
+                <a:t>게임중</a:t>
+              </a:r>
+              <a:r>
+                <a:rPr lang="ko-KR" altLang="en-US" sz="1200" dirty="0" smtClean="0"/>
+                <a:t> </a:t>
+              </a:r>
+              <a:r>
+                <a:rPr lang="ko-KR" altLang="en-US" sz="1200" dirty="0" err="1" smtClean="0"/>
+                <a:t>죽게되면</a:t>
+              </a:r>
+              <a:r>
+                <a:rPr lang="ko-KR" altLang="en-US" sz="1200" dirty="0" smtClean="0"/>
+                <a:t> 채팅을 </a:t>
+              </a:r>
+              <a:r>
+                <a:rPr lang="ko-KR" altLang="en-US" sz="1200" dirty="0" err="1" smtClean="0"/>
+                <a:t>못하게됨</a:t>
+              </a:r>
+              <a:endParaRPr lang="ko-KR" altLang="en-US" sz="1200" dirty="0"/>
+            </a:p>
+          </p:txBody>
+        </p:sp>
+        <p:cxnSp>
+          <p:nvCxnSpPr>
+            <p:cNvPr id="90" name="직선 화살표 연결선 89"/>
+            <p:cNvCxnSpPr>
+              <a:stCxn id="89" idx="2"/>
+              <a:endCxn id="30" idx="6"/>
+            </p:cNvCxnSpPr>
+            <p:nvPr/>
+          </p:nvCxnSpPr>
+          <p:spPr>
+            <a:xfrm flipH="1">
+              <a:off x="3635896" y="2420888"/>
+              <a:ext cx="2160240" cy="0"/>
+            </a:xfrm>
+            <a:prstGeom prst="straightConnector1">
+              <a:avLst/>
+            </a:prstGeom>
+            <a:ln>
+              <a:solidFill>
+                <a:schemeClr val="tx1"/>
+              </a:solidFill>
+              <a:prstDash val="sysDash"/>
+              <a:tailEnd type="arrow"/>
+            </a:ln>
+          </p:spPr>
+          <p:style>
+            <a:lnRef idx="1">
+              <a:schemeClr val="accent1"/>
+            </a:lnRef>
+            <a:fillRef idx="0">
+              <a:schemeClr val="accent1"/>
+            </a:fillRef>
+            <a:effectRef idx="0">
+              <a:schemeClr val="accent1"/>
+            </a:effectRef>
+            <a:fontRef idx="minor">
               <a:schemeClr val="tx1"/>
-            </a:solidFill>
-          </a:ln>
-        </p:spPr>
-        <p:style>
-          <a:lnRef idx="1">
-            <a:schemeClr val="accent1"/>
-          </a:lnRef>
-          <a:fillRef idx="0">
-            <a:schemeClr val="accent1"/>
-          </a:fillRef>
-          <a:effectRef idx="0">
-            <a:schemeClr val="accent1"/>
-          </a:effectRef>
-          <a:fontRef idx="minor">
-            <a:schemeClr val="tx1"/>
-          </a:fontRef>
-        </p:style>
-      </p:cxnSp>
-      <p:sp>
-        <p:nvSpPr>
-          <p:cNvPr id="30" name="타원 29"/>
-          <p:cNvSpPr/>
-          <p:nvPr/>
-        </p:nvSpPr>
-        <p:spPr>
-          <a:xfrm>
-            <a:off x="2123728" y="2060848"/>
-            <a:ext cx="1512168" cy="720080"/>
-          </a:xfrm>
-          <a:prstGeom prst="ellipse">
-            <a:avLst/>
-          </a:prstGeom>
-          <a:solidFill>
-            <a:schemeClr val="accent1">
-              <a:alpha val="50000"/>
-            </a:schemeClr>
-          </a:solidFill>
-        </p:spPr>
-        <p:style>
-          <a:lnRef idx="2">
-            <a:schemeClr val="accent1">
-              <a:shade val="50000"/>
-            </a:schemeClr>
-          </a:lnRef>
-          <a:fillRef idx="1">
-            <a:schemeClr val="accent1"/>
-          </a:fillRef>
-          <a:effectRef idx="0">
-            <a:schemeClr val="accent1"/>
-          </a:effectRef>
-          <a:fontRef idx="minor">
-            <a:schemeClr val="lt1"/>
-          </a:fontRef>
-        </p:style>
-        <p:txBody>
-          <a:bodyPr rtlCol="0" anchor="ctr"/>
-          <a:lstStyle/>
-          <a:p>
-            <a:pPr algn="ctr"/>
-            <a:r>
-              <a:rPr lang="ko-KR" altLang="en-US" sz="1200" dirty="0" smtClean="0"/>
-              <a:t>채팅을 한다</a:t>
-            </a:r>
-            <a:r>
-              <a:rPr lang="en-US" altLang="ko-KR" sz="1200" dirty="0" smtClean="0"/>
-              <a:t>.</a:t>
-            </a:r>
-            <a:endParaRPr lang="ko-KR" altLang="en-US" sz="1200" dirty="0"/>
-          </a:p>
-        </p:txBody>
-      </p:sp>
-      <p:sp>
-        <p:nvSpPr>
-          <p:cNvPr id="41" name="타원 40"/>
-          <p:cNvSpPr/>
-          <p:nvPr/>
-        </p:nvSpPr>
-        <p:spPr>
-          <a:xfrm>
-            <a:off x="5796136" y="2924944"/>
-            <a:ext cx="1512168" cy="720080"/>
-          </a:xfrm>
-          <a:prstGeom prst="ellipse">
-            <a:avLst/>
-          </a:prstGeom>
-          <a:solidFill>
-            <a:schemeClr val="accent1">
-              <a:alpha val="50000"/>
-            </a:schemeClr>
-          </a:solidFill>
-        </p:spPr>
-        <p:style>
-          <a:lnRef idx="2">
-            <a:schemeClr val="accent1">
-              <a:shade val="50000"/>
-            </a:schemeClr>
-          </a:lnRef>
-          <a:fillRef idx="1">
-            <a:schemeClr val="accent1"/>
-          </a:fillRef>
-          <a:effectRef idx="0">
-            <a:schemeClr val="accent1"/>
-          </a:effectRef>
-          <a:fontRef idx="minor">
-            <a:schemeClr val="lt1"/>
-          </a:fontRef>
-        </p:style>
-        <p:txBody>
-          <a:bodyPr rtlCol="0" anchor="ctr"/>
-          <a:lstStyle/>
-          <a:p>
-            <a:pPr algn="ctr"/>
-            <a:r>
-              <a:rPr lang="ko-KR" altLang="en-US" sz="1000" dirty="0" smtClean="0"/>
-              <a:t>일정시간이 되면 </a:t>
-            </a:r>
-            <a:r>
-              <a:rPr lang="ko-KR" altLang="en-US" sz="1000" dirty="0" err="1" smtClean="0"/>
-              <a:t>모든사용자는</a:t>
-            </a:r>
-            <a:r>
-              <a:rPr lang="ko-KR" altLang="en-US" sz="1000" dirty="0" smtClean="0"/>
-              <a:t> 투표권을</a:t>
-            </a:r>
-            <a:endParaRPr lang="en-US" altLang="ko-KR" sz="1000" dirty="0" smtClean="0"/>
-          </a:p>
-          <a:p>
-            <a:pPr algn="ctr"/>
-            <a:r>
-              <a:rPr lang="ko-KR" altLang="en-US" sz="1000" dirty="0" smtClean="0"/>
-              <a:t> </a:t>
-            </a:r>
-            <a:r>
-              <a:rPr lang="ko-KR" altLang="en-US" sz="1000" dirty="0" err="1" smtClean="0"/>
-              <a:t>부여받음</a:t>
-            </a:r>
-            <a:r>
-              <a:rPr lang="en-US" altLang="ko-KR" sz="1000" dirty="0" smtClean="0"/>
-              <a:t>.</a:t>
-            </a:r>
-            <a:endParaRPr lang="ko-KR" altLang="en-US" sz="1000" dirty="0"/>
-          </a:p>
-        </p:txBody>
-      </p:sp>
-      <p:cxnSp>
-        <p:nvCxnSpPr>
-          <p:cNvPr id="42" name="직선 화살표 연결선 41"/>
-          <p:cNvCxnSpPr>
-            <a:stCxn id="10" idx="6"/>
-            <a:endCxn id="41" idx="2"/>
-          </p:cNvCxnSpPr>
-          <p:nvPr/>
-        </p:nvCxnSpPr>
-        <p:spPr>
-          <a:xfrm>
-            <a:off x="3635896" y="3284984"/>
-            <a:ext cx="2160240" cy="0"/>
-          </a:xfrm>
-          <a:prstGeom prst="straightConnector1">
-            <a:avLst/>
-          </a:prstGeom>
-          <a:ln>
-            <a:solidFill>
-              <a:schemeClr val="tx1"/>
-            </a:solidFill>
-            <a:prstDash val="sysDash"/>
-            <a:tailEnd type="arrow"/>
-          </a:ln>
-        </p:spPr>
-        <p:style>
-          <a:lnRef idx="1">
-            <a:schemeClr val="accent1"/>
-          </a:lnRef>
-          <a:fillRef idx="0">
-            <a:schemeClr val="accent1"/>
-          </a:fillRef>
-          <a:effectRef idx="0">
-            <a:schemeClr val="accent1"/>
-          </a:effectRef>
-          <a:fontRef idx="minor">
-            <a:schemeClr val="tx1"/>
-          </a:fontRef>
-        </p:style>
-      </p:cxnSp>
-      <p:sp>
-        <p:nvSpPr>
-          <p:cNvPr id="45" name="타원 44"/>
-          <p:cNvSpPr/>
-          <p:nvPr/>
-        </p:nvSpPr>
-        <p:spPr>
-          <a:xfrm>
-            <a:off x="5796136" y="3717032"/>
-            <a:ext cx="1512168" cy="720080"/>
-          </a:xfrm>
-          <a:prstGeom prst="ellipse">
-            <a:avLst/>
-          </a:prstGeom>
-          <a:solidFill>
-            <a:schemeClr val="accent1">
-              <a:alpha val="50000"/>
-            </a:schemeClr>
-          </a:solidFill>
-        </p:spPr>
-        <p:style>
-          <a:lnRef idx="2">
-            <a:schemeClr val="accent1">
-              <a:shade val="50000"/>
-            </a:schemeClr>
-          </a:lnRef>
-          <a:fillRef idx="1">
-            <a:schemeClr val="accent1"/>
-          </a:fillRef>
-          <a:effectRef idx="0">
-            <a:schemeClr val="accent1"/>
-          </a:effectRef>
-          <a:fontRef idx="minor">
-            <a:schemeClr val="lt1"/>
-          </a:fontRef>
-        </p:style>
-        <p:txBody>
-          <a:bodyPr rtlCol="0" anchor="ctr"/>
-          <a:lstStyle/>
-          <a:p>
-            <a:pPr algn="ctr"/>
-            <a:r>
-              <a:rPr lang="ko-KR" altLang="en-US" sz="1200" dirty="0" smtClean="0"/>
-              <a:t>마피아는 </a:t>
-            </a:r>
-            <a:r>
-              <a:rPr lang="ko-KR" altLang="en-US" sz="1200" dirty="0" err="1" smtClean="0"/>
-              <a:t>한사람을</a:t>
-            </a:r>
-            <a:r>
-              <a:rPr lang="ko-KR" altLang="en-US" sz="1200" dirty="0" smtClean="0"/>
-              <a:t> 죽임</a:t>
-            </a:r>
-            <a:r>
-              <a:rPr lang="en-US" altLang="ko-KR" sz="1200" dirty="0" smtClean="0"/>
-              <a:t>.</a:t>
-            </a:r>
-            <a:endParaRPr lang="ko-KR" altLang="en-US" sz="1200" dirty="0"/>
-          </a:p>
-        </p:txBody>
-      </p:sp>
-      <p:sp>
-        <p:nvSpPr>
-          <p:cNvPr id="46" name="타원 45"/>
-          <p:cNvSpPr/>
-          <p:nvPr/>
-        </p:nvSpPr>
-        <p:spPr>
-          <a:xfrm>
-            <a:off x="5724128" y="4509120"/>
-            <a:ext cx="1656184" cy="720080"/>
-          </a:xfrm>
-          <a:prstGeom prst="ellipse">
-            <a:avLst/>
-          </a:prstGeom>
-          <a:solidFill>
-            <a:schemeClr val="accent1">
-              <a:alpha val="50000"/>
-            </a:schemeClr>
-          </a:solidFill>
-        </p:spPr>
-        <p:style>
-          <a:lnRef idx="2">
-            <a:schemeClr val="accent1">
-              <a:shade val="50000"/>
-            </a:schemeClr>
-          </a:lnRef>
-          <a:fillRef idx="1">
-            <a:schemeClr val="accent1"/>
-          </a:fillRef>
-          <a:effectRef idx="0">
-            <a:schemeClr val="accent1"/>
-          </a:effectRef>
-          <a:fontRef idx="minor">
-            <a:schemeClr val="lt1"/>
-          </a:fontRef>
-        </p:style>
-        <p:txBody>
-          <a:bodyPr rtlCol="0" anchor="ctr"/>
-          <a:lstStyle/>
-          <a:p>
-            <a:pPr algn="ctr"/>
-            <a:r>
-              <a:rPr lang="ko-KR" altLang="en-US" sz="1050" dirty="0" smtClean="0"/>
-              <a:t>경찰과 보디가드는 각자의 능력을 사용</a:t>
-            </a:r>
-            <a:endParaRPr lang="ko-KR" altLang="en-US" sz="1050" dirty="0"/>
-          </a:p>
-        </p:txBody>
-      </p:sp>
-      <p:sp>
-        <p:nvSpPr>
-          <p:cNvPr id="48" name="이등변 삼각형 47"/>
-          <p:cNvSpPr/>
-          <p:nvPr/>
-        </p:nvSpPr>
-        <p:spPr>
-          <a:xfrm rot="16200000">
-            <a:off x="3563888" y="4725145"/>
-            <a:ext cx="360040" cy="216024"/>
-          </a:xfrm>
-          <a:prstGeom prst="triangle">
-            <a:avLst/>
-          </a:prstGeom>
-          <a:solidFill>
-            <a:schemeClr val="tx1"/>
-          </a:solidFill>
-          <a:ln>
+            </a:fontRef>
+          </p:style>
+        </p:cxnSp>
+        <p:sp>
+          <p:nvSpPr>
+            <p:cNvPr id="93" name="TextBox 92"/>
+            <p:cNvSpPr txBox="1"/>
+            <p:nvPr/>
+          </p:nvSpPr>
+          <p:spPr>
+            <a:xfrm>
+              <a:off x="4211960" y="2204864"/>
+              <a:ext cx="1084271" cy="276999"/>
+            </a:xfrm>
+            <a:prstGeom prst="rect">
+              <a:avLst/>
+            </a:prstGeom>
             <a:noFill/>
-          </a:ln>
-        </p:spPr>
-        <p:style>
-          <a:lnRef idx="2">
-            <a:schemeClr val="accent1">
-              <a:shade val="50000"/>
-            </a:schemeClr>
-          </a:lnRef>
-          <a:fillRef idx="1">
-            <a:schemeClr val="accent1"/>
-          </a:fillRef>
-          <a:effectRef idx="0">
-            <a:schemeClr val="accent1"/>
-          </a:effectRef>
-          <a:fontRef idx="minor">
-            <a:schemeClr val="lt1"/>
-          </a:fontRef>
-        </p:style>
-        <p:txBody>
-          <a:bodyPr rtlCol="0" anchor="ctr"/>
-          <a:lstStyle/>
-          <a:p>
-            <a:pPr algn="ctr"/>
-            <a:endParaRPr lang="ko-KR" altLang="en-US"/>
-          </a:p>
-        </p:txBody>
-      </p:sp>
-      <p:cxnSp>
-        <p:nvCxnSpPr>
-          <p:cNvPr id="51" name="직선 연결선 50"/>
-          <p:cNvCxnSpPr>
-            <a:stCxn id="46" idx="2"/>
-            <a:endCxn id="48" idx="3"/>
-          </p:cNvCxnSpPr>
-          <p:nvPr/>
-        </p:nvCxnSpPr>
-        <p:spPr>
-          <a:xfrm flipH="1" flipV="1">
-            <a:off x="3851920" y="4833157"/>
-            <a:ext cx="1872208" cy="36003"/>
-          </a:xfrm>
-          <a:prstGeom prst="line">
-            <a:avLst/>
-          </a:prstGeom>
-          <a:ln>
-            <a:solidFill>
-              <a:schemeClr val="tx1"/>
-            </a:solidFill>
-          </a:ln>
-        </p:spPr>
-        <p:style>
-          <a:lnRef idx="1">
-            <a:schemeClr val="accent1"/>
-          </a:lnRef>
-          <a:fillRef idx="0">
-            <a:schemeClr val="accent1"/>
-          </a:fillRef>
-          <a:effectRef idx="0">
-            <a:schemeClr val="accent1"/>
-          </a:effectRef>
-          <a:fontRef idx="minor">
-            <a:schemeClr val="tx1"/>
-          </a:fontRef>
-        </p:style>
-      </p:cxnSp>
-      <p:cxnSp>
-        <p:nvCxnSpPr>
-          <p:cNvPr id="54" name="직선 연결선 53"/>
-          <p:cNvCxnSpPr>
-            <a:stCxn id="45" idx="2"/>
-          </p:cNvCxnSpPr>
-          <p:nvPr/>
-        </p:nvCxnSpPr>
-        <p:spPr>
-          <a:xfrm flipH="1">
-            <a:off x="5004048" y="4077072"/>
-            <a:ext cx="792088" cy="0"/>
-          </a:xfrm>
-          <a:prstGeom prst="line">
-            <a:avLst/>
-          </a:prstGeom>
-          <a:ln>
-            <a:solidFill>
-              <a:schemeClr val="tx1"/>
-            </a:solidFill>
-          </a:ln>
-        </p:spPr>
-        <p:style>
-          <a:lnRef idx="1">
-            <a:schemeClr val="accent1"/>
-          </a:lnRef>
-          <a:fillRef idx="0">
-            <a:schemeClr val="accent1"/>
-          </a:fillRef>
-          <a:effectRef idx="0">
-            <a:schemeClr val="accent1"/>
-          </a:effectRef>
-          <a:fontRef idx="minor">
-            <a:schemeClr val="tx1"/>
-          </a:fontRef>
-        </p:style>
-      </p:cxnSp>
-      <p:cxnSp>
-        <p:nvCxnSpPr>
-          <p:cNvPr id="59" name="직선 연결선 58"/>
-          <p:cNvCxnSpPr/>
-          <p:nvPr/>
-        </p:nvCxnSpPr>
-        <p:spPr>
-          <a:xfrm flipV="1">
-            <a:off x="5004048" y="4077072"/>
-            <a:ext cx="0" cy="792088"/>
-          </a:xfrm>
-          <a:prstGeom prst="line">
-            <a:avLst/>
-          </a:prstGeom>
-          <a:ln>
-            <a:solidFill>
-              <a:schemeClr val="tx1"/>
-            </a:solidFill>
-          </a:ln>
-        </p:spPr>
-        <p:style>
-          <a:lnRef idx="1">
-            <a:schemeClr val="accent1"/>
-          </a:lnRef>
-          <a:fillRef idx="0">
-            <a:schemeClr val="accent1"/>
-          </a:fillRef>
-          <a:effectRef idx="0">
-            <a:schemeClr val="accent1"/>
-          </a:effectRef>
-          <a:fontRef idx="minor">
-            <a:schemeClr val="tx1"/>
-          </a:fontRef>
-        </p:style>
-      </p:cxnSp>
-      <p:cxnSp>
-        <p:nvCxnSpPr>
-          <p:cNvPr id="64" name="직선 연결선 63"/>
-          <p:cNvCxnSpPr>
-            <a:stCxn id="1026" idx="3"/>
-            <a:endCxn id="30" idx="2"/>
-          </p:cNvCxnSpPr>
-          <p:nvPr/>
-        </p:nvCxnSpPr>
-        <p:spPr>
-          <a:xfrm flipV="1">
-            <a:off x="539552" y="2420888"/>
-            <a:ext cx="1584176" cy="1441500"/>
-          </a:xfrm>
-          <a:prstGeom prst="line">
-            <a:avLst/>
-          </a:prstGeom>
-          <a:ln>
-            <a:solidFill>
-              <a:schemeClr val="tx1"/>
-            </a:solidFill>
-          </a:ln>
-        </p:spPr>
-        <p:style>
-          <a:lnRef idx="1">
-            <a:schemeClr val="accent1"/>
-          </a:lnRef>
-          <a:fillRef idx="0">
-            <a:schemeClr val="accent1"/>
-          </a:fillRef>
-          <a:effectRef idx="0">
-            <a:schemeClr val="accent1"/>
-          </a:effectRef>
-          <a:fontRef idx="minor">
-            <a:schemeClr val="tx1"/>
-          </a:fontRef>
-        </p:style>
-      </p:cxnSp>
-      <p:cxnSp>
-        <p:nvCxnSpPr>
-          <p:cNvPr id="67" name="직선 연결선 66"/>
-          <p:cNvCxnSpPr>
-            <a:stCxn id="1026" idx="3"/>
-            <a:endCxn id="10" idx="2"/>
-          </p:cNvCxnSpPr>
-          <p:nvPr/>
-        </p:nvCxnSpPr>
-        <p:spPr>
-          <a:xfrm flipV="1">
-            <a:off x="539552" y="3284984"/>
-            <a:ext cx="1584176" cy="577404"/>
-          </a:xfrm>
-          <a:prstGeom prst="line">
-            <a:avLst/>
-          </a:prstGeom>
-          <a:ln>
-            <a:solidFill>
-              <a:schemeClr val="tx1"/>
-            </a:solidFill>
-          </a:ln>
-        </p:spPr>
-        <p:style>
-          <a:lnRef idx="1">
-            <a:schemeClr val="accent1"/>
-          </a:lnRef>
-          <a:fillRef idx="0">
-            <a:schemeClr val="accent1"/>
-          </a:fillRef>
-          <a:effectRef idx="0">
-            <a:schemeClr val="accent1"/>
-          </a:effectRef>
-          <a:fontRef idx="minor">
-            <a:schemeClr val="tx1"/>
-          </a:fontRef>
-        </p:style>
-      </p:cxnSp>
-      <p:sp>
-        <p:nvSpPr>
-          <p:cNvPr id="74" name="타원 73"/>
-          <p:cNvSpPr/>
-          <p:nvPr/>
-        </p:nvSpPr>
-        <p:spPr>
-          <a:xfrm>
-            <a:off x="2123728" y="6093296"/>
-            <a:ext cx="1512168" cy="720080"/>
-          </a:xfrm>
-          <a:prstGeom prst="ellipse">
-            <a:avLst/>
-          </a:prstGeom>
-          <a:solidFill>
-            <a:schemeClr val="accent1">
-              <a:alpha val="50000"/>
-            </a:schemeClr>
-          </a:solidFill>
-        </p:spPr>
-        <p:style>
-          <a:lnRef idx="2">
-            <a:schemeClr val="accent1">
-              <a:shade val="50000"/>
-            </a:schemeClr>
-          </a:lnRef>
-          <a:fillRef idx="1">
-            <a:schemeClr val="accent1"/>
-          </a:fillRef>
-          <a:effectRef idx="0">
-            <a:schemeClr val="accent1"/>
-          </a:effectRef>
-          <a:fontRef idx="minor">
-            <a:schemeClr val="lt1"/>
-          </a:fontRef>
-        </p:style>
-        <p:txBody>
-          <a:bodyPr rtlCol="0" anchor="ctr"/>
-          <a:lstStyle/>
-          <a:p>
-            <a:pPr algn="ctr"/>
-            <a:r>
-              <a:rPr lang="ko-KR" altLang="en-US" sz="1200" dirty="0" smtClean="0"/>
-              <a:t>게임이 끝나면 종료된다</a:t>
-            </a:r>
-            <a:r>
-              <a:rPr lang="en-US" altLang="ko-KR" sz="1200" dirty="0" smtClean="0"/>
-              <a:t>.</a:t>
-            </a:r>
-            <a:endParaRPr lang="ko-KR" altLang="en-US" sz="1200" dirty="0"/>
-          </a:p>
-        </p:txBody>
-      </p:sp>
-      <p:sp>
-        <p:nvSpPr>
-          <p:cNvPr id="75" name="타원 74"/>
-          <p:cNvSpPr/>
-          <p:nvPr/>
-        </p:nvSpPr>
-        <p:spPr>
-          <a:xfrm>
-            <a:off x="5796136" y="5301208"/>
-            <a:ext cx="1512168" cy="720080"/>
-          </a:xfrm>
-          <a:prstGeom prst="ellipse">
-            <a:avLst/>
-          </a:prstGeom>
-          <a:solidFill>
-            <a:schemeClr val="accent1">
-              <a:alpha val="50000"/>
-            </a:schemeClr>
-          </a:solidFill>
-        </p:spPr>
-        <p:style>
-          <a:lnRef idx="2">
-            <a:schemeClr val="accent1">
-              <a:shade val="50000"/>
-            </a:schemeClr>
-          </a:lnRef>
-          <a:fillRef idx="1">
-            <a:schemeClr val="accent1"/>
-          </a:fillRef>
-          <a:effectRef idx="0">
-            <a:schemeClr val="accent1"/>
-          </a:effectRef>
-          <a:fontRef idx="minor">
-            <a:schemeClr val="lt1"/>
-          </a:fontRef>
-        </p:style>
-        <p:txBody>
-          <a:bodyPr rtlCol="0" anchor="ctr"/>
-          <a:lstStyle/>
-          <a:p>
-            <a:pPr algn="ctr"/>
-            <a:r>
-              <a:rPr lang="ko-KR" altLang="en-US" sz="1200" dirty="0" smtClean="0"/>
-              <a:t>마피아를</a:t>
-            </a:r>
-            <a:endParaRPr lang="en-US" altLang="ko-KR" sz="1200" dirty="0" smtClean="0"/>
-          </a:p>
-          <a:p>
-            <a:pPr algn="ctr"/>
-            <a:r>
-              <a:rPr lang="ko-KR" altLang="en-US" sz="1200" dirty="0" smtClean="0"/>
-              <a:t> 모두 잡음</a:t>
-            </a:r>
-            <a:endParaRPr lang="ko-KR" altLang="en-US" sz="1200" dirty="0"/>
-          </a:p>
-        </p:txBody>
-      </p:sp>
-      <p:sp>
-        <p:nvSpPr>
-          <p:cNvPr id="76" name="타원 75"/>
-          <p:cNvSpPr/>
-          <p:nvPr/>
-        </p:nvSpPr>
-        <p:spPr>
-          <a:xfrm>
-            <a:off x="5796136" y="6093296"/>
-            <a:ext cx="1872208" cy="720080"/>
-          </a:xfrm>
-          <a:prstGeom prst="ellipse">
-            <a:avLst/>
-          </a:prstGeom>
-          <a:solidFill>
-            <a:schemeClr val="accent1">
-              <a:alpha val="50000"/>
-            </a:schemeClr>
-          </a:solidFill>
-        </p:spPr>
-        <p:style>
-          <a:lnRef idx="2">
-            <a:schemeClr val="accent1">
-              <a:shade val="50000"/>
-            </a:schemeClr>
-          </a:lnRef>
-          <a:fillRef idx="1">
-            <a:schemeClr val="accent1"/>
-          </a:fillRef>
-          <a:effectRef idx="0">
-            <a:schemeClr val="accent1"/>
-          </a:effectRef>
-          <a:fontRef idx="minor">
-            <a:schemeClr val="lt1"/>
-          </a:fontRef>
-        </p:style>
-        <p:txBody>
-          <a:bodyPr rtlCol="0" anchor="ctr"/>
-          <a:lstStyle/>
-          <a:p>
-            <a:pPr algn="ctr"/>
-            <a:r>
-              <a:rPr lang="ko-KR" altLang="en-US" sz="1200" smtClean="0"/>
-              <a:t>마피아가 시민을 모두 죽임</a:t>
-            </a:r>
-            <a:endParaRPr lang="ko-KR" altLang="en-US" sz="1200" dirty="0"/>
-          </a:p>
-        </p:txBody>
-      </p:sp>
-      <p:sp>
-        <p:nvSpPr>
-          <p:cNvPr id="77" name="이등변 삼각형 76"/>
-          <p:cNvSpPr/>
-          <p:nvPr/>
-        </p:nvSpPr>
-        <p:spPr>
-          <a:xfrm rot="16200000">
-            <a:off x="3563888" y="6309320"/>
-            <a:ext cx="360040" cy="216024"/>
-          </a:xfrm>
-          <a:prstGeom prst="triangle">
-            <a:avLst/>
-          </a:prstGeom>
-          <a:solidFill>
-            <a:schemeClr val="tx1"/>
-          </a:solidFill>
-          <a:ln>
-            <a:noFill/>
-          </a:ln>
-        </p:spPr>
-        <p:style>
-          <a:lnRef idx="2">
-            <a:schemeClr val="accent1">
-              <a:shade val="50000"/>
-            </a:schemeClr>
-          </a:lnRef>
-          <a:fillRef idx="1">
-            <a:schemeClr val="accent1"/>
-          </a:fillRef>
-          <a:effectRef idx="0">
-            <a:schemeClr val="accent1"/>
-          </a:effectRef>
-          <a:fontRef idx="minor">
-            <a:schemeClr val="lt1"/>
-          </a:fontRef>
-        </p:style>
-        <p:txBody>
-          <a:bodyPr rtlCol="0" anchor="ctr"/>
-          <a:lstStyle/>
-          <a:p>
-            <a:pPr algn="ctr"/>
-            <a:endParaRPr lang="ko-KR" altLang="en-US"/>
-          </a:p>
-        </p:txBody>
-      </p:sp>
-      <p:cxnSp>
-        <p:nvCxnSpPr>
-          <p:cNvPr id="78" name="직선 연결선 77"/>
-          <p:cNvCxnSpPr>
-            <a:stCxn id="76" idx="2"/>
-            <a:endCxn id="77" idx="3"/>
-          </p:cNvCxnSpPr>
-          <p:nvPr/>
-        </p:nvCxnSpPr>
-        <p:spPr>
-          <a:xfrm flipH="1" flipV="1">
-            <a:off x="3851920" y="6417332"/>
-            <a:ext cx="1944216" cy="36004"/>
-          </a:xfrm>
-          <a:prstGeom prst="line">
-            <a:avLst/>
-          </a:prstGeom>
-          <a:ln>
-            <a:solidFill>
-              <a:schemeClr val="tx1"/>
-            </a:solidFill>
-          </a:ln>
-        </p:spPr>
-        <p:style>
-          <a:lnRef idx="1">
-            <a:schemeClr val="accent1"/>
-          </a:lnRef>
-          <a:fillRef idx="0">
-            <a:schemeClr val="accent1"/>
-          </a:fillRef>
-          <a:effectRef idx="0">
-            <a:schemeClr val="accent1"/>
-          </a:effectRef>
-          <a:fontRef idx="minor">
-            <a:schemeClr val="tx1"/>
-          </a:fontRef>
-        </p:style>
-      </p:cxnSp>
-      <p:cxnSp>
-        <p:nvCxnSpPr>
-          <p:cNvPr id="85" name="직선 연결선 84"/>
-          <p:cNvCxnSpPr>
-            <a:stCxn id="75" idx="2"/>
-          </p:cNvCxnSpPr>
-          <p:nvPr/>
-        </p:nvCxnSpPr>
-        <p:spPr>
-          <a:xfrm flipH="1">
-            <a:off x="5004048" y="5661248"/>
-            <a:ext cx="792088" cy="0"/>
-          </a:xfrm>
-          <a:prstGeom prst="line">
-            <a:avLst/>
-          </a:prstGeom>
-          <a:ln>
-            <a:solidFill>
-              <a:schemeClr val="tx1"/>
-            </a:solidFill>
-          </a:ln>
-        </p:spPr>
-        <p:style>
-          <a:lnRef idx="1">
-            <a:schemeClr val="accent1"/>
-          </a:lnRef>
-          <a:fillRef idx="0">
-            <a:schemeClr val="accent1"/>
-          </a:fillRef>
-          <a:effectRef idx="0">
-            <a:schemeClr val="accent1"/>
-          </a:effectRef>
-          <a:fontRef idx="minor">
-            <a:schemeClr val="tx1"/>
-          </a:fontRef>
-        </p:style>
-      </p:cxnSp>
-      <p:cxnSp>
-        <p:nvCxnSpPr>
-          <p:cNvPr id="86" name="직선 연결선 85"/>
-          <p:cNvCxnSpPr/>
-          <p:nvPr/>
-        </p:nvCxnSpPr>
-        <p:spPr>
-          <a:xfrm flipV="1">
-            <a:off x="5004048" y="5661248"/>
-            <a:ext cx="0" cy="792088"/>
-          </a:xfrm>
-          <a:prstGeom prst="line">
-            <a:avLst/>
-          </a:prstGeom>
-          <a:ln>
-            <a:solidFill>
-              <a:schemeClr val="tx1"/>
-            </a:solidFill>
-          </a:ln>
-        </p:spPr>
-        <p:style>
-          <a:lnRef idx="1">
-            <a:schemeClr val="accent1"/>
-          </a:lnRef>
-          <a:fillRef idx="0">
-            <a:schemeClr val="accent1"/>
-          </a:fillRef>
-          <a:effectRef idx="0">
-            <a:schemeClr val="accent1"/>
-          </a:effectRef>
-          <a:fontRef idx="minor">
-            <a:schemeClr val="tx1"/>
-          </a:fontRef>
-        </p:style>
-      </p:cxnSp>
-      <p:sp>
-        <p:nvSpPr>
-          <p:cNvPr id="89" name="타원 88"/>
-          <p:cNvSpPr/>
-          <p:nvPr/>
-        </p:nvSpPr>
-        <p:spPr>
-          <a:xfrm>
-            <a:off x="5796136" y="2060848"/>
-            <a:ext cx="1512168" cy="720080"/>
-          </a:xfrm>
-          <a:prstGeom prst="ellipse">
-            <a:avLst/>
-          </a:prstGeom>
-          <a:solidFill>
-            <a:schemeClr val="accent1">
-              <a:alpha val="50000"/>
-            </a:schemeClr>
-          </a:solidFill>
-        </p:spPr>
-        <p:style>
-          <a:lnRef idx="2">
-            <a:schemeClr val="accent1">
-              <a:shade val="50000"/>
-            </a:schemeClr>
-          </a:lnRef>
-          <a:fillRef idx="1">
-            <a:schemeClr val="accent1"/>
-          </a:fillRef>
-          <a:effectRef idx="0">
-            <a:schemeClr val="accent1"/>
-          </a:effectRef>
-          <a:fontRef idx="minor">
-            <a:schemeClr val="lt1"/>
-          </a:fontRef>
-        </p:style>
-        <p:txBody>
-          <a:bodyPr rtlCol="0" anchor="ctr"/>
-          <a:lstStyle/>
-          <a:p>
-            <a:pPr algn="ctr"/>
-            <a:r>
-              <a:rPr lang="ko-KR" altLang="en-US" sz="1200" dirty="0" err="1" smtClean="0"/>
-              <a:t>게임중</a:t>
-            </a:r>
-            <a:r>
-              <a:rPr lang="ko-KR" altLang="en-US" sz="1200" dirty="0" smtClean="0"/>
-              <a:t> </a:t>
-            </a:r>
-            <a:r>
-              <a:rPr lang="ko-KR" altLang="en-US" sz="1200" dirty="0" err="1" smtClean="0"/>
-              <a:t>죽게되면</a:t>
-            </a:r>
-            <a:r>
-              <a:rPr lang="ko-KR" altLang="en-US" sz="1200" dirty="0" smtClean="0"/>
-              <a:t> 채팅을 </a:t>
-            </a:r>
-            <a:r>
-              <a:rPr lang="ko-KR" altLang="en-US" sz="1200" dirty="0" err="1" smtClean="0"/>
-              <a:t>못하게됨</a:t>
-            </a:r>
-            <a:endParaRPr lang="ko-KR" altLang="en-US" sz="1200" dirty="0"/>
-          </a:p>
-        </p:txBody>
-      </p:sp>
-      <p:cxnSp>
-        <p:nvCxnSpPr>
-          <p:cNvPr id="90" name="직선 화살표 연결선 89"/>
-          <p:cNvCxnSpPr>
-            <a:stCxn id="89" idx="2"/>
-            <a:endCxn id="30" idx="6"/>
-          </p:cNvCxnSpPr>
-          <p:nvPr/>
-        </p:nvCxnSpPr>
-        <p:spPr>
-          <a:xfrm flipH="1">
-            <a:off x="3635896" y="2420888"/>
-            <a:ext cx="2160240" cy="0"/>
-          </a:xfrm>
-          <a:prstGeom prst="straightConnector1">
-            <a:avLst/>
-          </a:prstGeom>
-          <a:ln>
-            <a:solidFill>
-              <a:schemeClr val="tx1"/>
-            </a:solidFill>
-            <a:prstDash val="sysDash"/>
-            <a:tailEnd type="arrow"/>
-          </a:ln>
-        </p:spPr>
-        <p:style>
-          <a:lnRef idx="1">
-            <a:schemeClr val="accent1"/>
-          </a:lnRef>
-          <a:fillRef idx="0">
-            <a:schemeClr val="accent1"/>
-          </a:fillRef>
-          <a:effectRef idx="0">
-            <a:schemeClr val="accent1"/>
-          </a:effectRef>
-          <a:fontRef idx="minor">
-            <a:schemeClr val="tx1"/>
-          </a:fontRef>
-        </p:style>
-      </p:cxnSp>
-      <p:sp>
-        <p:nvSpPr>
-          <p:cNvPr id="93" name="TextBox 92"/>
-          <p:cNvSpPr txBox="1"/>
-          <p:nvPr/>
-        </p:nvSpPr>
-        <p:spPr>
-          <a:xfrm>
-            <a:off x="4211960" y="2204864"/>
-            <a:ext cx="1084271" cy="276999"/>
-          </a:xfrm>
-          <a:prstGeom prst="rect">
-            <a:avLst/>
-          </a:prstGeom>
-          <a:noFill/>
-        </p:spPr>
-        <p:txBody>
-          <a:bodyPr wrap="none" rtlCol="0">
-            <a:spAutoFit/>
-          </a:bodyPr>
-          <a:lstStyle/>
-          <a:p>
-            <a:r>
-              <a:rPr lang="en-US" altLang="ko-KR" sz="1200" dirty="0" smtClean="0"/>
-              <a:t>&lt;&lt;extend&gt;&gt;</a:t>
-            </a:r>
-            <a:endParaRPr lang="ko-KR" altLang="en-US" sz="1200" dirty="0"/>
-          </a:p>
-        </p:txBody>
-      </p:sp>
+          </p:spPr>
+          <p:txBody>
+            <a:bodyPr wrap="none" rtlCol="0">
+              <a:spAutoFit/>
+            </a:bodyPr>
+            <a:lstStyle/>
+            <a:p>
+              <a:r>
+                <a:rPr lang="en-US" altLang="ko-KR" sz="1200" dirty="0" smtClean="0"/>
+                <a:t>&lt;&lt;extend&gt;&gt;</a:t>
+              </a:r>
+              <a:endParaRPr lang="ko-KR" altLang="en-US" sz="1200" dirty="0"/>
+            </a:p>
+          </p:txBody>
+        </p:sp>
+      </p:grpSp>
     </p:spTree>
   </p:cSld>
   <p:clrMapOvr>
